--- a/lectures/lec2/Halstead_Complexity.pptx
+++ b/lectures/lec2/Halstead_Complexity.pptx
@@ -48,7 +48,7 @@
       </p:grpSpPr>
       <p:sp>
         <p:nvSpPr>
-          <p:cNvPr id="74" name="PlaceHolder 1"/>
+          <p:cNvPr id="69" name="PlaceHolder 1"/>
           <p:cNvSpPr>
             <a:spLocks noGrp="1"/>
           </p:cNvSpPr>
@@ -78,7 +78,7 @@
       </p:sp>
       <p:sp>
         <p:nvSpPr>
-          <p:cNvPr id="75" name="PlaceHolder 2"/>
+          <p:cNvPr id="70" name="PlaceHolder 2"/>
           <p:cNvSpPr>
             <a:spLocks noGrp="1"/>
           </p:cNvSpPr>
@@ -108,7 +108,7 @@
       </p:sp>
       <p:sp>
         <p:nvSpPr>
-          <p:cNvPr id="76" name="PlaceHolder 3"/>
+          <p:cNvPr id="71" name="PlaceHolder 3"/>
           <p:cNvSpPr>
             <a:spLocks noGrp="1"/>
           </p:cNvSpPr>
@@ -139,7 +139,7 @@
       </p:sp>
       <p:sp>
         <p:nvSpPr>
-          <p:cNvPr id="77" name="PlaceHolder 4"/>
+          <p:cNvPr id="72" name="PlaceHolder 4"/>
           <p:cNvSpPr>
             <a:spLocks noGrp="1"/>
           </p:cNvSpPr>
@@ -169,7 +169,7 @@
       </p:sp>
       <p:sp>
         <p:nvSpPr>
-          <p:cNvPr id="78" name="PlaceHolder 5"/>
+          <p:cNvPr id="73" name="PlaceHolder 5"/>
           <p:cNvSpPr>
             <a:spLocks noGrp="1"/>
           </p:cNvSpPr>
@@ -190,7 +190,7 @@
           <a:bodyPr anchor="b" bIns="0" lIns="0" rIns="0" tIns="0" wrap="none"/>
           <a:p>
             <a:pPr algn="r"/>
-            <a:fld id="{F446BA28-1D15-4B88-93EE-F397D17A01A9}" type="slidenum">
+            <a:fld id="{4F3C20E2-CE44-42AC-B1A7-F066F2F0B0B0}" type="slidenum">
               <a:rPr lang="en-CA"/>
               <a:t>&lt;number&gt;</a:t>
             </a:fld>
@@ -223,7 +223,7 @@
       </p:grpSpPr>
       <p:sp>
         <p:nvSpPr>
-          <p:cNvPr id="142" name="PlaceHolder 1"/>
+          <p:cNvPr id="137" name="PlaceHolder 1"/>
           <p:cNvSpPr>
             <a:spLocks noGrp="1"/>
           </p:cNvSpPr>
@@ -234,14 +234,14 @@
         <p:spPr>
           <a:xfrm>
             <a:off x="685800" y="4343400"/>
-            <a:ext cx="5486040" cy="4114440"/>
-          </a:xfrm>
-          <a:prstGeom prst="rect">
-            <a:avLst/>
-          </a:prstGeom>
-        </p:spPr>
-        <p:txBody>
-          <a:bodyPr/>
+            <a:ext cx="5485680" cy="4114080"/>
+          </a:xfrm>
+          <a:prstGeom prst="rect">
+            <a:avLst/>
+          </a:prstGeom>
+        </p:spPr>
+        <p:txBody>
+          <a:bodyPr bIns="0" lIns="0" rIns="0" tIns="0"/>
           <a:p>
             <a:r>
               <a:rPr lang="en-CA"/>
@@ -253,28 +253,28 @@
       </p:sp>
       <p:sp>
         <p:nvSpPr>
-          <p:cNvPr id="143" name="TextShape 2"/>
-          <p:cNvSpPr txBox="1"/>
+          <p:cNvPr id="138" name="CustomShape 2"/>
+          <p:cNvSpPr/>
           <p:nvPr/>
         </p:nvSpPr>
         <p:spPr>
           <a:xfrm>
             <a:off x="3884760" y="8685360"/>
-            <a:ext cx="2971440" cy="456840"/>
-          </a:xfrm>
-          <a:prstGeom prst="rect">
-            <a:avLst/>
-          </a:prstGeom>
-        </p:spPr>
-        <p:txBody>
-          <a:bodyPr anchor="b"/>
+            <a:ext cx="2971080" cy="456480"/>
+          </a:xfrm>
+          <a:prstGeom prst="rect">
+            <a:avLst/>
+          </a:prstGeom>
+        </p:spPr>
+        <p:txBody>
+          <a:bodyPr anchor="b" bIns="45000" lIns="90000" rIns="90000" tIns="45000"/>
           <a:p>
             <a:pPr algn="r">
               <a:lnSpc>
                 <a:spcPct val="100000"/>
               </a:lnSpc>
             </a:pPr>
-            <a:fld id="{F39AFB71-1439-4351-B847-ABDBAAD8BC9B}" type="slidenum">
+            <a:fld id="{F89472FA-A44D-4200-8233-46F0F39E6A5A}" type="slidenum">
               <a:rPr lang="en-CA" sz="1200">
                 <a:solidFill>
                   <a:srgbClr val="000000"/>
@@ -334,7 +334,7 @@
       </p:grpSpPr>
       <p:sp>
         <p:nvSpPr>
-          <p:cNvPr id="26" name="PlaceHolder 1"/>
+          <p:cNvPr id="23" name="PlaceHolder 1"/>
           <p:cNvSpPr>
             <a:spLocks noGrp="1"/>
           </p:cNvSpPr>
@@ -344,8 +344,8 @@
         </p:nvSpPr>
         <p:spPr>
           <a:xfrm>
-            <a:off x="457200" y="274680"/>
-            <a:ext cx="8229240" cy="1143000"/>
+            <a:off x="457200" y="273600"/>
+            <a:ext cx="8229240" cy="1145160"/>
           </a:xfrm>
           <a:prstGeom prst="rect">
             <a:avLst/>
@@ -354,13 +354,14 @@
         <p:txBody>
           <a:bodyPr anchor="ctr" bIns="0" lIns="0" rIns="0" tIns="0" wrap="none"/>
           <a:p>
-            <a:endParaRPr/>
-          </a:p>
-        </p:txBody>
-      </p:sp>
-      <p:sp>
-        <p:nvSpPr>
-          <p:cNvPr id="27" name="PlaceHolder 2"/>
+            <a:pPr algn="ctr"/>
+            <a:endParaRPr/>
+          </a:p>
+        </p:txBody>
+      </p:sp>
+      <p:sp>
+        <p:nvSpPr>
+          <p:cNvPr id="24" name="PlaceHolder 2"/>
           <p:cNvSpPr>
             <a:spLocks noGrp="1"/>
           </p:cNvSpPr>
@@ -370,8 +371,8 @@
         </p:nvSpPr>
         <p:spPr>
           <a:xfrm>
-            <a:off x="457200" y="1600200"/>
-            <a:ext cx="8229240" cy="2158200"/>
+            <a:off x="457200" y="1604520"/>
+            <a:ext cx="8229240" cy="1896480"/>
           </a:xfrm>
           <a:prstGeom prst="rect">
             <a:avLst/>
@@ -386,7 +387,7 @@
       </p:sp>
       <p:sp>
         <p:nvSpPr>
-          <p:cNvPr id="28" name="PlaceHolder 3"/>
+          <p:cNvPr id="25" name="PlaceHolder 3"/>
           <p:cNvSpPr>
             <a:spLocks noGrp="1"/>
           </p:cNvSpPr>
@@ -396,8 +397,8 @@
         </p:nvSpPr>
         <p:spPr>
           <a:xfrm>
-            <a:off x="457200" y="3963600"/>
-            <a:ext cx="8229240" cy="2158200"/>
+            <a:off x="457200" y="3681360"/>
+            <a:ext cx="8229240" cy="1896480"/>
           </a:xfrm>
           <a:prstGeom prst="rect">
             <a:avLst/>
@@ -434,7 +435,7 @@
       </p:grpSpPr>
       <p:sp>
         <p:nvSpPr>
-          <p:cNvPr id="29" name="PlaceHolder 1"/>
+          <p:cNvPr id="26" name="PlaceHolder 1"/>
           <p:cNvSpPr>
             <a:spLocks noGrp="1"/>
           </p:cNvSpPr>
@@ -444,8 +445,8 @@
         </p:nvSpPr>
         <p:spPr>
           <a:xfrm>
-            <a:off x="457200" y="274680"/>
-            <a:ext cx="8229240" cy="1143000"/>
+            <a:off x="457200" y="273600"/>
+            <a:ext cx="8229240" cy="1145160"/>
           </a:xfrm>
           <a:prstGeom prst="rect">
             <a:avLst/>
@@ -454,13 +455,14 @@
         <p:txBody>
           <a:bodyPr anchor="ctr" bIns="0" lIns="0" rIns="0" tIns="0" wrap="none"/>
           <a:p>
-            <a:endParaRPr/>
-          </a:p>
-        </p:txBody>
-      </p:sp>
-      <p:sp>
-        <p:nvSpPr>
-          <p:cNvPr id="30" name="PlaceHolder 2"/>
+            <a:pPr algn="ctr"/>
+            <a:endParaRPr/>
+          </a:p>
+        </p:txBody>
+      </p:sp>
+      <p:sp>
+        <p:nvSpPr>
+          <p:cNvPr id="27" name="PlaceHolder 2"/>
           <p:cNvSpPr>
             <a:spLocks noGrp="1"/>
           </p:cNvSpPr>
@@ -470,8 +472,8 @@
         </p:nvSpPr>
         <p:spPr>
           <a:xfrm>
-            <a:off x="457200" y="1600200"/>
-            <a:ext cx="4015440" cy="2158200"/>
+            <a:off x="457200" y="1604520"/>
+            <a:ext cx="4015440" cy="1896480"/>
           </a:xfrm>
           <a:prstGeom prst="rect">
             <a:avLst/>
@@ -486,7 +488,7 @@
       </p:sp>
       <p:sp>
         <p:nvSpPr>
-          <p:cNvPr id="31" name="PlaceHolder 3"/>
+          <p:cNvPr id="28" name="PlaceHolder 3"/>
           <p:cNvSpPr>
             <a:spLocks noGrp="1"/>
           </p:cNvSpPr>
@@ -496,8 +498,8 @@
         </p:nvSpPr>
         <p:spPr>
           <a:xfrm>
-            <a:off x="4673520" y="1600200"/>
-            <a:ext cx="4015440" cy="2158200"/>
+            <a:off x="4673520" y="1604520"/>
+            <a:ext cx="4015440" cy="1896480"/>
           </a:xfrm>
           <a:prstGeom prst="rect">
             <a:avLst/>
@@ -512,7 +514,7 @@
       </p:sp>
       <p:sp>
         <p:nvSpPr>
-          <p:cNvPr id="32" name="PlaceHolder 4"/>
+          <p:cNvPr id="29" name="PlaceHolder 4"/>
           <p:cNvSpPr>
             <a:spLocks noGrp="1"/>
           </p:cNvSpPr>
@@ -522,8 +524,8 @@
         </p:nvSpPr>
         <p:spPr>
           <a:xfrm>
-            <a:off x="4673520" y="3963600"/>
-            <a:ext cx="4015440" cy="2158200"/>
+            <a:off x="4673520" y="3681360"/>
+            <a:ext cx="4015440" cy="1896480"/>
           </a:xfrm>
           <a:prstGeom prst="rect">
             <a:avLst/>
@@ -538,7 +540,7 @@
       </p:sp>
       <p:sp>
         <p:nvSpPr>
-          <p:cNvPr id="33" name="PlaceHolder 5"/>
+          <p:cNvPr id="30" name="PlaceHolder 5"/>
           <p:cNvSpPr>
             <a:spLocks noGrp="1"/>
           </p:cNvSpPr>
@@ -548,8 +550,8 @@
         </p:nvSpPr>
         <p:spPr>
           <a:xfrm>
-            <a:off x="457200" y="3963600"/>
-            <a:ext cx="4015440" cy="2158200"/>
+            <a:off x="457200" y="3681360"/>
+            <a:ext cx="4015440" cy="1896480"/>
           </a:xfrm>
           <a:prstGeom prst="rect">
             <a:avLst/>
@@ -586,7 +588,7 @@
       </p:grpSpPr>
       <p:sp>
         <p:nvSpPr>
-          <p:cNvPr id="34" name="PlaceHolder 1"/>
+          <p:cNvPr id="31" name="PlaceHolder 1"/>
           <p:cNvSpPr>
             <a:spLocks noGrp="1"/>
           </p:cNvSpPr>
@@ -596,8 +598,8 @@
         </p:nvSpPr>
         <p:spPr>
           <a:xfrm>
-            <a:off x="457200" y="274680"/>
-            <a:ext cx="8229240" cy="1143000"/>
+            <a:off x="457200" y="273600"/>
+            <a:ext cx="8229240" cy="1145160"/>
           </a:xfrm>
           <a:prstGeom prst="rect">
             <a:avLst/>
@@ -606,13 +608,14 @@
         <p:txBody>
           <a:bodyPr anchor="ctr" bIns="0" lIns="0" rIns="0" tIns="0" wrap="none"/>
           <a:p>
-            <a:endParaRPr/>
-          </a:p>
-        </p:txBody>
-      </p:sp>
-      <p:sp>
-        <p:nvSpPr>
-          <p:cNvPr id="35" name="PlaceHolder 2"/>
+            <a:pPr algn="ctr"/>
+            <a:endParaRPr/>
+          </a:p>
+        </p:txBody>
+      </p:sp>
+      <p:sp>
+        <p:nvSpPr>
+          <p:cNvPr id="32" name="PlaceHolder 2"/>
           <p:cNvSpPr>
             <a:spLocks noGrp="1"/>
           </p:cNvSpPr>
@@ -622,8 +625,8 @@
         </p:nvSpPr>
         <p:spPr>
           <a:xfrm>
-            <a:off x="457200" y="1600200"/>
-            <a:ext cx="4015440" cy="2158200"/>
+            <a:off x="457200" y="1604520"/>
+            <a:ext cx="4015440" cy="1896480"/>
           </a:xfrm>
           <a:prstGeom prst="rect">
             <a:avLst/>
@@ -638,7 +641,7 @@
       </p:sp>
       <p:sp>
         <p:nvSpPr>
-          <p:cNvPr id="36" name="PlaceHolder 3"/>
+          <p:cNvPr id="33" name="PlaceHolder 3"/>
           <p:cNvSpPr>
             <a:spLocks noGrp="1"/>
           </p:cNvSpPr>
@@ -648,8 +651,8 @@
         </p:nvSpPr>
         <p:spPr>
           <a:xfrm>
-            <a:off x="4673520" y="1600200"/>
-            <a:ext cx="4015440" cy="2158200"/>
+            <a:off x="4673520" y="1604520"/>
+            <a:ext cx="4015440" cy="1896480"/>
           </a:xfrm>
           <a:prstGeom prst="rect">
             <a:avLst/>
@@ -708,7 +711,7 @@
       </p:grpSpPr>
       <p:sp>
         <p:nvSpPr>
-          <p:cNvPr id="42" name="PlaceHolder 1"/>
+          <p:cNvPr id="37" name="PlaceHolder 1"/>
           <p:cNvSpPr>
             <a:spLocks noGrp="1"/>
           </p:cNvSpPr>
@@ -718,8 +721,8 @@
         </p:nvSpPr>
         <p:spPr>
           <a:xfrm>
-            <a:off x="457200" y="274680"/>
-            <a:ext cx="8229240" cy="1143000"/>
+            <a:off x="457200" y="273600"/>
+            <a:ext cx="8229240" cy="1145160"/>
           </a:xfrm>
           <a:prstGeom prst="rect">
             <a:avLst/>
@@ -728,13 +731,14 @@
         <p:txBody>
           <a:bodyPr anchor="ctr" bIns="0" lIns="0" rIns="0" tIns="0" wrap="none"/>
           <a:p>
-            <a:endParaRPr/>
-          </a:p>
-        </p:txBody>
-      </p:sp>
-      <p:sp>
-        <p:nvSpPr>
-          <p:cNvPr id="43" name="PlaceHolder 2"/>
+            <a:pPr algn="ctr"/>
+            <a:endParaRPr/>
+          </a:p>
+        </p:txBody>
+      </p:sp>
+      <p:sp>
+        <p:nvSpPr>
+          <p:cNvPr id="38" name="PlaceHolder 2"/>
           <p:cNvSpPr>
             <a:spLocks noGrp="1"/>
           </p:cNvSpPr>
@@ -744,8 +748,8 @@
         </p:nvSpPr>
         <p:spPr>
           <a:xfrm>
-            <a:off x="457200" y="1600200"/>
-            <a:ext cx="8229240" cy="4525920"/>
+            <a:off x="457200" y="1604520"/>
+            <a:ext cx="8229240" cy="3977280"/>
           </a:xfrm>
           <a:prstGeom prst="rect">
             <a:avLst/>
@@ -783,7 +787,7 @@
       </p:grpSpPr>
       <p:sp>
         <p:nvSpPr>
-          <p:cNvPr id="44" name="PlaceHolder 1"/>
+          <p:cNvPr id="39" name="PlaceHolder 1"/>
           <p:cNvSpPr>
             <a:spLocks noGrp="1"/>
           </p:cNvSpPr>
@@ -793,8 +797,8 @@
         </p:nvSpPr>
         <p:spPr>
           <a:xfrm>
-            <a:off x="457200" y="274680"/>
-            <a:ext cx="8229240" cy="1143000"/>
+            <a:off x="457200" y="273600"/>
+            <a:ext cx="8229240" cy="1145160"/>
           </a:xfrm>
           <a:prstGeom prst="rect">
             <a:avLst/>
@@ -803,13 +807,14 @@
         <p:txBody>
           <a:bodyPr anchor="ctr" bIns="0" lIns="0" rIns="0" tIns="0" wrap="none"/>
           <a:p>
-            <a:endParaRPr/>
-          </a:p>
-        </p:txBody>
-      </p:sp>
-      <p:sp>
-        <p:nvSpPr>
-          <p:cNvPr id="45" name="PlaceHolder 2"/>
+            <a:pPr algn="ctr"/>
+            <a:endParaRPr/>
+          </a:p>
+        </p:txBody>
+      </p:sp>
+      <p:sp>
+        <p:nvSpPr>
+          <p:cNvPr id="40" name="PlaceHolder 2"/>
           <p:cNvSpPr>
             <a:spLocks noGrp="1"/>
           </p:cNvSpPr>
@@ -819,8 +824,8 @@
         </p:nvSpPr>
         <p:spPr>
           <a:xfrm>
-            <a:off x="457200" y="1600200"/>
-            <a:ext cx="8229240" cy="4525560"/>
+            <a:off x="457200" y="1604520"/>
+            <a:ext cx="8229240" cy="3976920"/>
           </a:xfrm>
           <a:prstGeom prst="rect">
             <a:avLst/>
@@ -857,7 +862,7 @@
       </p:grpSpPr>
       <p:sp>
         <p:nvSpPr>
-          <p:cNvPr id="46" name="PlaceHolder 1"/>
+          <p:cNvPr id="41" name="PlaceHolder 1"/>
           <p:cNvSpPr>
             <a:spLocks noGrp="1"/>
           </p:cNvSpPr>
@@ -867,8 +872,8 @@
         </p:nvSpPr>
         <p:spPr>
           <a:xfrm>
-            <a:off x="457200" y="274680"/>
-            <a:ext cx="8229240" cy="1143000"/>
+            <a:off x="457200" y="273600"/>
+            <a:ext cx="8229240" cy="1145160"/>
           </a:xfrm>
           <a:prstGeom prst="rect">
             <a:avLst/>
@@ -877,13 +882,14 @@
         <p:txBody>
           <a:bodyPr anchor="ctr" bIns="0" lIns="0" rIns="0" tIns="0" wrap="none"/>
           <a:p>
-            <a:endParaRPr/>
-          </a:p>
-        </p:txBody>
-      </p:sp>
-      <p:sp>
-        <p:nvSpPr>
-          <p:cNvPr id="47" name="PlaceHolder 2"/>
+            <a:pPr algn="ctr"/>
+            <a:endParaRPr/>
+          </a:p>
+        </p:txBody>
+      </p:sp>
+      <p:sp>
+        <p:nvSpPr>
+          <p:cNvPr id="42" name="PlaceHolder 2"/>
           <p:cNvSpPr>
             <a:spLocks noGrp="1"/>
           </p:cNvSpPr>
@@ -893,8 +899,8 @@
         </p:nvSpPr>
         <p:spPr>
           <a:xfrm>
-            <a:off x="457200" y="1600200"/>
-            <a:ext cx="4015440" cy="4525560"/>
+            <a:off x="457200" y="1604520"/>
+            <a:ext cx="4015440" cy="3976920"/>
           </a:xfrm>
           <a:prstGeom prst="rect">
             <a:avLst/>
@@ -909,7 +915,7 @@
       </p:sp>
       <p:sp>
         <p:nvSpPr>
-          <p:cNvPr id="48" name="PlaceHolder 3"/>
+          <p:cNvPr id="43" name="PlaceHolder 3"/>
           <p:cNvSpPr>
             <a:spLocks noGrp="1"/>
           </p:cNvSpPr>
@@ -919,8 +925,8 @@
         </p:nvSpPr>
         <p:spPr>
           <a:xfrm>
-            <a:off x="4673520" y="1600200"/>
-            <a:ext cx="4015440" cy="4525560"/>
+            <a:off x="4673520" y="1604520"/>
+            <a:ext cx="4015440" cy="3976920"/>
           </a:xfrm>
           <a:prstGeom prst="rect">
             <a:avLst/>
@@ -957,7 +963,7 @@
       </p:grpSpPr>
       <p:sp>
         <p:nvSpPr>
-          <p:cNvPr id="49" name="PlaceHolder 1"/>
+          <p:cNvPr id="44" name="PlaceHolder 1"/>
           <p:cNvSpPr>
             <a:spLocks noGrp="1"/>
           </p:cNvSpPr>
@@ -967,8 +973,8 @@
         </p:nvSpPr>
         <p:spPr>
           <a:xfrm>
-            <a:off x="457200" y="274680"/>
-            <a:ext cx="8229240" cy="1143000"/>
+            <a:off x="457200" y="273600"/>
+            <a:ext cx="8229240" cy="1145160"/>
           </a:xfrm>
           <a:prstGeom prst="rect">
             <a:avLst/>
@@ -977,6 +983,7 @@
         <p:txBody>
           <a:bodyPr anchor="ctr" bIns="0" lIns="0" rIns="0" tIns="0" wrap="none"/>
           <a:p>
+            <a:pPr algn="ctr"/>
             <a:endParaRPr/>
           </a:p>
         </p:txBody>
@@ -1005,7 +1012,7 @@
       </p:grpSpPr>
       <p:sp>
         <p:nvSpPr>
-          <p:cNvPr id="50" name="PlaceHolder 1"/>
+          <p:cNvPr id="45" name="PlaceHolder 1"/>
           <p:cNvSpPr>
             <a:spLocks noGrp="1"/>
           </p:cNvSpPr>
@@ -1015,8 +1022,8 @@
         </p:nvSpPr>
         <p:spPr>
           <a:xfrm>
-            <a:off x="457200" y="274680"/>
-            <a:ext cx="8229240" cy="5851080"/>
+            <a:off x="457200" y="273600"/>
+            <a:ext cx="8229240" cy="5307840"/>
           </a:xfrm>
           <a:prstGeom prst="rect">
             <a:avLst/>
@@ -1054,7 +1061,7 @@
       </p:grpSpPr>
       <p:sp>
         <p:nvSpPr>
-          <p:cNvPr id="51" name="PlaceHolder 1"/>
+          <p:cNvPr id="46" name="PlaceHolder 1"/>
           <p:cNvSpPr>
             <a:spLocks noGrp="1"/>
           </p:cNvSpPr>
@@ -1064,8 +1071,8 @@
         </p:nvSpPr>
         <p:spPr>
           <a:xfrm>
-            <a:off x="457200" y="274680"/>
-            <a:ext cx="8229240" cy="1143000"/>
+            <a:off x="457200" y="273600"/>
+            <a:ext cx="8229240" cy="1145160"/>
           </a:xfrm>
           <a:prstGeom prst="rect">
             <a:avLst/>
@@ -1074,13 +1081,14 @@
         <p:txBody>
           <a:bodyPr anchor="ctr" bIns="0" lIns="0" rIns="0" tIns="0" wrap="none"/>
           <a:p>
-            <a:endParaRPr/>
-          </a:p>
-        </p:txBody>
-      </p:sp>
-      <p:sp>
-        <p:nvSpPr>
-          <p:cNvPr id="52" name="PlaceHolder 2"/>
+            <a:pPr algn="ctr"/>
+            <a:endParaRPr/>
+          </a:p>
+        </p:txBody>
+      </p:sp>
+      <p:sp>
+        <p:nvSpPr>
+          <p:cNvPr id="47" name="PlaceHolder 2"/>
           <p:cNvSpPr>
             <a:spLocks noGrp="1"/>
           </p:cNvSpPr>
@@ -1090,8 +1098,8 @@
         </p:nvSpPr>
         <p:spPr>
           <a:xfrm>
-            <a:off x="457200" y="1600200"/>
-            <a:ext cx="4015440" cy="2158200"/>
+            <a:off x="457200" y="1604520"/>
+            <a:ext cx="4015440" cy="1896480"/>
           </a:xfrm>
           <a:prstGeom prst="rect">
             <a:avLst/>
@@ -1106,7 +1114,7 @@
       </p:sp>
       <p:sp>
         <p:nvSpPr>
-          <p:cNvPr id="53" name="PlaceHolder 3"/>
+          <p:cNvPr id="48" name="PlaceHolder 3"/>
           <p:cNvSpPr>
             <a:spLocks noGrp="1"/>
           </p:cNvSpPr>
@@ -1116,8 +1124,8 @@
         </p:nvSpPr>
         <p:spPr>
           <a:xfrm>
-            <a:off x="457200" y="3963600"/>
-            <a:ext cx="4015440" cy="2158200"/>
+            <a:off x="457200" y="3681360"/>
+            <a:ext cx="4015440" cy="1896480"/>
           </a:xfrm>
           <a:prstGeom prst="rect">
             <a:avLst/>
@@ -1132,7 +1140,7 @@
       </p:sp>
       <p:sp>
         <p:nvSpPr>
-          <p:cNvPr id="54" name="PlaceHolder 4"/>
+          <p:cNvPr id="49" name="PlaceHolder 4"/>
           <p:cNvSpPr>
             <a:spLocks noGrp="1"/>
           </p:cNvSpPr>
@@ -1142,8 +1150,8 @@
         </p:nvSpPr>
         <p:spPr>
           <a:xfrm>
-            <a:off x="4673520" y="1600200"/>
-            <a:ext cx="4015440" cy="4525560"/>
+            <a:off x="4673520" y="1604520"/>
+            <a:ext cx="4015440" cy="3976920"/>
           </a:xfrm>
           <a:prstGeom prst="rect">
             <a:avLst/>
@@ -1180,7 +1188,7 @@
       </p:grpSpPr>
       <p:sp>
         <p:nvSpPr>
-          <p:cNvPr id="5" name="PlaceHolder 1"/>
+          <p:cNvPr id="2" name="PlaceHolder 1"/>
           <p:cNvSpPr>
             <a:spLocks noGrp="1"/>
           </p:cNvSpPr>
@@ -1190,8 +1198,8 @@
         </p:nvSpPr>
         <p:spPr>
           <a:xfrm>
-            <a:off x="457200" y="274680"/>
-            <a:ext cx="8229240" cy="1143000"/>
+            <a:off x="457200" y="273600"/>
+            <a:ext cx="8229240" cy="1145160"/>
           </a:xfrm>
           <a:prstGeom prst="rect">
             <a:avLst/>
@@ -1200,13 +1208,14 @@
         <p:txBody>
           <a:bodyPr anchor="ctr" bIns="0" lIns="0" rIns="0" tIns="0" wrap="none"/>
           <a:p>
-            <a:endParaRPr/>
-          </a:p>
-        </p:txBody>
-      </p:sp>
-      <p:sp>
-        <p:nvSpPr>
-          <p:cNvPr id="6" name="PlaceHolder 2"/>
+            <a:pPr algn="ctr"/>
+            <a:endParaRPr/>
+          </a:p>
+        </p:txBody>
+      </p:sp>
+      <p:sp>
+        <p:nvSpPr>
+          <p:cNvPr id="3" name="PlaceHolder 2"/>
           <p:cNvSpPr>
             <a:spLocks noGrp="1"/>
           </p:cNvSpPr>
@@ -1216,8 +1225,8 @@
         </p:nvSpPr>
         <p:spPr>
           <a:xfrm>
-            <a:off x="457200" y="1600200"/>
-            <a:ext cx="8229240" cy="4525920"/>
+            <a:off x="457200" y="1604520"/>
+            <a:ext cx="8229240" cy="3977280"/>
           </a:xfrm>
           <a:prstGeom prst="rect">
             <a:avLst/>
@@ -1255,7 +1264,7 @@
       </p:grpSpPr>
       <p:sp>
         <p:nvSpPr>
-          <p:cNvPr id="55" name="PlaceHolder 1"/>
+          <p:cNvPr id="50" name="PlaceHolder 1"/>
           <p:cNvSpPr>
             <a:spLocks noGrp="1"/>
           </p:cNvSpPr>
@@ -1265,8 +1274,8 @@
         </p:nvSpPr>
         <p:spPr>
           <a:xfrm>
-            <a:off x="457200" y="274680"/>
-            <a:ext cx="8229240" cy="1143000"/>
+            <a:off x="457200" y="273600"/>
+            <a:ext cx="8229240" cy="1145160"/>
           </a:xfrm>
           <a:prstGeom prst="rect">
             <a:avLst/>
@@ -1275,13 +1284,14 @@
         <p:txBody>
           <a:bodyPr anchor="ctr" bIns="0" lIns="0" rIns="0" tIns="0" wrap="none"/>
           <a:p>
-            <a:endParaRPr/>
-          </a:p>
-        </p:txBody>
-      </p:sp>
-      <p:sp>
-        <p:nvSpPr>
-          <p:cNvPr id="56" name="PlaceHolder 2"/>
+            <a:pPr algn="ctr"/>
+            <a:endParaRPr/>
+          </a:p>
+        </p:txBody>
+      </p:sp>
+      <p:sp>
+        <p:nvSpPr>
+          <p:cNvPr id="51" name="PlaceHolder 2"/>
           <p:cNvSpPr>
             <a:spLocks noGrp="1"/>
           </p:cNvSpPr>
@@ -1291,8 +1301,8 @@
         </p:nvSpPr>
         <p:spPr>
           <a:xfrm>
-            <a:off x="457200" y="1600200"/>
-            <a:ext cx="4015440" cy="4525560"/>
+            <a:off x="457200" y="1604520"/>
+            <a:ext cx="4015440" cy="3976920"/>
           </a:xfrm>
           <a:prstGeom prst="rect">
             <a:avLst/>
@@ -1307,7 +1317,7 @@
       </p:sp>
       <p:sp>
         <p:nvSpPr>
-          <p:cNvPr id="57" name="PlaceHolder 3"/>
+          <p:cNvPr id="52" name="PlaceHolder 3"/>
           <p:cNvSpPr>
             <a:spLocks noGrp="1"/>
           </p:cNvSpPr>
@@ -1317,8 +1327,8 @@
         </p:nvSpPr>
         <p:spPr>
           <a:xfrm>
-            <a:off x="4673520" y="1600200"/>
-            <a:ext cx="4015440" cy="2158200"/>
+            <a:off x="4673520" y="1604520"/>
+            <a:ext cx="4015440" cy="1896480"/>
           </a:xfrm>
           <a:prstGeom prst="rect">
             <a:avLst/>
@@ -1333,7 +1343,7 @@
       </p:sp>
       <p:sp>
         <p:nvSpPr>
-          <p:cNvPr id="58" name="PlaceHolder 4"/>
+          <p:cNvPr id="53" name="PlaceHolder 4"/>
           <p:cNvSpPr>
             <a:spLocks noGrp="1"/>
           </p:cNvSpPr>
@@ -1343,8 +1353,8 @@
         </p:nvSpPr>
         <p:spPr>
           <a:xfrm>
-            <a:off x="4673520" y="3963600"/>
-            <a:ext cx="4015440" cy="2158200"/>
+            <a:off x="4673520" y="3681360"/>
+            <a:ext cx="4015440" cy="1896480"/>
           </a:xfrm>
           <a:prstGeom prst="rect">
             <a:avLst/>
@@ -1381,7 +1391,7 @@
       </p:grpSpPr>
       <p:sp>
         <p:nvSpPr>
-          <p:cNvPr id="59" name="PlaceHolder 1"/>
+          <p:cNvPr id="54" name="PlaceHolder 1"/>
           <p:cNvSpPr>
             <a:spLocks noGrp="1"/>
           </p:cNvSpPr>
@@ -1391,8 +1401,8 @@
         </p:nvSpPr>
         <p:spPr>
           <a:xfrm>
-            <a:off x="457200" y="274680"/>
-            <a:ext cx="8229240" cy="1143000"/>
+            <a:off x="457200" y="273600"/>
+            <a:ext cx="8229240" cy="1145160"/>
           </a:xfrm>
           <a:prstGeom prst="rect">
             <a:avLst/>
@@ -1401,13 +1411,14 @@
         <p:txBody>
           <a:bodyPr anchor="ctr" bIns="0" lIns="0" rIns="0" tIns="0" wrap="none"/>
           <a:p>
-            <a:endParaRPr/>
-          </a:p>
-        </p:txBody>
-      </p:sp>
-      <p:sp>
-        <p:nvSpPr>
-          <p:cNvPr id="60" name="PlaceHolder 2"/>
+            <a:pPr algn="ctr"/>
+            <a:endParaRPr/>
+          </a:p>
+        </p:txBody>
+      </p:sp>
+      <p:sp>
+        <p:nvSpPr>
+          <p:cNvPr id="55" name="PlaceHolder 2"/>
           <p:cNvSpPr>
             <a:spLocks noGrp="1"/>
           </p:cNvSpPr>
@@ -1417,8 +1428,8 @@
         </p:nvSpPr>
         <p:spPr>
           <a:xfrm>
-            <a:off x="457200" y="1600200"/>
-            <a:ext cx="4015440" cy="2158200"/>
+            <a:off x="457200" y="1604520"/>
+            <a:ext cx="4015440" cy="1896480"/>
           </a:xfrm>
           <a:prstGeom prst="rect">
             <a:avLst/>
@@ -1433,7 +1444,7 @@
       </p:sp>
       <p:sp>
         <p:nvSpPr>
-          <p:cNvPr id="61" name="PlaceHolder 3"/>
+          <p:cNvPr id="56" name="PlaceHolder 3"/>
           <p:cNvSpPr>
             <a:spLocks noGrp="1"/>
           </p:cNvSpPr>
@@ -1443,8 +1454,8 @@
         </p:nvSpPr>
         <p:spPr>
           <a:xfrm>
-            <a:off x="4673520" y="1600200"/>
-            <a:ext cx="4015440" cy="2158200"/>
+            <a:off x="4673520" y="1604520"/>
+            <a:ext cx="4015440" cy="1896480"/>
           </a:xfrm>
           <a:prstGeom prst="rect">
             <a:avLst/>
@@ -1459,7 +1470,7 @@
       </p:sp>
       <p:sp>
         <p:nvSpPr>
-          <p:cNvPr id="62" name="PlaceHolder 4"/>
+          <p:cNvPr id="57" name="PlaceHolder 4"/>
           <p:cNvSpPr>
             <a:spLocks noGrp="1"/>
           </p:cNvSpPr>
@@ -1469,8 +1480,8 @@
         </p:nvSpPr>
         <p:spPr>
           <a:xfrm>
-            <a:off x="457200" y="3963600"/>
-            <a:ext cx="8228520" cy="2158200"/>
+            <a:off x="457200" y="3681360"/>
+            <a:ext cx="8228520" cy="1896480"/>
           </a:xfrm>
           <a:prstGeom prst="rect">
             <a:avLst/>
@@ -1507,7 +1518,7 @@
       </p:grpSpPr>
       <p:sp>
         <p:nvSpPr>
-          <p:cNvPr id="63" name="PlaceHolder 1"/>
+          <p:cNvPr id="58" name="PlaceHolder 1"/>
           <p:cNvSpPr>
             <a:spLocks noGrp="1"/>
           </p:cNvSpPr>
@@ -1517,8 +1528,8 @@
         </p:nvSpPr>
         <p:spPr>
           <a:xfrm>
-            <a:off x="457200" y="274680"/>
-            <a:ext cx="8229240" cy="1143000"/>
+            <a:off x="457200" y="273600"/>
+            <a:ext cx="8229240" cy="1145160"/>
           </a:xfrm>
           <a:prstGeom prst="rect">
             <a:avLst/>
@@ -1527,13 +1538,14 @@
         <p:txBody>
           <a:bodyPr anchor="ctr" bIns="0" lIns="0" rIns="0" tIns="0" wrap="none"/>
           <a:p>
-            <a:endParaRPr/>
-          </a:p>
-        </p:txBody>
-      </p:sp>
-      <p:sp>
-        <p:nvSpPr>
-          <p:cNvPr id="64" name="PlaceHolder 2"/>
+            <a:pPr algn="ctr"/>
+            <a:endParaRPr/>
+          </a:p>
+        </p:txBody>
+      </p:sp>
+      <p:sp>
+        <p:nvSpPr>
+          <p:cNvPr id="59" name="PlaceHolder 2"/>
           <p:cNvSpPr>
             <a:spLocks noGrp="1"/>
           </p:cNvSpPr>
@@ -1543,8 +1555,8 @@
         </p:nvSpPr>
         <p:spPr>
           <a:xfrm>
-            <a:off x="457200" y="1600200"/>
-            <a:ext cx="8229240" cy="2158200"/>
+            <a:off x="457200" y="1604520"/>
+            <a:ext cx="8229240" cy="1896480"/>
           </a:xfrm>
           <a:prstGeom prst="rect">
             <a:avLst/>
@@ -1559,7 +1571,7 @@
       </p:sp>
       <p:sp>
         <p:nvSpPr>
-          <p:cNvPr id="65" name="PlaceHolder 3"/>
+          <p:cNvPr id="60" name="PlaceHolder 3"/>
           <p:cNvSpPr>
             <a:spLocks noGrp="1"/>
           </p:cNvSpPr>
@@ -1569,8 +1581,8 @@
         </p:nvSpPr>
         <p:spPr>
           <a:xfrm>
-            <a:off x="457200" y="3963600"/>
-            <a:ext cx="8229240" cy="2158200"/>
+            <a:off x="457200" y="3681360"/>
+            <a:ext cx="8229240" cy="1896480"/>
           </a:xfrm>
           <a:prstGeom prst="rect">
             <a:avLst/>
@@ -1607,7 +1619,7 @@
       </p:grpSpPr>
       <p:sp>
         <p:nvSpPr>
-          <p:cNvPr id="66" name="PlaceHolder 1"/>
+          <p:cNvPr id="61" name="PlaceHolder 1"/>
           <p:cNvSpPr>
             <a:spLocks noGrp="1"/>
           </p:cNvSpPr>
@@ -1617,8 +1629,8 @@
         </p:nvSpPr>
         <p:spPr>
           <a:xfrm>
-            <a:off x="457200" y="274680"/>
-            <a:ext cx="8229240" cy="1143000"/>
+            <a:off x="457200" y="273600"/>
+            <a:ext cx="8229240" cy="1145160"/>
           </a:xfrm>
           <a:prstGeom prst="rect">
             <a:avLst/>
@@ -1627,13 +1639,14 @@
         <p:txBody>
           <a:bodyPr anchor="ctr" bIns="0" lIns="0" rIns="0" tIns="0" wrap="none"/>
           <a:p>
-            <a:endParaRPr/>
-          </a:p>
-        </p:txBody>
-      </p:sp>
-      <p:sp>
-        <p:nvSpPr>
-          <p:cNvPr id="67" name="PlaceHolder 2"/>
+            <a:pPr algn="ctr"/>
+            <a:endParaRPr/>
+          </a:p>
+        </p:txBody>
+      </p:sp>
+      <p:sp>
+        <p:nvSpPr>
+          <p:cNvPr id="62" name="PlaceHolder 2"/>
           <p:cNvSpPr>
             <a:spLocks noGrp="1"/>
           </p:cNvSpPr>
@@ -1643,8 +1656,8 @@
         </p:nvSpPr>
         <p:spPr>
           <a:xfrm>
-            <a:off x="457200" y="1600200"/>
-            <a:ext cx="4015440" cy="2158200"/>
+            <a:off x="457200" y="1604520"/>
+            <a:ext cx="4015440" cy="1896480"/>
           </a:xfrm>
           <a:prstGeom prst="rect">
             <a:avLst/>
@@ -1659,7 +1672,7 @@
       </p:sp>
       <p:sp>
         <p:nvSpPr>
-          <p:cNvPr id="68" name="PlaceHolder 3"/>
+          <p:cNvPr id="63" name="PlaceHolder 3"/>
           <p:cNvSpPr>
             <a:spLocks noGrp="1"/>
           </p:cNvSpPr>
@@ -1669,8 +1682,8 @@
         </p:nvSpPr>
         <p:spPr>
           <a:xfrm>
-            <a:off x="4673520" y="1600200"/>
-            <a:ext cx="4015440" cy="2158200"/>
+            <a:off x="4673520" y="1604520"/>
+            <a:ext cx="4015440" cy="1896480"/>
           </a:xfrm>
           <a:prstGeom prst="rect">
             <a:avLst/>
@@ -1685,7 +1698,7 @@
       </p:sp>
       <p:sp>
         <p:nvSpPr>
-          <p:cNvPr id="69" name="PlaceHolder 4"/>
+          <p:cNvPr id="64" name="PlaceHolder 4"/>
           <p:cNvSpPr>
             <a:spLocks noGrp="1"/>
           </p:cNvSpPr>
@@ -1695,8 +1708,8 @@
         </p:nvSpPr>
         <p:spPr>
           <a:xfrm>
-            <a:off x="4673520" y="3963600"/>
-            <a:ext cx="4015440" cy="2158200"/>
+            <a:off x="4673520" y="3681360"/>
+            <a:ext cx="4015440" cy="1896480"/>
           </a:xfrm>
           <a:prstGeom prst="rect">
             <a:avLst/>
@@ -1711,7 +1724,7 @@
       </p:sp>
       <p:sp>
         <p:nvSpPr>
-          <p:cNvPr id="70" name="PlaceHolder 5"/>
+          <p:cNvPr id="65" name="PlaceHolder 5"/>
           <p:cNvSpPr>
             <a:spLocks noGrp="1"/>
           </p:cNvSpPr>
@@ -1721,8 +1734,8 @@
         </p:nvSpPr>
         <p:spPr>
           <a:xfrm>
-            <a:off x="457200" y="3963600"/>
-            <a:ext cx="4015440" cy="2158200"/>
+            <a:off x="457200" y="3681360"/>
+            <a:ext cx="4015440" cy="1896480"/>
           </a:xfrm>
           <a:prstGeom prst="rect">
             <a:avLst/>
@@ -1759,7 +1772,7 @@
       </p:grpSpPr>
       <p:sp>
         <p:nvSpPr>
-          <p:cNvPr id="71" name="PlaceHolder 1"/>
+          <p:cNvPr id="66" name="PlaceHolder 1"/>
           <p:cNvSpPr>
             <a:spLocks noGrp="1"/>
           </p:cNvSpPr>
@@ -1769,8 +1782,8 @@
         </p:nvSpPr>
         <p:spPr>
           <a:xfrm>
-            <a:off x="457200" y="274680"/>
-            <a:ext cx="8229240" cy="1143000"/>
+            <a:off x="457200" y="273600"/>
+            <a:ext cx="8229240" cy="1145160"/>
           </a:xfrm>
           <a:prstGeom prst="rect">
             <a:avLst/>
@@ -1779,13 +1792,14 @@
         <p:txBody>
           <a:bodyPr anchor="ctr" bIns="0" lIns="0" rIns="0" tIns="0" wrap="none"/>
           <a:p>
-            <a:endParaRPr/>
-          </a:p>
-        </p:txBody>
-      </p:sp>
-      <p:sp>
-        <p:nvSpPr>
-          <p:cNvPr id="72" name="PlaceHolder 2"/>
+            <a:pPr algn="ctr"/>
+            <a:endParaRPr/>
+          </a:p>
+        </p:txBody>
+      </p:sp>
+      <p:sp>
+        <p:nvSpPr>
+          <p:cNvPr id="67" name="PlaceHolder 2"/>
           <p:cNvSpPr>
             <a:spLocks noGrp="1"/>
           </p:cNvSpPr>
@@ -1795,8 +1809,8 @@
         </p:nvSpPr>
         <p:spPr>
           <a:xfrm>
-            <a:off x="457200" y="1600200"/>
-            <a:ext cx="4015440" cy="2158200"/>
+            <a:off x="457200" y="1604520"/>
+            <a:ext cx="4015440" cy="1896480"/>
           </a:xfrm>
           <a:prstGeom prst="rect">
             <a:avLst/>
@@ -1811,7 +1825,7 @@
       </p:sp>
       <p:sp>
         <p:nvSpPr>
-          <p:cNvPr id="73" name="PlaceHolder 3"/>
+          <p:cNvPr id="68" name="PlaceHolder 3"/>
           <p:cNvSpPr>
             <a:spLocks noGrp="1"/>
           </p:cNvSpPr>
@@ -1821,8 +1835,8 @@
         </p:nvSpPr>
         <p:spPr>
           <a:xfrm>
-            <a:off x="4673520" y="1600200"/>
-            <a:ext cx="4015440" cy="2158200"/>
+            <a:off x="4673520" y="1604520"/>
+            <a:ext cx="4015440" cy="1896480"/>
           </a:xfrm>
           <a:prstGeom prst="rect">
             <a:avLst/>
@@ -1859,7 +1873,7 @@
       </p:grpSpPr>
       <p:sp>
         <p:nvSpPr>
-          <p:cNvPr id="7" name="PlaceHolder 1"/>
+          <p:cNvPr id="4" name="PlaceHolder 1"/>
           <p:cNvSpPr>
             <a:spLocks noGrp="1"/>
           </p:cNvSpPr>
@@ -1869,8 +1883,8 @@
         </p:nvSpPr>
         <p:spPr>
           <a:xfrm>
-            <a:off x="457200" y="274680"/>
-            <a:ext cx="8229240" cy="1143000"/>
+            <a:off x="457200" y="273600"/>
+            <a:ext cx="8229240" cy="1145160"/>
           </a:xfrm>
           <a:prstGeom prst="rect">
             <a:avLst/>
@@ -1879,13 +1893,14 @@
         <p:txBody>
           <a:bodyPr anchor="ctr" bIns="0" lIns="0" rIns="0" tIns="0" wrap="none"/>
           <a:p>
-            <a:endParaRPr/>
-          </a:p>
-        </p:txBody>
-      </p:sp>
-      <p:sp>
-        <p:nvSpPr>
-          <p:cNvPr id="8" name="PlaceHolder 2"/>
+            <a:pPr algn="ctr"/>
+            <a:endParaRPr/>
+          </a:p>
+        </p:txBody>
+      </p:sp>
+      <p:sp>
+        <p:nvSpPr>
+          <p:cNvPr id="5" name="PlaceHolder 2"/>
           <p:cNvSpPr>
             <a:spLocks noGrp="1"/>
           </p:cNvSpPr>
@@ -1895,8 +1910,8 @@
         </p:nvSpPr>
         <p:spPr>
           <a:xfrm>
-            <a:off x="457200" y="1600200"/>
-            <a:ext cx="8229240" cy="4525560"/>
+            <a:off x="457200" y="1604520"/>
+            <a:ext cx="8229240" cy="3976920"/>
           </a:xfrm>
           <a:prstGeom prst="rect">
             <a:avLst/>
@@ -1933,7 +1948,7 @@
       </p:grpSpPr>
       <p:sp>
         <p:nvSpPr>
-          <p:cNvPr id="9" name="PlaceHolder 1"/>
+          <p:cNvPr id="6" name="PlaceHolder 1"/>
           <p:cNvSpPr>
             <a:spLocks noGrp="1"/>
           </p:cNvSpPr>
@@ -1943,8 +1958,8 @@
         </p:nvSpPr>
         <p:spPr>
           <a:xfrm>
-            <a:off x="457200" y="274680"/>
-            <a:ext cx="8229240" cy="1143000"/>
+            <a:off x="457200" y="273600"/>
+            <a:ext cx="8229240" cy="1145160"/>
           </a:xfrm>
           <a:prstGeom prst="rect">
             <a:avLst/>
@@ -1953,13 +1968,14 @@
         <p:txBody>
           <a:bodyPr anchor="ctr" bIns="0" lIns="0" rIns="0" tIns="0" wrap="none"/>
           <a:p>
-            <a:endParaRPr/>
-          </a:p>
-        </p:txBody>
-      </p:sp>
-      <p:sp>
-        <p:nvSpPr>
-          <p:cNvPr id="10" name="PlaceHolder 2"/>
+            <a:pPr algn="ctr"/>
+            <a:endParaRPr/>
+          </a:p>
+        </p:txBody>
+      </p:sp>
+      <p:sp>
+        <p:nvSpPr>
+          <p:cNvPr id="7" name="PlaceHolder 2"/>
           <p:cNvSpPr>
             <a:spLocks noGrp="1"/>
           </p:cNvSpPr>
@@ -1969,8 +1985,8 @@
         </p:nvSpPr>
         <p:spPr>
           <a:xfrm>
-            <a:off x="457200" y="1600200"/>
-            <a:ext cx="4015440" cy="4525560"/>
+            <a:off x="457200" y="1604520"/>
+            <a:ext cx="4015440" cy="3976920"/>
           </a:xfrm>
           <a:prstGeom prst="rect">
             <a:avLst/>
@@ -1985,7 +2001,7 @@
       </p:sp>
       <p:sp>
         <p:nvSpPr>
-          <p:cNvPr id="11" name="PlaceHolder 3"/>
+          <p:cNvPr id="8" name="PlaceHolder 3"/>
           <p:cNvSpPr>
             <a:spLocks noGrp="1"/>
           </p:cNvSpPr>
@@ -1995,8 +2011,8 @@
         </p:nvSpPr>
         <p:spPr>
           <a:xfrm>
-            <a:off x="4673520" y="1600200"/>
-            <a:ext cx="4015440" cy="4525560"/>
+            <a:off x="4673520" y="1604520"/>
+            <a:ext cx="4015440" cy="3976920"/>
           </a:xfrm>
           <a:prstGeom prst="rect">
             <a:avLst/>
@@ -2033,7 +2049,7 @@
       </p:grpSpPr>
       <p:sp>
         <p:nvSpPr>
-          <p:cNvPr id="12" name="PlaceHolder 1"/>
+          <p:cNvPr id="9" name="PlaceHolder 1"/>
           <p:cNvSpPr>
             <a:spLocks noGrp="1"/>
           </p:cNvSpPr>
@@ -2043,8 +2059,8 @@
         </p:nvSpPr>
         <p:spPr>
           <a:xfrm>
-            <a:off x="457200" y="274680"/>
-            <a:ext cx="8229240" cy="1143000"/>
+            <a:off x="457200" y="273600"/>
+            <a:ext cx="8229240" cy="1145160"/>
           </a:xfrm>
           <a:prstGeom prst="rect">
             <a:avLst/>
@@ -2053,6 +2069,7 @@
         <p:txBody>
           <a:bodyPr anchor="ctr" bIns="0" lIns="0" rIns="0" tIns="0" wrap="none"/>
           <a:p>
+            <a:pPr algn="ctr"/>
             <a:endParaRPr/>
           </a:p>
         </p:txBody>
@@ -2081,7 +2098,7 @@
       </p:grpSpPr>
       <p:sp>
         <p:nvSpPr>
-          <p:cNvPr id="13" name="PlaceHolder 1"/>
+          <p:cNvPr id="10" name="PlaceHolder 1"/>
           <p:cNvSpPr>
             <a:spLocks noGrp="1"/>
           </p:cNvSpPr>
@@ -2091,8 +2108,8 @@
         </p:nvSpPr>
         <p:spPr>
           <a:xfrm>
-            <a:off x="457200" y="274680"/>
-            <a:ext cx="8229240" cy="5851080"/>
+            <a:off x="457200" y="273600"/>
+            <a:ext cx="8229240" cy="5307840"/>
           </a:xfrm>
           <a:prstGeom prst="rect">
             <a:avLst/>
@@ -2130,7 +2147,7 @@
       </p:grpSpPr>
       <p:sp>
         <p:nvSpPr>
-          <p:cNvPr id="14" name="PlaceHolder 1"/>
+          <p:cNvPr id="11" name="PlaceHolder 1"/>
           <p:cNvSpPr>
             <a:spLocks noGrp="1"/>
           </p:cNvSpPr>
@@ -2140,8 +2157,8 @@
         </p:nvSpPr>
         <p:spPr>
           <a:xfrm>
-            <a:off x="457200" y="274680"/>
-            <a:ext cx="8229240" cy="1143000"/>
+            <a:off x="457200" y="273600"/>
+            <a:ext cx="8229240" cy="1145160"/>
           </a:xfrm>
           <a:prstGeom prst="rect">
             <a:avLst/>
@@ -2150,13 +2167,14 @@
         <p:txBody>
           <a:bodyPr anchor="ctr" bIns="0" lIns="0" rIns="0" tIns="0" wrap="none"/>
           <a:p>
-            <a:endParaRPr/>
-          </a:p>
-        </p:txBody>
-      </p:sp>
-      <p:sp>
-        <p:nvSpPr>
-          <p:cNvPr id="15" name="PlaceHolder 2"/>
+            <a:pPr algn="ctr"/>
+            <a:endParaRPr/>
+          </a:p>
+        </p:txBody>
+      </p:sp>
+      <p:sp>
+        <p:nvSpPr>
+          <p:cNvPr id="12" name="PlaceHolder 2"/>
           <p:cNvSpPr>
             <a:spLocks noGrp="1"/>
           </p:cNvSpPr>
@@ -2166,8 +2184,8 @@
         </p:nvSpPr>
         <p:spPr>
           <a:xfrm>
-            <a:off x="457200" y="1600200"/>
-            <a:ext cx="4015440" cy="2158200"/>
+            <a:off x="457200" y="1604520"/>
+            <a:ext cx="4015440" cy="1896480"/>
           </a:xfrm>
           <a:prstGeom prst="rect">
             <a:avLst/>
@@ -2182,7 +2200,7 @@
       </p:sp>
       <p:sp>
         <p:nvSpPr>
-          <p:cNvPr id="16" name="PlaceHolder 3"/>
+          <p:cNvPr id="13" name="PlaceHolder 3"/>
           <p:cNvSpPr>
             <a:spLocks noGrp="1"/>
           </p:cNvSpPr>
@@ -2192,8 +2210,8 @@
         </p:nvSpPr>
         <p:spPr>
           <a:xfrm>
-            <a:off x="457200" y="3963600"/>
-            <a:ext cx="4015440" cy="2158200"/>
+            <a:off x="457200" y="3681360"/>
+            <a:ext cx="4015440" cy="1896480"/>
           </a:xfrm>
           <a:prstGeom prst="rect">
             <a:avLst/>
@@ -2208,7 +2226,7 @@
       </p:sp>
       <p:sp>
         <p:nvSpPr>
-          <p:cNvPr id="17" name="PlaceHolder 4"/>
+          <p:cNvPr id="14" name="PlaceHolder 4"/>
           <p:cNvSpPr>
             <a:spLocks noGrp="1"/>
           </p:cNvSpPr>
@@ -2218,8 +2236,8 @@
         </p:nvSpPr>
         <p:spPr>
           <a:xfrm>
-            <a:off x="4673520" y="1600200"/>
-            <a:ext cx="4015440" cy="4525560"/>
+            <a:off x="4673520" y="1604520"/>
+            <a:ext cx="4015440" cy="3976920"/>
           </a:xfrm>
           <a:prstGeom prst="rect">
             <a:avLst/>
@@ -2256,7 +2274,7 @@
       </p:grpSpPr>
       <p:sp>
         <p:nvSpPr>
-          <p:cNvPr id="18" name="PlaceHolder 1"/>
+          <p:cNvPr id="15" name="PlaceHolder 1"/>
           <p:cNvSpPr>
             <a:spLocks noGrp="1"/>
           </p:cNvSpPr>
@@ -2266,8 +2284,8 @@
         </p:nvSpPr>
         <p:spPr>
           <a:xfrm>
-            <a:off x="457200" y="274680"/>
-            <a:ext cx="8229240" cy="1143000"/>
+            <a:off x="457200" y="273600"/>
+            <a:ext cx="8229240" cy="1145160"/>
           </a:xfrm>
           <a:prstGeom prst="rect">
             <a:avLst/>
@@ -2276,13 +2294,14 @@
         <p:txBody>
           <a:bodyPr anchor="ctr" bIns="0" lIns="0" rIns="0" tIns="0" wrap="none"/>
           <a:p>
-            <a:endParaRPr/>
-          </a:p>
-        </p:txBody>
-      </p:sp>
-      <p:sp>
-        <p:nvSpPr>
-          <p:cNvPr id="19" name="PlaceHolder 2"/>
+            <a:pPr algn="ctr"/>
+            <a:endParaRPr/>
+          </a:p>
+        </p:txBody>
+      </p:sp>
+      <p:sp>
+        <p:nvSpPr>
+          <p:cNvPr id="16" name="PlaceHolder 2"/>
           <p:cNvSpPr>
             <a:spLocks noGrp="1"/>
           </p:cNvSpPr>
@@ -2292,8 +2311,8 @@
         </p:nvSpPr>
         <p:spPr>
           <a:xfrm>
-            <a:off x="457200" y="1600200"/>
-            <a:ext cx="4015440" cy="4525560"/>
+            <a:off x="457200" y="1604520"/>
+            <a:ext cx="4015440" cy="3976920"/>
           </a:xfrm>
           <a:prstGeom prst="rect">
             <a:avLst/>
@@ -2308,7 +2327,7 @@
       </p:sp>
       <p:sp>
         <p:nvSpPr>
-          <p:cNvPr id="20" name="PlaceHolder 3"/>
+          <p:cNvPr id="17" name="PlaceHolder 3"/>
           <p:cNvSpPr>
             <a:spLocks noGrp="1"/>
           </p:cNvSpPr>
@@ -2318,8 +2337,8 @@
         </p:nvSpPr>
         <p:spPr>
           <a:xfrm>
-            <a:off x="4673520" y="1600200"/>
-            <a:ext cx="4015440" cy="2158200"/>
+            <a:off x="4673520" y="1604520"/>
+            <a:ext cx="4015440" cy="1896480"/>
           </a:xfrm>
           <a:prstGeom prst="rect">
             <a:avLst/>
@@ -2334,7 +2353,7 @@
       </p:sp>
       <p:sp>
         <p:nvSpPr>
-          <p:cNvPr id="21" name="PlaceHolder 4"/>
+          <p:cNvPr id="18" name="PlaceHolder 4"/>
           <p:cNvSpPr>
             <a:spLocks noGrp="1"/>
           </p:cNvSpPr>
@@ -2344,8 +2363,8 @@
         </p:nvSpPr>
         <p:spPr>
           <a:xfrm>
-            <a:off x="4673520" y="3963600"/>
-            <a:ext cx="4015440" cy="2158200"/>
+            <a:off x="4673520" y="3681360"/>
+            <a:ext cx="4015440" cy="1896480"/>
           </a:xfrm>
           <a:prstGeom prst="rect">
             <a:avLst/>
@@ -2382,7 +2401,7 @@
       </p:grpSpPr>
       <p:sp>
         <p:nvSpPr>
-          <p:cNvPr id="22" name="PlaceHolder 1"/>
+          <p:cNvPr id="19" name="PlaceHolder 1"/>
           <p:cNvSpPr>
             <a:spLocks noGrp="1"/>
           </p:cNvSpPr>
@@ -2392,8 +2411,8 @@
         </p:nvSpPr>
         <p:spPr>
           <a:xfrm>
-            <a:off x="457200" y="274680"/>
-            <a:ext cx="8229240" cy="1143000"/>
+            <a:off x="457200" y="273600"/>
+            <a:ext cx="8229240" cy="1145160"/>
           </a:xfrm>
           <a:prstGeom prst="rect">
             <a:avLst/>
@@ -2402,13 +2421,14 @@
         <p:txBody>
           <a:bodyPr anchor="ctr" bIns="0" lIns="0" rIns="0" tIns="0" wrap="none"/>
           <a:p>
-            <a:endParaRPr/>
-          </a:p>
-        </p:txBody>
-      </p:sp>
-      <p:sp>
-        <p:nvSpPr>
-          <p:cNvPr id="23" name="PlaceHolder 2"/>
+            <a:pPr algn="ctr"/>
+            <a:endParaRPr/>
+          </a:p>
+        </p:txBody>
+      </p:sp>
+      <p:sp>
+        <p:nvSpPr>
+          <p:cNvPr id="20" name="PlaceHolder 2"/>
           <p:cNvSpPr>
             <a:spLocks noGrp="1"/>
           </p:cNvSpPr>
@@ -2418,8 +2438,8 @@
         </p:nvSpPr>
         <p:spPr>
           <a:xfrm>
-            <a:off x="457200" y="1600200"/>
-            <a:ext cx="4015440" cy="2158200"/>
+            <a:off x="457200" y="1604520"/>
+            <a:ext cx="4015440" cy="1896480"/>
           </a:xfrm>
           <a:prstGeom prst="rect">
             <a:avLst/>
@@ -2434,7 +2454,7 @@
       </p:sp>
       <p:sp>
         <p:nvSpPr>
-          <p:cNvPr id="24" name="PlaceHolder 3"/>
+          <p:cNvPr id="21" name="PlaceHolder 3"/>
           <p:cNvSpPr>
             <a:spLocks noGrp="1"/>
           </p:cNvSpPr>
@@ -2444,8 +2464,8 @@
         </p:nvSpPr>
         <p:spPr>
           <a:xfrm>
-            <a:off x="4673520" y="1600200"/>
-            <a:ext cx="4015440" cy="2158200"/>
+            <a:off x="4673520" y="1604520"/>
+            <a:ext cx="4015440" cy="1896480"/>
           </a:xfrm>
           <a:prstGeom prst="rect">
             <a:avLst/>
@@ -2460,7 +2480,7 @@
       </p:sp>
       <p:sp>
         <p:nvSpPr>
-          <p:cNvPr id="25" name="PlaceHolder 4"/>
+          <p:cNvPr id="22" name="PlaceHolder 4"/>
           <p:cNvSpPr>
             <a:spLocks noGrp="1"/>
           </p:cNvSpPr>
@@ -2470,8 +2490,8 @@
         </p:nvSpPr>
         <p:spPr>
           <a:xfrm>
-            <a:off x="457200" y="3963600"/>
-            <a:ext cx="8228520" cy="2158200"/>
+            <a:off x="457200" y="3681360"/>
+            <a:ext cx="8228520" cy="1896480"/>
           </a:xfrm>
           <a:prstGeom prst="rect">
             <a:avLst/>
@@ -2525,29 +2545,19 @@
         </p:nvSpPr>
         <p:spPr>
           <a:xfrm>
-            <a:off x="685800" y="2130480"/>
-            <a:ext cx="7772040" cy="1469520"/>
-          </a:xfrm>
-          <a:prstGeom prst="rect">
-            <a:avLst/>
-          </a:prstGeom>
-        </p:spPr>
-        <p:txBody>
-          <a:bodyPr anchor="ctr"/>
-          <a:p>
-            <a:pPr algn="ctr">
-              <a:lnSpc>
-                <a:spcPct val="100000"/>
-              </a:lnSpc>
-            </a:pPr>
-            <a:r>
-              <a:rPr lang="en-US" sz="4400">
-                <a:solidFill>
-                  <a:srgbClr val="000000"/>
-                </a:solidFill>
-                <a:latin typeface="Calibri"/>
-              </a:rPr>
-              <a:t>Click to edit the title text formatClick to edit Master title style</a:t>
+            <a:off x="457200" y="274680"/>
+            <a:ext cx="8228880" cy="1142640"/>
+          </a:xfrm>
+          <a:prstGeom prst="rect">
+            <a:avLst/>
+          </a:prstGeom>
+        </p:spPr>
+        <p:txBody>
+          <a:bodyPr anchor="ctr" bIns="0" lIns="0" rIns="0" tIns="0" wrap="none"/>
+          <a:p>
+            <a:r>
+              <a:rPr lang="en-CA"/>
+              <a:t>Click to edit the title text format</a:t>
             </a:r>
             <a:endParaRPr/>
           </a:p>
@@ -2556,143 +2566,6 @@
       <p:sp>
         <p:nvSpPr>
           <p:cNvPr id="1" name="PlaceHolder 2"/>
-          <p:cNvSpPr>
-            <a:spLocks noGrp="1"/>
-          </p:cNvSpPr>
-          <p:nvPr>
-            <p:ph type="dt"/>
-          </p:nvPr>
-        </p:nvSpPr>
-        <p:spPr>
-          <a:xfrm>
-            <a:off x="457200" y="6356520"/>
-            <a:ext cx="2133360" cy="364680"/>
-          </a:xfrm>
-          <a:prstGeom prst="rect">
-            <a:avLst/>
-          </a:prstGeom>
-        </p:spPr>
-        <p:txBody>
-          <a:bodyPr anchor="ctr"/>
-          <a:p>
-            <a:pPr>
-              <a:lnSpc>
-                <a:spcPct val="100000"/>
-              </a:lnSpc>
-            </a:pPr>
-            <a:r>
-              <a:rPr lang="en-CA" sz="1200">
-                <a:solidFill>
-                  <a:srgbClr val="8b8b8b"/>
-                </a:solidFill>
-                <a:latin typeface="Calibri"/>
-              </a:rPr>
-              <a:t>14-2-25</a:t>
-            </a:r>
-            <a:endParaRPr/>
-          </a:p>
-        </p:txBody>
-      </p:sp>
-      <p:sp>
-        <p:nvSpPr>
-          <p:cNvPr id="2" name="PlaceHolder 3"/>
-          <p:cNvSpPr>
-            <a:spLocks noGrp="1"/>
-          </p:cNvSpPr>
-          <p:nvPr>
-            <p:ph type="ftr"/>
-          </p:nvPr>
-        </p:nvSpPr>
-        <p:spPr>
-          <a:xfrm>
-            <a:off x="0" y="6356520"/>
-            <a:ext cx="9143640" cy="364680"/>
-          </a:xfrm>
-          <a:prstGeom prst="rect">
-            <a:avLst/>
-          </a:prstGeom>
-        </p:spPr>
-        <p:txBody>
-          <a:bodyPr anchor="ctr"/>
-          <a:p>
-            <a:pPr algn="ctr">
-              <a:lnSpc>
-                <a:spcPct val="100000"/>
-              </a:lnSpc>
-            </a:pPr>
-            <a:r>
-              <a:rPr lang="en-CA" sz="1200">
-                <a:solidFill>
-                  <a:srgbClr val="8b8b8b"/>
-                </a:solidFill>
-                <a:latin typeface="Calibri"/>
-              </a:rPr>
-              <a:t>Computer Science and Software Engineering</a:t>
-            </a:r>
-            <a:endParaRPr/>
-          </a:p>
-          <a:p>
-            <a:pPr algn="ctr">
-              <a:lnSpc>
-                <a:spcPct val="100000"/>
-              </a:lnSpc>
-            </a:pPr>
-            <a:r>
-              <a:rPr lang="en-CA" sz="1200">
-                <a:solidFill>
-                  <a:srgbClr val="8b8b8b"/>
-                </a:solidFill>
-                <a:latin typeface="Calibri"/>
-              </a:rPr>
-              <a:t>© 2013 Nikolaos Tsantalis</a:t>
-            </a:r>
-            <a:endParaRPr/>
-          </a:p>
-        </p:txBody>
-      </p:sp>
-      <p:sp>
-        <p:nvSpPr>
-          <p:cNvPr id="3" name="PlaceHolder 4"/>
-          <p:cNvSpPr>
-            <a:spLocks noGrp="1"/>
-          </p:cNvSpPr>
-          <p:nvPr>
-            <p:ph type="sldNum"/>
-          </p:nvPr>
-        </p:nvSpPr>
-        <p:spPr>
-          <a:xfrm>
-            <a:off x="6553080" y="6356520"/>
-            <a:ext cx="2133360" cy="364680"/>
-          </a:xfrm>
-          <a:prstGeom prst="rect">
-            <a:avLst/>
-          </a:prstGeom>
-        </p:spPr>
-        <p:txBody>
-          <a:bodyPr anchor="ctr"/>
-          <a:p>
-            <a:pPr algn="r">
-              <a:lnSpc>
-                <a:spcPct val="100000"/>
-              </a:lnSpc>
-            </a:pPr>
-            <a:fld id="{EA2215AD-954C-42BB-9973-AC2028024414}" type="slidenum">
-              <a:rPr lang="en-CA" sz="1200">
-                <a:solidFill>
-                  <a:srgbClr val="8b8b8b"/>
-                </a:solidFill>
-                <a:latin typeface="Calibri"/>
-              </a:rPr>
-              <a:t>&lt;number&gt;</a:t>
-            </a:fld>
-            <a:endParaRPr/>
-          </a:p>
-        </p:txBody>
-      </p:sp>
-      <p:sp>
-        <p:nvSpPr>
-          <p:cNvPr id="4" name="PlaceHolder 5"/>
           <p:cNvSpPr>
             <a:spLocks noGrp="1"/>
           </p:cNvSpPr>
@@ -2718,7 +2591,7 @@
               <a:buChar char=""/>
             </a:pPr>
             <a:r>
-              <a:rPr lang="en-US"/>
+              <a:rPr lang="en-CA"/>
               <a:t>Click to edit the outline text format</a:t>
             </a:r>
             <a:endParaRPr/>
@@ -2730,7 +2603,7 @@
               <a:buChar char=""/>
             </a:pPr>
             <a:r>
-              <a:rPr lang="en-US"/>
+              <a:rPr lang="en-CA"/>
               <a:t>Second Outline Level</a:t>
             </a:r>
             <a:endParaRPr/>
@@ -2742,7 +2615,7 @@
               <a:buChar char=""/>
             </a:pPr>
             <a:r>
-              <a:rPr lang="en-US"/>
+              <a:rPr lang="en-CA"/>
               <a:t>Third Outline Level</a:t>
             </a:r>
             <a:endParaRPr/>
@@ -2754,7 +2627,7 @@
               <a:buChar char=""/>
             </a:pPr>
             <a:r>
-              <a:rPr lang="en-US"/>
+              <a:rPr lang="en-CA"/>
               <a:t>Fourth Outline Level</a:t>
             </a:r>
             <a:endParaRPr/>
@@ -2766,7 +2639,7 @@
               <a:buChar char=""/>
             </a:pPr>
             <a:r>
-              <a:rPr lang="en-US"/>
+              <a:rPr lang="en-CA"/>
               <a:t>Fifth Outline Level</a:t>
             </a:r>
             <a:endParaRPr/>
@@ -2778,7 +2651,7 @@
               <a:buChar char=""/>
             </a:pPr>
             <a:r>
-              <a:rPr lang="en-US"/>
+              <a:rPr lang="en-CA"/>
               <a:t>Sixth Outline Level</a:t>
             </a:r>
             <a:endParaRPr/>
@@ -2790,7 +2663,7 @@
               <a:buChar char=""/>
             </a:pPr>
             <a:r>
-              <a:rPr lang="en-US"/>
+              <a:rPr lang="en-CA"/>
               <a:t>Seventh Outline Level</a:t>
             </a:r>
             <a:endParaRPr/>
@@ -2843,7 +2716,60 @@
       </p:grpSpPr>
       <p:sp>
         <p:nvSpPr>
-          <p:cNvPr id="37" name="PlaceHolder 1"/>
+          <p:cNvPr id="34" name="CustomShape 1"/>
+          <p:cNvSpPr/>
+          <p:nvPr/>
+        </p:nvSpPr>
+        <p:spPr>
+          <a:xfrm>
+            <a:off x="0" y="6356520"/>
+            <a:ext cx="9143280" cy="364320"/>
+          </a:xfrm>
+          <a:prstGeom prst="rect">
+            <a:avLst/>
+          </a:prstGeom>
+        </p:spPr>
+        <p:txBody>
+          <a:bodyPr anchor="ctr" bIns="45000" lIns="90000" rIns="90000" tIns="45000"/>
+          <a:p>
+            <a:pPr algn="ctr">
+              <a:lnSpc>
+                <a:spcPct val="100000"/>
+              </a:lnSpc>
+            </a:pPr>
+            <a:r>
+              <a:rPr lang="en-CA" sz="1200">
+                <a:solidFill>
+                  <a:srgbClr val="8b8b8b"/>
+                </a:solidFill>
+                <a:latin typeface="Calibri"/>
+              </a:rPr>
+              <a:t>Computer Science and Software Engineering</a:t>
+            </a:r>
+            <a:endParaRPr/>
+          </a:p>
+          <a:p>
+            <a:pPr algn="ctr">
+              <a:lnSpc>
+                <a:spcPct val="100000"/>
+              </a:lnSpc>
+            </a:pPr>
+            <a:r>
+              <a:rPr lang="en-CA" sz="1200">
+                <a:solidFill>
+                  <a:srgbClr val="8b8b8b"/>
+                </a:solidFill>
+                <a:latin typeface="Calibri"/>
+              </a:rPr>
+              <a:t>© 2013 Nikolaos Tsantalis</a:t>
+            </a:r>
+            <a:endParaRPr/>
+          </a:p>
+        </p:txBody>
+      </p:sp>
+      <p:sp>
+        <p:nvSpPr>
+          <p:cNvPr id="35" name="PlaceHolder 2"/>
           <p:cNvSpPr>
             <a:spLocks noGrp="1"/>
           </p:cNvSpPr>
@@ -2853,37 +2779,28 @@
         </p:nvSpPr>
         <p:spPr>
           <a:xfrm>
-            <a:off x="457200" y="274680"/>
-            <a:ext cx="8229240" cy="1142640"/>
-          </a:xfrm>
-          <a:prstGeom prst="rect">
-            <a:avLst/>
-          </a:prstGeom>
-        </p:spPr>
-        <p:txBody>
-          <a:bodyPr anchor="ctr"/>
-          <a:p>
-            <a:pPr algn="ctr">
-              <a:lnSpc>
-                <a:spcPct val="100000"/>
-              </a:lnSpc>
-            </a:pPr>
-            <a:r>
-              <a:rPr lang="en-US" sz="4400">
-                <a:solidFill>
-                  <a:srgbClr val="000000"/>
-                </a:solidFill>
-                <a:latin typeface="Calibri"/>
-              </a:rPr>
-              <a:t>Click to edit the title text formatClick to edit Master title style</a:t>
-            </a:r>
-            <a:endParaRPr/>
-          </a:p>
-        </p:txBody>
-      </p:sp>
-      <p:sp>
-        <p:nvSpPr>
-          <p:cNvPr id="38" name="PlaceHolder 2"/>
+            <a:off x="457200" y="273600"/>
+            <a:ext cx="8229240" cy="1144800"/>
+          </a:xfrm>
+          <a:prstGeom prst="rect">
+            <a:avLst/>
+          </a:prstGeom>
+        </p:spPr>
+        <p:txBody>
+          <a:bodyPr anchor="ctr" bIns="0" lIns="0" rIns="0" tIns="0" wrap="none"/>
+          <a:p>
+            <a:pPr algn="ctr"/>
+            <a:r>
+              <a:rPr lang="en-CA"/>
+              <a:t>Click to edit the title text format</a:t>
+            </a:r>
+            <a:endParaRPr/>
+          </a:p>
+        </p:txBody>
+      </p:sp>
+      <p:sp>
+        <p:nvSpPr>
+          <p:cNvPr id="36" name="PlaceHolder 3"/>
           <p:cNvSpPr>
             <a:spLocks noGrp="1"/>
           </p:cNvSpPr>
@@ -2893,15 +2810,15 @@
         </p:nvSpPr>
         <p:spPr>
           <a:xfrm>
-            <a:off x="457200" y="1600200"/>
-            <a:ext cx="8229240" cy="4525560"/>
-          </a:xfrm>
-          <a:prstGeom prst="rect">
-            <a:avLst/>
-          </a:prstGeom>
-        </p:spPr>
-        <p:txBody>
-          <a:bodyPr/>
+            <a:off x="457200" y="1604520"/>
+            <a:ext cx="8229240" cy="3976920"/>
+          </a:xfrm>
+          <a:prstGeom prst="rect">
+            <a:avLst/>
+          </a:prstGeom>
+        </p:spPr>
+        <p:txBody>
+          <a:bodyPr bIns="0" lIns="0" rIns="0" tIns="0" wrap="none"/>
           <a:p>
             <a:pPr>
               <a:buSzPct val="25000"/>
@@ -2909,12 +2826,7 @@
               <a:buChar char=""/>
             </a:pPr>
             <a:r>
-              <a:rPr lang="en-US" sz="3200">
-                <a:solidFill>
-                  <a:srgbClr val="000000"/>
-                </a:solidFill>
-                <a:latin typeface="Calibri"/>
-              </a:rPr>
+              <a:rPr lang="en-CA"/>
               <a:t>Click to edit the outline text format</a:t>
             </a:r>
             <a:endParaRPr/>
@@ -2926,12 +2838,7 @@
               <a:buChar char=""/>
             </a:pPr>
             <a:r>
-              <a:rPr lang="en-US" sz="3200">
-                <a:solidFill>
-                  <a:srgbClr val="000000"/>
-                </a:solidFill>
-                <a:latin typeface="Calibri"/>
-              </a:rPr>
+              <a:rPr lang="en-CA"/>
               <a:t>Second Outline Level</a:t>
             </a:r>
             <a:endParaRPr/>
@@ -2943,12 +2850,7 @@
               <a:buChar char=""/>
             </a:pPr>
             <a:r>
-              <a:rPr lang="en-US" sz="3200">
-                <a:solidFill>
-                  <a:srgbClr val="000000"/>
-                </a:solidFill>
-                <a:latin typeface="Calibri"/>
-              </a:rPr>
+              <a:rPr lang="en-CA"/>
               <a:t>Third Outline Level</a:t>
             </a:r>
             <a:endParaRPr/>
@@ -2960,12 +2862,7 @@
               <a:buChar char=""/>
             </a:pPr>
             <a:r>
-              <a:rPr lang="en-US" sz="3200">
-                <a:solidFill>
-                  <a:srgbClr val="000000"/>
-                </a:solidFill>
-                <a:latin typeface="Calibri"/>
-              </a:rPr>
+              <a:rPr lang="en-CA"/>
               <a:t>Fourth Outline Level</a:t>
             </a:r>
             <a:endParaRPr/>
@@ -2977,12 +2874,7 @@
               <a:buChar char=""/>
             </a:pPr>
             <a:r>
-              <a:rPr lang="en-US" sz="3200">
-                <a:solidFill>
-                  <a:srgbClr val="000000"/>
-                </a:solidFill>
-                <a:latin typeface="Calibri"/>
-              </a:rPr>
+              <a:rPr lang="en-CA"/>
               <a:t>Fifth Outline Level</a:t>
             </a:r>
             <a:endParaRPr/>
@@ -2994,245 +2886,20 @@
               <a:buChar char=""/>
             </a:pPr>
             <a:r>
-              <a:rPr lang="en-US" sz="3200">
-                <a:solidFill>
-                  <a:srgbClr val="000000"/>
-                </a:solidFill>
-                <a:latin typeface="Calibri"/>
-              </a:rPr>
+              <a:rPr lang="en-CA"/>
               <a:t>Sixth Outline Level</a:t>
             </a:r>
             <a:endParaRPr/>
           </a:p>
           <a:p>
-            <a:pPr>
-              <a:lnSpc>
-                <a:spcPct val="100000"/>
-              </a:lnSpc>
-              <a:buFont typeface="Arial"/>
-              <a:buChar char="•"/>
-            </a:pPr>
-            <a:r>
-              <a:rPr lang="en-US" sz="3200">
-                <a:solidFill>
-                  <a:srgbClr val="000000"/>
-                </a:solidFill>
-                <a:latin typeface="Calibri"/>
-              </a:rPr>
-              <a:t>Seventh Outline LevelClick to edit Master text styles</a:t>
-            </a:r>
-            <a:endParaRPr/>
-          </a:p>
-          <a:p>
-            <a:pPr lvl="1">
-              <a:lnSpc>
-                <a:spcPct val="100000"/>
-              </a:lnSpc>
-              <a:buSzPct val="25000"/>
-              <a:buFont typeface="StarSymbol"/>
-              <a:buChar char=""/>
-            </a:pPr>
-            <a:r>
-              <a:rPr lang="en-US" sz="2800">
-                <a:solidFill>
-                  <a:srgbClr val="000000"/>
-                </a:solidFill>
-                <a:latin typeface="Calibri"/>
-              </a:rPr>
-              <a:t>Second level</a:t>
-            </a:r>
-            <a:endParaRPr/>
-          </a:p>
-          <a:p>
-            <a:pPr lvl="2">
-              <a:lnSpc>
-                <a:spcPct val="100000"/>
-              </a:lnSpc>
+            <a:pPr lvl="6">
               <a:buSzPct val="25000"/>
               <a:buFont typeface="StarSymbol"/>
               <a:buChar char=""/>
             </a:pPr>
             <a:r>
-              <a:rPr lang="en-US" sz="2400">
-                <a:solidFill>
-                  <a:srgbClr val="000000"/>
-                </a:solidFill>
-                <a:latin typeface="Calibri"/>
-              </a:rPr>
-              <a:t>Third level</a:t>
-            </a:r>
-            <a:endParaRPr/>
-          </a:p>
-          <a:p>
-            <a:pPr lvl="3">
-              <a:lnSpc>
-                <a:spcPct val="100000"/>
-              </a:lnSpc>
-              <a:buSzPct val="25000"/>
-              <a:buFont typeface="StarSymbol"/>
-              <a:buChar char=""/>
-            </a:pPr>
-            <a:r>
-              <a:rPr lang="en-US" sz="2000">
-                <a:solidFill>
-                  <a:srgbClr val="000000"/>
-                </a:solidFill>
-                <a:latin typeface="Calibri"/>
-              </a:rPr>
-              <a:t>Fourth level</a:t>
-            </a:r>
-            <a:endParaRPr/>
-          </a:p>
-          <a:p>
-            <a:pPr lvl="4">
-              <a:lnSpc>
-                <a:spcPct val="100000"/>
-              </a:lnSpc>
-              <a:buSzPct val="25000"/>
-              <a:buFont typeface="StarSymbol"/>
-              <a:buChar char=""/>
-            </a:pPr>
-            <a:r>
-              <a:rPr lang="en-US" sz="2000">
-                <a:solidFill>
-                  <a:srgbClr val="000000"/>
-                </a:solidFill>
-                <a:latin typeface="Calibri"/>
-              </a:rPr>
-              <a:t>Fifth level</a:t>
-            </a:r>
-            <a:endParaRPr/>
-          </a:p>
-        </p:txBody>
-      </p:sp>
-      <p:sp>
-        <p:nvSpPr>
-          <p:cNvPr id="39" name="PlaceHolder 3"/>
-          <p:cNvSpPr>
-            <a:spLocks noGrp="1"/>
-          </p:cNvSpPr>
-          <p:nvPr>
-            <p:ph type="dt"/>
-          </p:nvPr>
-        </p:nvSpPr>
-        <p:spPr>
-          <a:xfrm>
-            <a:off x="457200" y="6356520"/>
-            <a:ext cx="2133360" cy="364680"/>
-          </a:xfrm>
-          <a:prstGeom prst="rect">
-            <a:avLst/>
-          </a:prstGeom>
-        </p:spPr>
-        <p:txBody>
-          <a:bodyPr anchor="ctr"/>
-          <a:p>
-            <a:pPr>
-              <a:lnSpc>
-                <a:spcPct val="100000"/>
-              </a:lnSpc>
-            </a:pPr>
-            <a:r>
-              <a:rPr lang="en-CA" sz="1200">
-                <a:solidFill>
-                  <a:srgbClr val="8b8b8b"/>
-                </a:solidFill>
-                <a:latin typeface="Calibri"/>
-              </a:rPr>
-              <a:t>14-2-25</a:t>
-            </a:r>
-            <a:endParaRPr/>
-          </a:p>
-        </p:txBody>
-      </p:sp>
-      <p:sp>
-        <p:nvSpPr>
-          <p:cNvPr id="40" name="PlaceHolder 4"/>
-          <p:cNvSpPr>
-            <a:spLocks noGrp="1"/>
-          </p:cNvSpPr>
-          <p:nvPr>
-            <p:ph type="sldNum"/>
-          </p:nvPr>
-        </p:nvSpPr>
-        <p:spPr>
-          <a:xfrm>
-            <a:off x="6553080" y="6356520"/>
-            <a:ext cx="2133360" cy="364680"/>
-          </a:xfrm>
-          <a:prstGeom prst="rect">
-            <a:avLst/>
-          </a:prstGeom>
-        </p:spPr>
-        <p:txBody>
-          <a:bodyPr anchor="ctr"/>
-          <a:p>
-            <a:pPr algn="r">
-              <a:lnSpc>
-                <a:spcPct val="100000"/>
-              </a:lnSpc>
-            </a:pPr>
-            <a:fld id="{53D982BB-5EAA-4351-A92E-0F31E6EC3FB5}" type="slidenum">
-              <a:rPr lang="en-CA" sz="1200">
-                <a:solidFill>
-                  <a:srgbClr val="8b8b8b"/>
-                </a:solidFill>
-                <a:latin typeface="Calibri"/>
-              </a:rPr>
-              <a:t>&lt;number&gt;</a:t>
-            </a:fld>
-            <a:endParaRPr/>
-          </a:p>
-        </p:txBody>
-      </p:sp>
-      <p:sp>
-        <p:nvSpPr>
-          <p:cNvPr id="41" name="CustomShape 5"/>
-          <p:cNvSpPr/>
-          <p:nvPr/>
-        </p:nvSpPr>
-        <p:spPr>
-          <a:xfrm>
-            <a:off x="0" y="6356520"/>
-            <a:ext cx="9143640" cy="364680"/>
-          </a:xfrm>
-          <a:prstGeom prst="rect">
-            <a:avLst/>
-          </a:prstGeom>
-        </p:spPr>
-        <p:txBody>
-          <a:bodyPr anchor="ctr"/>
-          <a:p>
-            <a:pPr algn="ctr">
-              <a:lnSpc>
-                <a:spcPct val="100000"/>
-              </a:lnSpc>
-            </a:pPr>
-            <a:r>
-              <a:rPr lang="en-CA" sz="1200">
-                <a:solidFill>
-                  <a:srgbClr val="8b8b8b"/>
-                </a:solidFill>
-                <a:latin typeface="Calibri"/>
-              </a:rPr>
-              <a:t>Computer Science and Software Engineering</a:t>
-            </a:r>
-            <a:endParaRPr/>
-          </a:p>
-          <a:p>
-            <a:pPr algn="ctr">
-              <a:lnSpc>
-                <a:spcPct val="100000"/>
-              </a:lnSpc>
-            </a:pPr>
-            <a:r>
-              <a:rPr lang="en-CA" sz="1200">
-                <a:solidFill>
-                  <a:srgbClr val="8b8b8b"/>
-                </a:solidFill>
-                <a:latin typeface="Calibri"/>
-              </a:rPr>
-              <a:t>© 2013 Nikolaos Tsantalis</a:t>
+              <a:rPr lang="en-CA"/>
+              <a:t>Seventh Outline Level</a:t>
             </a:r>
             <a:endParaRPr/>
           </a:p>
@@ -3277,21 +2944,21 @@
       </p:grpSpPr>
       <p:sp>
         <p:nvSpPr>
-          <p:cNvPr id="79" name="TextShape 1"/>
-          <p:cNvSpPr txBox="1"/>
+          <p:cNvPr id="74" name="CustomShape 1"/>
+          <p:cNvSpPr/>
           <p:nvPr/>
         </p:nvSpPr>
         <p:spPr>
           <a:xfrm>
             <a:off x="685800" y="2130480"/>
-            <a:ext cx="7772040" cy="1469520"/>
-          </a:xfrm>
-          <a:prstGeom prst="rect">
-            <a:avLst/>
-          </a:prstGeom>
-        </p:spPr>
-        <p:txBody>
-          <a:bodyPr anchor="ctr"/>
+            <a:ext cx="7771680" cy="1469160"/>
+          </a:xfrm>
+          <a:prstGeom prst="rect">
+            <a:avLst/>
+          </a:prstGeom>
+        </p:spPr>
+        <p:txBody>
+          <a:bodyPr anchor="ctr" bIns="45000" lIns="90000" rIns="90000" tIns="45000"/>
           <a:p>
             <a:pPr algn="ctr">
               <a:lnSpc>
@@ -3299,7 +2966,7 @@
               </a:lnSpc>
             </a:pPr>
             <a:r>
-              <a:rPr lang="en-US" sz="4400">
+              <a:rPr lang="en-CA" sz="4400">
                 <a:solidFill>
                   <a:srgbClr val="000000"/>
                 </a:solidFill>
@@ -3313,21 +2980,21 @@
       </p:sp>
       <p:sp>
         <p:nvSpPr>
-          <p:cNvPr id="80" name="TextShape 2"/>
-          <p:cNvSpPr txBox="1"/>
+          <p:cNvPr id="75" name="CustomShape 2"/>
+          <p:cNvSpPr/>
           <p:nvPr/>
         </p:nvSpPr>
         <p:spPr>
           <a:xfrm>
             <a:off x="1371600" y="3886200"/>
-            <a:ext cx="6400440" cy="1752120"/>
-          </a:xfrm>
-          <a:prstGeom prst="rect">
-            <a:avLst/>
-          </a:prstGeom>
-        </p:spPr>
-        <p:txBody>
-          <a:bodyPr/>
+            <a:ext cx="6400080" cy="1751760"/>
+          </a:xfrm>
+          <a:prstGeom prst="rect">
+            <a:avLst/>
+          </a:prstGeom>
+        </p:spPr>
+        <p:txBody>
+          <a:bodyPr bIns="45000" lIns="90000" rIns="90000" tIns="45000"/>
           <a:p>
             <a:pPr algn="ctr">
               <a:lnSpc>
@@ -3349,21 +3016,21 @@
       </p:sp>
       <p:sp>
         <p:nvSpPr>
-          <p:cNvPr id="81" name="TextShape 3"/>
-          <p:cNvSpPr txBox="1"/>
+          <p:cNvPr id="76" name="CustomShape 3"/>
+          <p:cNvSpPr/>
           <p:nvPr/>
         </p:nvSpPr>
         <p:spPr>
           <a:xfrm>
             <a:off x="0" y="6356520"/>
-            <a:ext cx="9143640" cy="364680"/>
-          </a:xfrm>
-          <a:prstGeom prst="rect">
-            <a:avLst/>
-          </a:prstGeom>
-        </p:spPr>
-        <p:txBody>
-          <a:bodyPr anchor="ctr"/>
+            <a:ext cx="9143280" cy="364320"/>
+          </a:xfrm>
+          <a:prstGeom prst="rect">
+            <a:avLst/>
+          </a:prstGeom>
+        </p:spPr>
+        <p:txBody>
+          <a:bodyPr anchor="ctr" bIns="45000" lIns="90000" rIns="90000" tIns="45000"/>
           <a:p>
             <a:pPr algn="ctr">
               <a:lnSpc>
@@ -3402,28 +3069,28 @@
       </p:sp>
       <p:sp>
         <p:nvSpPr>
-          <p:cNvPr id="82" name="TextShape 4"/>
-          <p:cNvSpPr txBox="1"/>
+          <p:cNvPr id="77" name="CustomShape 4"/>
+          <p:cNvSpPr/>
           <p:nvPr/>
         </p:nvSpPr>
         <p:spPr>
           <a:xfrm>
             <a:off x="6553080" y="6356520"/>
-            <a:ext cx="2133360" cy="364680"/>
-          </a:xfrm>
-          <a:prstGeom prst="rect">
-            <a:avLst/>
-          </a:prstGeom>
-        </p:spPr>
-        <p:txBody>
-          <a:bodyPr anchor="ctr"/>
+            <a:ext cx="2133000" cy="364320"/>
+          </a:xfrm>
+          <a:prstGeom prst="rect">
+            <a:avLst/>
+          </a:prstGeom>
+        </p:spPr>
+        <p:txBody>
+          <a:bodyPr anchor="ctr" bIns="45000" lIns="90000" rIns="90000" tIns="45000"/>
           <a:p>
             <a:pPr algn="r">
               <a:lnSpc>
                 <a:spcPct val="100000"/>
               </a:lnSpc>
             </a:pPr>
-            <a:fld id="{CFE93719-1829-4A99-8AE3-C23FDF29FFBB}" type="slidenum">
+            <a:fld id="{61E5A87E-5383-4590-B49F-A2C57A47BA5D}" type="slidenum">
               <a:rPr lang="en-CA" sz="1200">
                 <a:solidFill>
                   <a:srgbClr val="8b8b8b"/>
@@ -3460,21 +3127,21 @@
       </p:grpSpPr>
       <p:sp>
         <p:nvSpPr>
-          <p:cNvPr id="120" name="TextShape 1"/>
-          <p:cNvSpPr txBox="1"/>
+          <p:cNvPr id="115" name="CustomShape 1"/>
+          <p:cNvSpPr/>
           <p:nvPr/>
         </p:nvSpPr>
         <p:spPr>
           <a:xfrm>
             <a:off x="457200" y="0"/>
-            <a:ext cx="8229240" cy="1142640"/>
-          </a:xfrm>
-          <a:prstGeom prst="rect">
-            <a:avLst/>
-          </a:prstGeom>
-        </p:spPr>
-        <p:txBody>
-          <a:bodyPr anchor="ctr"/>
+            <a:ext cx="8228880" cy="1142280"/>
+          </a:xfrm>
+          <a:prstGeom prst="rect">
+            <a:avLst/>
+          </a:prstGeom>
+        </p:spPr>
+        <p:txBody>
+          <a:bodyPr anchor="ctr" bIns="45000" lIns="90000" rIns="90000" tIns="45000"/>
           <a:p>
             <a:pPr algn="ctr">
               <a:lnSpc>
@@ -3482,7 +3149,7 @@
               </a:lnSpc>
             </a:pPr>
             <a:r>
-              <a:rPr lang="en-US" sz="4400">
+              <a:rPr lang="en-CA" sz="4400">
                 <a:solidFill>
                   <a:srgbClr val="000000"/>
                 </a:solidFill>
@@ -3491,7 +3158,7 @@
               <a:t>Exercise: Compute Halstead metrics of the 2nd version of </a:t>
             </a:r>
             <a:r>
-              <a:rPr b="1" lang="en-US" sz="4400">
+              <a:rPr b="1" lang="en-CA" sz="4400">
                 <a:solidFill>
                   <a:srgbClr val="000000"/>
                 </a:solidFill>
@@ -3505,28 +3172,28 @@
       </p:sp>
       <p:sp>
         <p:nvSpPr>
-          <p:cNvPr id="121" name="TextShape 2"/>
-          <p:cNvSpPr txBox="1"/>
+          <p:cNvPr id="116" name="CustomShape 2"/>
+          <p:cNvSpPr/>
           <p:nvPr/>
         </p:nvSpPr>
         <p:spPr>
           <a:xfrm>
             <a:off x="6553080" y="6356520"/>
-            <a:ext cx="2133360" cy="364680"/>
-          </a:xfrm>
-          <a:prstGeom prst="rect">
-            <a:avLst/>
-          </a:prstGeom>
-        </p:spPr>
-        <p:txBody>
-          <a:bodyPr anchor="ctr"/>
+            <a:ext cx="2133000" cy="364320"/>
+          </a:xfrm>
+          <a:prstGeom prst="rect">
+            <a:avLst/>
+          </a:prstGeom>
+        </p:spPr>
+        <p:txBody>
+          <a:bodyPr anchor="ctr" bIns="45000" lIns="90000" rIns="90000" tIns="45000"/>
           <a:p>
             <a:pPr algn="r">
               <a:lnSpc>
                 <a:spcPct val="100000"/>
               </a:lnSpc>
             </a:pPr>
-            <a:fld id="{5DBD9734-EB31-4E9A-BB65-0644BC35CA83}" type="slidenum">
+            <a:fld id="{2BA62548-871E-4AD9-ABAC-85339404F17A}" type="slidenum">
               <a:rPr lang="en-CA" sz="1200">
                 <a:solidFill>
                   <a:srgbClr val="8b8b8b"/>
@@ -3541,21 +3208,21 @@
       </p:sp>
       <p:sp>
         <p:nvSpPr>
-          <p:cNvPr id="122" name="TextShape 3"/>
-          <p:cNvSpPr txBox="1"/>
+          <p:cNvPr id="117" name="CustomShape 3"/>
+          <p:cNvSpPr/>
           <p:nvPr/>
         </p:nvSpPr>
         <p:spPr>
           <a:xfrm>
             <a:off x="1509120" y="1295280"/>
-            <a:ext cx="6125400" cy="5257440"/>
-          </a:xfrm>
-          <a:prstGeom prst="rect">
-            <a:avLst/>
-          </a:prstGeom>
-        </p:spPr>
-        <p:txBody>
-          <a:bodyPr/>
+            <a:ext cx="6125040" cy="5257080"/>
+          </a:xfrm>
+          <a:prstGeom prst="rect">
+            <a:avLst/>
+          </a:prstGeom>
+        </p:spPr>
+        <p:txBody>
+          <a:bodyPr bIns="45000" lIns="90000" rIns="90000" tIns="45000"/>
           <a:p>
             <a:pPr>
               <a:lnSpc>
@@ -3563,7 +3230,7 @@
               </a:lnSpc>
             </a:pPr>
             <a:r>
-              <a:rPr b="1" lang="en-US" sz="2200">
+              <a:rPr b="1" lang="en-CA" sz="2200">
                 <a:solidFill>
                   <a:srgbClr val="7f0055"/>
                 </a:solidFill>
@@ -3572,7 +3239,7 @@
               <a:t>public</a:t>
             </a:r>
             <a:r>
-              <a:rPr b="1" lang="en-US" sz="2200">
+              <a:rPr b="1" lang="en-CA" sz="2200">
                 <a:solidFill>
                   <a:srgbClr val="000000"/>
                 </a:solidFill>
@@ -3581,7 +3248,7 @@
               <a:t> </a:t>
             </a:r>
             <a:r>
-              <a:rPr b="1" lang="en-US" sz="2200">
+              <a:rPr b="1" lang="en-CA" sz="2200">
                 <a:solidFill>
                   <a:srgbClr val="7f0055"/>
                 </a:solidFill>
@@ -3590,7 +3257,7 @@
               <a:t>void</a:t>
             </a:r>
             <a:r>
-              <a:rPr b="1" lang="en-US" sz="2200">
+              <a:rPr b="1" lang="en-CA" sz="2200">
                 <a:solidFill>
                   <a:srgbClr val="000000"/>
                 </a:solidFill>
@@ -3599,7 +3266,7 @@
               <a:t> sort(</a:t>
             </a:r>
             <a:r>
-              <a:rPr b="1" lang="en-US" sz="2200">
+              <a:rPr b="1" lang="en-CA" sz="2200">
                 <a:solidFill>
                   <a:srgbClr val="7f0055"/>
                 </a:solidFill>
@@ -3608,7 +3275,7 @@
               <a:t>int</a:t>
             </a:r>
             <a:r>
-              <a:rPr b="1" lang="en-US" sz="2200">
+              <a:rPr b="1" lang="en-CA" sz="2200">
                 <a:solidFill>
                   <a:srgbClr val="000000"/>
                 </a:solidFill>
@@ -3617,7 +3284,7 @@
               <a:t> a[], </a:t>
             </a:r>
             <a:r>
-              <a:rPr b="1" lang="en-US" sz="2200">
+              <a:rPr b="1" lang="en-CA" sz="2200">
                 <a:solidFill>
                   <a:srgbClr val="7f0055"/>
                 </a:solidFill>
@@ -3626,7 +3293,7 @@
               <a:t>int</a:t>
             </a:r>
             <a:r>
-              <a:rPr b="1" lang="en-US" sz="2200">
+              <a:rPr b="1" lang="en-CA" sz="2200">
                 <a:solidFill>
                   <a:srgbClr val="000000"/>
                 </a:solidFill>
@@ -3643,7 +3310,7 @@
               </a:lnSpc>
             </a:pPr>
             <a:r>
-              <a:rPr b="1" lang="en-US" sz="2200">
+              <a:rPr b="1" lang="en-CA" sz="2200">
                 <a:solidFill>
                   <a:srgbClr val="7f0055"/>
                 </a:solidFill>
@@ -3652,7 +3319,7 @@
               <a:t>    </a:t>
             </a:r>
             <a:r>
-              <a:rPr b="1" lang="en-US" sz="2200">
+              <a:rPr b="1" lang="en-CA" sz="2200">
                 <a:solidFill>
                   <a:srgbClr val="7f0055"/>
                 </a:solidFill>
@@ -3661,7 +3328,7 @@
               <a:t>int</a:t>
             </a:r>
             <a:r>
-              <a:rPr b="1" lang="en-US" sz="2200">
+              <a:rPr b="1" lang="en-CA" sz="2200">
                 <a:solidFill>
                   <a:srgbClr val="000000"/>
                 </a:solidFill>
@@ -3678,7 +3345,7 @@
               </a:lnSpc>
             </a:pPr>
             <a:r>
-              <a:rPr b="1" lang="en-US" sz="2200">
+              <a:rPr b="1" lang="en-CA" sz="2200">
                 <a:solidFill>
                   <a:srgbClr val="7f0055"/>
                 </a:solidFill>
@@ -3687,7 +3354,7 @@
               <a:t>    </a:t>
             </a:r>
             <a:r>
-              <a:rPr b="1" lang="en-US" sz="2200">
+              <a:rPr b="1" lang="en-CA" sz="2200">
                 <a:solidFill>
                   <a:srgbClr val="7f0055"/>
                 </a:solidFill>
@@ -3696,7 +3363,7 @@
               <a:t>if</a:t>
             </a:r>
             <a:r>
-              <a:rPr b="1" lang="en-US" sz="2200">
+              <a:rPr b="1" lang="en-CA" sz="2200">
                 <a:solidFill>
                   <a:srgbClr val="000000"/>
                 </a:solidFill>
@@ -3705,7 +3372,7 @@
               <a:t> (n &lt; 2) </a:t>
             </a:r>
             <a:r>
-              <a:rPr b="1" lang="en-US" sz="2200">
+              <a:rPr b="1" lang="en-CA" sz="2200">
                 <a:solidFill>
                   <a:srgbClr val="7f0055"/>
                 </a:solidFill>
@@ -3714,7 +3381,7 @@
               <a:t>return</a:t>
             </a:r>
             <a:r>
-              <a:rPr b="1" lang="en-US" sz="2200">
+              <a:rPr b="1" lang="en-CA" sz="2200">
                 <a:solidFill>
                   <a:srgbClr val="000000"/>
                 </a:solidFill>
@@ -3731,7 +3398,7 @@
               </a:lnSpc>
             </a:pPr>
             <a:r>
-              <a:rPr b="1" lang="en-US" sz="2200">
+              <a:rPr b="1" lang="en-CA" sz="2200">
                 <a:solidFill>
                   <a:srgbClr val="7f0055"/>
                 </a:solidFill>
@@ -3740,7 +3407,7 @@
               <a:t>    </a:t>
             </a:r>
             <a:r>
-              <a:rPr b="1" lang="en-US" sz="2200">
+              <a:rPr b="1" lang="en-CA" sz="2200">
                 <a:solidFill>
                   <a:srgbClr val="7f0055"/>
                 </a:solidFill>
@@ -3749,7 +3416,7 @@
               <a:t>for</a:t>
             </a:r>
             <a:r>
-              <a:rPr b="1" lang="en-US" sz="2200">
+              <a:rPr b="1" lang="en-CA" sz="2200">
                 <a:solidFill>
                   <a:srgbClr val="000000"/>
                 </a:solidFill>
@@ -3766,7 +3433,7 @@
               </a:lnSpc>
             </a:pPr>
             <a:r>
-              <a:rPr b="1" lang="en-US" sz="2200">
+              <a:rPr b="1" lang="en-CA" sz="2200">
                 <a:solidFill>
                   <a:srgbClr val="7f0055"/>
                 </a:solidFill>
@@ -3775,7 +3442,7 @@
               <a:t>        </a:t>
             </a:r>
             <a:r>
-              <a:rPr b="1" lang="en-US" sz="2200">
+              <a:rPr b="1" lang="en-CA" sz="2200">
                 <a:solidFill>
                   <a:srgbClr val="7f0055"/>
                 </a:solidFill>
@@ -3784,7 +3451,7 @@
               <a:t>for</a:t>
             </a:r>
             <a:r>
-              <a:rPr b="1" lang="en-US" sz="2200">
+              <a:rPr b="1" lang="en-CA" sz="2200">
                 <a:solidFill>
                   <a:srgbClr val="000000"/>
                 </a:solidFill>
@@ -3801,7 +3468,7 @@
               </a:lnSpc>
             </a:pPr>
             <a:r>
-              <a:rPr b="1" lang="en-US" sz="2200">
+              <a:rPr b="1" lang="en-CA" sz="2200">
                 <a:solidFill>
                   <a:srgbClr val="7f0055"/>
                 </a:solidFill>
@@ -3810,7 +3477,7 @@
               <a:t>            </a:t>
             </a:r>
             <a:r>
-              <a:rPr b="1" lang="en-US" sz="2200">
+              <a:rPr b="1" lang="en-CA" sz="2200">
                 <a:solidFill>
                   <a:srgbClr val="7f0055"/>
                 </a:solidFill>
@@ -3819,7 +3486,7 @@
               <a:t>if</a:t>
             </a:r>
             <a:r>
-              <a:rPr b="1" lang="en-US" sz="2200">
+              <a:rPr b="1" lang="en-CA" sz="2200">
                 <a:solidFill>
                   <a:srgbClr val="000000"/>
                 </a:solidFill>
@@ -3836,7 +3503,7 @@
               </a:lnSpc>
             </a:pPr>
             <a:r>
-              <a:rPr b="1" lang="en-US" sz="2200">
+              <a:rPr b="1" lang="en-CA" sz="2200">
                 <a:solidFill>
                   <a:srgbClr val="000000"/>
                 </a:solidFill>
@@ -3845,7 +3512,7 @@
               <a:t>                </a:t>
             </a:r>
             <a:r>
-              <a:rPr b="1" lang="en-US" sz="2200">
+              <a:rPr b="1" lang="en-CA" sz="2200">
                 <a:solidFill>
                   <a:srgbClr val="000000"/>
                 </a:solidFill>
@@ -3862,7 +3529,7 @@
               </a:lnSpc>
             </a:pPr>
             <a:r>
-              <a:rPr b="1" lang="en-US" sz="2200">
+              <a:rPr b="1" lang="en-CA" sz="2200">
                 <a:solidFill>
                   <a:srgbClr val="000000"/>
                 </a:solidFill>
@@ -3871,7 +3538,7 @@
               <a:t>                </a:t>
             </a:r>
             <a:r>
-              <a:rPr b="1" lang="en-US" sz="2200">
+              <a:rPr b="1" lang="en-CA" sz="2200">
                 <a:solidFill>
                   <a:srgbClr val="000000"/>
                 </a:solidFill>
@@ -3888,7 +3555,7 @@
               </a:lnSpc>
             </a:pPr>
             <a:r>
-              <a:rPr b="1" lang="en-US" sz="2200">
+              <a:rPr b="1" lang="en-CA" sz="2200">
                 <a:solidFill>
                   <a:srgbClr val="000000"/>
                 </a:solidFill>
@@ -3897,7 +3564,7 @@
               <a:t>                </a:t>
             </a:r>
             <a:r>
-              <a:rPr b="1" lang="en-US" sz="2200">
+              <a:rPr b="1" lang="en-CA" sz="2200">
                 <a:solidFill>
                   <a:srgbClr val="000000"/>
                 </a:solidFill>
@@ -3914,7 +3581,7 @@
               </a:lnSpc>
             </a:pPr>
             <a:r>
-              <a:rPr b="1" lang="en-US" sz="2200">
+              <a:rPr b="1" lang="en-CA" sz="2200">
                 <a:solidFill>
                   <a:srgbClr val="000000"/>
                 </a:solidFill>
@@ -3923,7 +3590,7 @@
               <a:t>            </a:t>
             </a:r>
             <a:r>
-              <a:rPr b="1" lang="en-US" sz="2200">
+              <a:rPr b="1" lang="en-CA" sz="2200">
                 <a:solidFill>
                   <a:srgbClr val="000000"/>
                 </a:solidFill>
@@ -3940,7 +3607,7 @@
               </a:lnSpc>
             </a:pPr>
             <a:r>
-              <a:rPr b="1" lang="en-US" sz="2200">
+              <a:rPr b="1" lang="en-CA" sz="2200">
                 <a:solidFill>
                   <a:srgbClr val="000000"/>
                 </a:solidFill>
@@ -3949,7 +3616,7 @@
               <a:t>        </a:t>
             </a:r>
             <a:r>
-              <a:rPr b="1" lang="en-US" sz="2200">
+              <a:rPr b="1" lang="en-CA" sz="2200">
                 <a:solidFill>
                   <a:srgbClr val="000000"/>
                 </a:solidFill>
@@ -3966,7 +3633,7 @@
               </a:lnSpc>
             </a:pPr>
             <a:r>
-              <a:rPr b="1" lang="en-US" sz="2200">
+              <a:rPr b="1" lang="en-CA" sz="2200">
                 <a:solidFill>
                   <a:srgbClr val="000000"/>
                 </a:solidFill>
@@ -3975,7 +3642,7 @@
               <a:t>    </a:t>
             </a:r>
             <a:r>
-              <a:rPr b="1" lang="en-US" sz="2200">
+              <a:rPr b="1" lang="en-CA" sz="2200">
                 <a:solidFill>
                   <a:srgbClr val="000000"/>
                 </a:solidFill>
@@ -3992,7 +3659,7 @@
               </a:lnSpc>
             </a:pPr>
             <a:r>
-              <a:rPr b="1" lang="en-US" sz="2200">
+              <a:rPr b="1" lang="en-CA" sz="2200">
                 <a:solidFill>
                   <a:srgbClr val="000000"/>
                 </a:solidFill>
@@ -4028,28 +3695,28 @@
       </p:grpSpPr>
       <p:sp>
         <p:nvSpPr>
-          <p:cNvPr id="123" name="TextShape 1"/>
-          <p:cNvSpPr txBox="1"/>
+          <p:cNvPr id="118" name="CustomShape 1"/>
+          <p:cNvSpPr/>
           <p:nvPr/>
         </p:nvSpPr>
         <p:spPr>
           <a:xfrm>
             <a:off x="6553080" y="6356520"/>
-            <a:ext cx="2133360" cy="364680"/>
-          </a:xfrm>
-          <a:prstGeom prst="rect">
-            <a:avLst/>
-          </a:prstGeom>
-        </p:spPr>
-        <p:txBody>
-          <a:bodyPr anchor="ctr"/>
+            <a:ext cx="2133000" cy="364320"/>
+          </a:xfrm>
+          <a:prstGeom prst="rect">
+            <a:avLst/>
+          </a:prstGeom>
+        </p:spPr>
+        <p:txBody>
+          <a:bodyPr anchor="ctr" bIns="45000" lIns="90000" rIns="90000" tIns="45000"/>
           <a:p>
             <a:pPr algn="r">
               <a:lnSpc>
                 <a:spcPct val="100000"/>
               </a:lnSpc>
             </a:pPr>
-            <a:fld id="{5CA71C4A-C3EC-4464-BE8B-1D80578370D8}" type="slidenum">
+            <a:fld id="{3BB22165-09A5-4304-951E-235CA84AAD5D}" type="slidenum">
               <a:rPr lang="en-CA" sz="1200">
                 <a:solidFill>
                   <a:srgbClr val="8b8b8b"/>
@@ -4064,13 +3731,13 @@
       </p:sp>
       <p:graphicFrame>
         <p:nvGraphicFramePr>
-          <p:cNvPr id="124" name="Table 2"/>
+          <p:cNvPr id="119" name="Table 2"/>
           <p:cNvGraphicFramePr/>
           <p:nvPr/>
         </p:nvGraphicFramePr>
         <p:xfrm>
           <a:off x="380880" y="76320"/>
-          <a:ext cx="3123720" cy="6674760"/>
+          <a:ext cx="3123360" cy="6674400"/>
         </p:xfrm>
         <a:graphic>
           <a:graphicData uri="http://schemas.openxmlformats.org/drawingml/2006/table">
@@ -4078,12 +3745,12 @@
               <a:tblPr/>
               <a:tblGrid>
                 <a:gridCol w="1447560"/>
-                <a:gridCol w="1676160"/>
+                <a:gridCol w="1675800"/>
               </a:tblGrid>
               <a:tr h="622440">
                 <a:tc>
                   <a:txBody>
-                    <a:bodyPr anchor="ctr" wrap="none"/>
+                    <a:bodyPr wrap="none"/>
                     <a:p>
                       <a:pPr algn="ctr">
                         <a:lnSpc>
@@ -4106,7 +3773,7 @@
                 </a:tc>
                 <a:tc>
                   <a:txBody>
-                    <a:bodyPr anchor="ctr" wrap="none"/>
+                    <a:bodyPr wrap="none"/>
                     <a:p>
                       <a:pPr algn="ctr">
                         <a:lnSpc>
@@ -4950,14 +4617,14 @@
       </p:graphicFrame>
       <p:sp>
         <p:nvSpPr>
-          <p:cNvPr id="125" name="CustomShape 3"/>
+          <p:cNvPr id="120" name="CustomShape 3"/>
           <p:cNvSpPr/>
           <p:nvPr/>
         </p:nvSpPr>
         <p:spPr>
           <a:xfrm>
             <a:off x="3581280" y="5726520"/>
-            <a:ext cx="837720" cy="638280"/>
+            <a:ext cx="837360" cy="637920"/>
           </a:xfrm>
           <a:prstGeom prst="rect">
             <a:avLst/>
@@ -4995,14 +4662,14 @@
       </p:sp>
       <p:sp>
         <p:nvSpPr>
-          <p:cNvPr id="126" name="CustomShape 4"/>
+          <p:cNvPr id="121" name="CustomShape 4"/>
           <p:cNvSpPr/>
           <p:nvPr/>
         </p:nvSpPr>
         <p:spPr>
           <a:xfrm>
             <a:off x="5105520" y="5726520"/>
-            <a:ext cx="914040" cy="638280"/>
+            <a:ext cx="913680" cy="637920"/>
           </a:xfrm>
           <a:prstGeom prst="rect">
             <a:avLst/>
@@ -5040,13 +4707,13 @@
       </p:sp>
       <p:graphicFrame>
         <p:nvGraphicFramePr>
-          <p:cNvPr id="127" name="Table 5"/>
+          <p:cNvPr id="122" name="Table 5"/>
           <p:cNvGraphicFramePr/>
           <p:nvPr/>
         </p:nvGraphicFramePr>
         <p:xfrm>
           <a:off x="5257800" y="304920"/>
-          <a:ext cx="3123720" cy="3606480"/>
+          <a:ext cx="3123360" cy="3606120"/>
         </p:xfrm>
         <a:graphic>
           <a:graphicData uri="http://schemas.openxmlformats.org/drawingml/2006/table">
@@ -5054,12 +4721,12 @@
               <a:tblPr/>
               <a:tblGrid>
                 <a:gridCol w="1447560"/>
-                <a:gridCol w="1676160"/>
+                <a:gridCol w="1675800"/>
               </a:tblGrid>
-              <a:tr h="914760">
+              <a:tr h="887760">
                 <a:tc>
                   <a:txBody>
-                    <a:bodyPr anchor="ctr" wrap="none"/>
+                    <a:bodyPr wrap="none"/>
                     <a:p>
                       <a:pPr algn="ctr">
                         <a:lnSpc>
@@ -5082,7 +4749,7 @@
                 </a:tc>
                 <a:tc>
                   <a:txBody>
-                    <a:bodyPr anchor="ctr" wrap="none"/>
+                    <a:bodyPr wrap="none"/>
                     <a:p>
                       <a:pPr algn="ctr">
                         <a:lnSpc>
@@ -5104,7 +4771,7 @@
                   <a:tcPr/>
                 </a:tc>
               </a:tr>
-              <a:tr h="366120">
+              <a:tr h="357120">
                 <a:tc>
                   <a:txBody>
                     <a:bodyPr wrap="none"/>
@@ -5152,7 +4819,7 @@
                   <a:tcPr/>
                 </a:tc>
               </a:tr>
-              <a:tr h="366120">
+              <a:tr h="357120">
                 <a:tc>
                   <a:txBody>
                     <a:bodyPr wrap="none"/>
@@ -5200,7 +4867,7 @@
                   <a:tcPr/>
                 </a:tc>
               </a:tr>
-              <a:tr h="366120">
+              <a:tr h="357120">
                 <a:tc>
                   <a:txBody>
                     <a:bodyPr wrap="none"/>
@@ -5248,7 +4915,7 @@
                   <a:tcPr/>
                 </a:tc>
               </a:tr>
-              <a:tr h="366120">
+              <a:tr h="357120">
                 <a:tc>
                   <a:txBody>
                     <a:bodyPr wrap="none"/>
@@ -5296,7 +4963,7 @@
                   <a:tcPr/>
                 </a:tc>
               </a:tr>
-              <a:tr h="366120">
+              <a:tr h="357120">
                 <a:tc>
                   <a:txBody>
                     <a:bodyPr wrap="none"/>
@@ -5344,7 +5011,7 @@
                   <a:tcPr/>
                 </a:tc>
               </a:tr>
-              <a:tr h="366120">
+              <a:tr h="357120">
                 <a:tc>
                   <a:txBody>
                     <a:bodyPr wrap="none"/>
@@ -5401,7 +5068,7 @@
                   <a:tcPr/>
                 </a:tc>
               </a:tr>
-              <a:tr h="366120">
+              <a:tr h="357120">
                 <a:tc>
                   <a:txBody>
                     <a:bodyPr wrap="none"/>
@@ -5458,7 +5125,7 @@
                   <a:tcPr/>
                 </a:tc>
               </a:tr>
-              <a:tr h="366120">
+              <a:tr h="357120">
                 <a:tc>
                   <a:txBody>
                     <a:bodyPr wrap="none"/>
@@ -5521,14 +5188,14 @@
       </p:graphicFrame>
       <p:sp>
         <p:nvSpPr>
-          <p:cNvPr id="128" name="CustomShape 6"/>
+          <p:cNvPr id="123" name="CustomShape 6"/>
           <p:cNvSpPr/>
           <p:nvPr/>
         </p:nvSpPr>
         <p:spPr>
           <a:xfrm>
             <a:off x="5638680" y="3962520"/>
-            <a:ext cx="837720" cy="638280"/>
+            <a:ext cx="837360" cy="637920"/>
           </a:xfrm>
           <a:prstGeom prst="rect">
             <a:avLst/>
@@ -5566,14 +5233,14 @@
       </p:sp>
       <p:sp>
         <p:nvSpPr>
-          <p:cNvPr id="129" name="CustomShape 7"/>
+          <p:cNvPr id="124" name="CustomShape 7"/>
           <p:cNvSpPr/>
           <p:nvPr/>
         </p:nvSpPr>
         <p:spPr>
           <a:xfrm>
             <a:off x="7162920" y="3962520"/>
-            <a:ext cx="914040" cy="638280"/>
+            <a:ext cx="913680" cy="637920"/>
           </a:xfrm>
           <a:prstGeom prst="rect">
             <a:avLst/>
@@ -5611,14 +5278,14 @@
       </p:sp>
       <p:sp>
         <p:nvSpPr>
-          <p:cNvPr id="130" name="CustomShape 8"/>
+          <p:cNvPr id="125" name="CustomShape 8"/>
           <p:cNvSpPr/>
           <p:nvPr/>
         </p:nvSpPr>
         <p:spPr>
           <a:xfrm>
             <a:off x="4157280" y="4687560"/>
-            <a:ext cx="4044240" cy="639000"/>
+            <a:ext cx="4043880" cy="638640"/>
           </a:xfrm>
           <a:prstGeom prst="rect">
             <a:avLst/>
@@ -5682,14 +5349,14 @@
       </p:sp>
       <p:sp>
         <p:nvSpPr>
-          <p:cNvPr id="131" name="CustomShape 9"/>
+          <p:cNvPr id="126" name="CustomShape 9"/>
           <p:cNvSpPr/>
           <p:nvPr/>
         </p:nvSpPr>
         <p:spPr>
           <a:xfrm>
             <a:off x="3657600" y="4687560"/>
-            <a:ext cx="5043960" cy="645840"/>
+            <a:ext cx="5043600" cy="645480"/>
           </a:xfrm>
           <a:prstGeom prst="rect">
             <a:avLst/>
@@ -5746,21 +5413,21 @@
       </p:grpSpPr>
       <p:sp>
         <p:nvSpPr>
-          <p:cNvPr id="132" name="TextShape 1"/>
-          <p:cNvSpPr txBox="1"/>
+          <p:cNvPr id="127" name="CustomShape 1"/>
+          <p:cNvSpPr/>
           <p:nvPr/>
         </p:nvSpPr>
         <p:spPr>
           <a:xfrm>
             <a:off x="457200" y="274680"/>
-            <a:ext cx="8229240" cy="1142640"/>
-          </a:xfrm>
-          <a:prstGeom prst="rect">
-            <a:avLst/>
-          </a:prstGeom>
-        </p:spPr>
-        <p:txBody>
-          <a:bodyPr anchor="ctr"/>
+            <a:ext cx="8228880" cy="1142280"/>
+          </a:xfrm>
+          <a:prstGeom prst="rect">
+            <a:avLst/>
+          </a:prstGeom>
+        </p:spPr>
+        <p:txBody>
+          <a:bodyPr anchor="ctr" bIns="45000" lIns="90000" rIns="90000" tIns="45000"/>
           <a:p>
             <a:pPr algn="ctr">
               <a:lnSpc>
@@ -5768,7 +5435,7 @@
               </a:lnSpc>
             </a:pPr>
             <a:r>
-              <a:rPr lang="en-US" sz="4400">
+              <a:rPr lang="en-CA" sz="4400">
                 <a:solidFill>
                   <a:srgbClr val="000000"/>
                 </a:solidFill>
@@ -5782,21 +5449,21 @@
       </p:sp>
       <p:sp>
         <p:nvSpPr>
-          <p:cNvPr id="133" name="TextShape 2"/>
-          <p:cNvSpPr txBox="1"/>
+          <p:cNvPr id="128" name="CustomShape 2"/>
+          <p:cNvSpPr/>
           <p:nvPr/>
         </p:nvSpPr>
         <p:spPr>
           <a:xfrm>
             <a:off x="457200" y="1600200"/>
-            <a:ext cx="8229240" cy="4525560"/>
-          </a:xfrm>
-          <a:prstGeom prst="rect">
-            <a:avLst/>
-          </a:prstGeom>
-        </p:spPr>
-        <p:txBody>
-          <a:bodyPr/>
+            <a:ext cx="8228880" cy="4525200"/>
+          </a:xfrm>
+          <a:prstGeom prst="rect">
+            <a:avLst/>
+          </a:prstGeom>
+        </p:spPr>
+        <p:txBody>
+          <a:bodyPr bIns="45000" lIns="90000" rIns="90000" tIns="45000"/>
           <a:p>
             <a:pPr>
               <a:lnSpc>
@@ -5822,7 +5489,7 @@
               <a:buChar char="•"/>
             </a:pPr>
             <a:r>
-              <a:rPr i="1" lang="en-US" sz="3200">
+              <a:rPr i="1" lang="en-CA" sz="3200">
                 <a:solidFill>
                   <a:srgbClr val="000000"/>
                 </a:solidFill>
@@ -5831,7 +5498,7 @@
               <a:t>E</a:t>
             </a:r>
             <a:r>
-              <a:rPr lang="en-US" sz="3200">
+              <a:rPr lang="en-CA" sz="3200">
                 <a:solidFill>
                   <a:srgbClr val="000000"/>
                 </a:solidFill>
@@ -5840,7 +5507,7 @@
               <a:t> = 376 </a:t>
             </a:r>
             <a:r>
-              <a:rPr lang="en-US" sz="3200">
+              <a:rPr lang="en-CA" sz="3200">
                 <a:solidFill>
                   <a:srgbClr val="000000"/>
                 </a:solidFill>
@@ -5849,7 +5516,7 @@
               <a:t></a:t>
             </a:r>
             <a:r>
-              <a:rPr lang="en-US" sz="3200">
+              <a:rPr lang="en-CA" sz="3200">
                 <a:solidFill>
                   <a:srgbClr val="000000"/>
                 </a:solidFill>
@@ -5868,7 +5535,7 @@
               <a:buChar char="•"/>
             </a:pPr>
             <a:r>
-              <a:rPr i="1" lang="en-US" sz="3200">
+              <a:rPr i="1" lang="en-CA" sz="3200">
                 <a:solidFill>
                   <a:srgbClr val="000000"/>
                 </a:solidFill>
@@ -5877,7 +5544,7 @@
               <a:t>T</a:t>
             </a:r>
             <a:r>
-              <a:rPr lang="en-US" sz="3200">
+              <a:rPr lang="en-CA" sz="3200">
                 <a:solidFill>
                   <a:srgbClr val="000000"/>
                 </a:solidFill>
@@ -5896,7 +5563,7 @@
               <a:buChar char="•"/>
             </a:pPr>
             <a:r>
-              <a:rPr i="1" lang="en-US" sz="3200">
+              <a:rPr i="1" lang="en-CA" sz="3200">
                 <a:solidFill>
                   <a:srgbClr val="000000"/>
                 </a:solidFill>
@@ -5905,7 +5572,7 @@
               <a:t>B</a:t>
             </a:r>
             <a:r>
-              <a:rPr lang="en-US" sz="3200">
+              <a:rPr lang="en-CA" sz="3200">
                 <a:solidFill>
                   <a:srgbClr val="000000"/>
                 </a:solidFill>
@@ -5919,21 +5586,21 @@
       </p:sp>
       <p:sp>
         <p:nvSpPr>
-          <p:cNvPr id="134" name="TextShape 3"/>
-          <p:cNvSpPr txBox="1"/>
+          <p:cNvPr id="129" name="CustomShape 3"/>
+          <p:cNvSpPr/>
           <p:nvPr/>
         </p:nvSpPr>
         <p:spPr>
           <a:xfrm>
             <a:off x="457200" y="1600200"/>
-            <a:ext cx="8229240" cy="4525560"/>
-          </a:xfrm>
-          <a:prstGeom prst="rect">
-            <a:avLst/>
-          </a:prstGeom>
-        </p:spPr>
-        <p:txBody>
-          <a:bodyPr/>
+            <a:ext cx="8228880" cy="4525200"/>
+          </a:xfrm>
+          <a:prstGeom prst="rect">
+            <a:avLst/>
+          </a:prstGeom>
+        </p:spPr>
+        <p:txBody>
+          <a:bodyPr bIns="45000" lIns="90000" rIns="90000" tIns="45000"/>
           <a:p>
             <a:pPr>
               <a:lnSpc>
@@ -5943,7 +5610,7 @@
               <a:buChar char="•"/>
             </a:pPr>
             <a:r>
-              <a:rPr lang="en-US" sz="3200">
+              <a:rPr lang="en-CA" sz="3200">
                 <a:solidFill>
                   <a:srgbClr val="000000"/>
                 </a:solidFill>
@@ -5957,28 +5624,28 @@
       </p:sp>
       <p:sp>
         <p:nvSpPr>
-          <p:cNvPr id="135" name="TextShape 4"/>
-          <p:cNvSpPr txBox="1"/>
+          <p:cNvPr id="130" name="CustomShape 4"/>
+          <p:cNvSpPr/>
           <p:nvPr/>
         </p:nvSpPr>
         <p:spPr>
           <a:xfrm>
             <a:off x="6553080" y="6356520"/>
-            <a:ext cx="2133360" cy="364680"/>
-          </a:xfrm>
-          <a:prstGeom prst="rect">
-            <a:avLst/>
-          </a:prstGeom>
-        </p:spPr>
-        <p:txBody>
-          <a:bodyPr anchor="ctr"/>
+            <a:ext cx="2133000" cy="364320"/>
+          </a:xfrm>
+          <a:prstGeom prst="rect">
+            <a:avLst/>
+          </a:prstGeom>
+        </p:spPr>
+        <p:txBody>
+          <a:bodyPr anchor="ctr" bIns="45000" lIns="90000" rIns="90000" tIns="45000"/>
           <a:p>
             <a:pPr algn="r">
               <a:lnSpc>
                 <a:spcPct val="100000"/>
               </a:lnSpc>
             </a:pPr>
-            <a:fld id="{7AA6371C-52E1-4105-8F74-C653390F7681}" type="slidenum">
+            <a:fld id="{438A0587-6F03-4018-AE1E-B903135A2ACD}" type="slidenum">
               <a:rPr lang="en-CA" sz="1200">
                 <a:solidFill>
                   <a:srgbClr val="8b8b8b"/>
@@ -6015,21 +5682,21 @@
       </p:grpSpPr>
       <p:sp>
         <p:nvSpPr>
-          <p:cNvPr id="136" name="TextShape 1"/>
-          <p:cNvSpPr txBox="1"/>
+          <p:cNvPr id="131" name="CustomShape 1"/>
+          <p:cNvSpPr/>
           <p:nvPr/>
         </p:nvSpPr>
         <p:spPr>
           <a:xfrm>
             <a:off x="457200" y="274680"/>
-            <a:ext cx="8229240" cy="1142640"/>
-          </a:xfrm>
-          <a:prstGeom prst="rect">
-            <a:avLst/>
-          </a:prstGeom>
-        </p:spPr>
-        <p:txBody>
-          <a:bodyPr anchor="ctr"/>
+            <a:ext cx="8228880" cy="1142280"/>
+          </a:xfrm>
+          <a:prstGeom prst="rect">
+            <a:avLst/>
+          </a:prstGeom>
+        </p:spPr>
+        <p:txBody>
+          <a:bodyPr anchor="ctr" bIns="45000" lIns="90000" rIns="90000" tIns="45000"/>
           <a:p>
             <a:pPr algn="ctr">
               <a:lnSpc>
@@ -6037,7 +5704,7 @@
               </a:lnSpc>
             </a:pPr>
             <a:r>
-              <a:rPr lang="en-US" sz="4400">
+              <a:rPr lang="en-CA" sz="4400">
                 <a:solidFill>
                   <a:srgbClr val="000000"/>
                 </a:solidFill>
@@ -6051,21 +5718,21 @@
       </p:sp>
       <p:sp>
         <p:nvSpPr>
-          <p:cNvPr id="137" name="TextShape 2"/>
-          <p:cNvSpPr txBox="1"/>
+          <p:cNvPr id="132" name="CustomShape 2"/>
+          <p:cNvSpPr/>
           <p:nvPr/>
         </p:nvSpPr>
         <p:spPr>
           <a:xfrm>
             <a:off x="304920" y="1600200"/>
-            <a:ext cx="8534160" cy="4525560"/>
-          </a:xfrm>
-          <a:prstGeom prst="rect">
-            <a:avLst/>
-          </a:prstGeom>
-        </p:spPr>
-        <p:txBody>
-          <a:bodyPr/>
+            <a:ext cx="8533800" cy="4525200"/>
+          </a:xfrm>
+          <a:prstGeom prst="rect">
+            <a:avLst/>
+          </a:prstGeom>
+        </p:spPr>
+        <p:txBody>
+          <a:bodyPr bIns="45000" lIns="90000" rIns="90000" tIns="45000"/>
           <a:p>
             <a:pPr>
               <a:lnSpc>
@@ -6075,7 +5742,7 @@
               <a:buChar char="•"/>
             </a:pPr>
             <a:r>
-              <a:rPr lang="en-US" sz="3200">
+              <a:rPr lang="en-CA" sz="3200">
                 <a:solidFill>
                   <a:srgbClr val="000000"/>
                 </a:solidFill>
@@ -6084,7 +5751,7 @@
               <a:t>The program should be completed or near completed to determine </a:t>
             </a:r>
             <a:r>
-              <a:rPr b="1" i="1" lang="en-US" sz="3200">
+              <a:rPr b="1" i="1" lang="en-CA" sz="3200">
                 <a:solidFill>
                   <a:srgbClr val="000000"/>
                 </a:solidFill>
@@ -6093,7 +5760,7 @@
               <a:t>N1</a:t>
             </a:r>
             <a:r>
-              <a:rPr lang="en-US" sz="3200">
+              <a:rPr lang="en-CA" sz="3200">
                 <a:solidFill>
                   <a:srgbClr val="000000"/>
                 </a:solidFill>
@@ -6102,7 +5769,7 @@
               <a:t> and </a:t>
             </a:r>
             <a:r>
-              <a:rPr b="1" i="1" lang="en-US" sz="3200">
+              <a:rPr b="1" i="1" lang="en-CA" sz="3200">
                 <a:solidFill>
                   <a:srgbClr val="000000"/>
                 </a:solidFill>
@@ -6121,7 +5788,7 @@
               <a:buChar char="•"/>
             </a:pPr>
             <a:r>
-              <a:rPr lang="en-US" sz="3200">
+              <a:rPr lang="en-CA" sz="3200">
                 <a:solidFill>
                   <a:srgbClr val="000000"/>
                 </a:solidFill>
@@ -6140,7 +5807,7 @@
               <a:buChar char="•"/>
             </a:pPr>
             <a:r>
-              <a:rPr lang="en-US" sz="3200">
+              <a:rPr lang="en-CA" sz="3200">
                 <a:solidFill>
                   <a:srgbClr val="000000"/>
                 </a:solidFill>
@@ -6148,18 +5815,18 @@
               </a:rPr>
               <a:t>It makes use of arbitrary constants </a:t>
             </a:r>
-            <a:r>
-              <a:rPr lang="en-US" sz="3200">
-                <a:solidFill>
-                  <a:srgbClr val="000000"/>
-                </a:solidFill>
-                <a:latin typeface="Calibri"/>
-              </a:rPr>
-              <a:t>
-</a:t>
-            </a:r>
-            <a:r>
-              <a:rPr lang="en-US" sz="3200">
+            <a:endParaRPr/>
+          </a:p>
+          <a:p>
+            <a:pPr>
+              <a:lnSpc>
+                <a:spcPct val="100000"/>
+              </a:lnSpc>
+              <a:buFont typeface="Arial"/>
+              <a:buChar char="•"/>
+            </a:pPr>
+            <a:r>
+              <a:rPr lang="en-CA" sz="3200">
                 <a:solidFill>
                   <a:srgbClr val="000000"/>
                 </a:solidFill>
@@ -6173,28 +5840,28 @@
       </p:sp>
       <p:sp>
         <p:nvSpPr>
-          <p:cNvPr id="138" name="TextShape 3"/>
-          <p:cNvSpPr txBox="1"/>
+          <p:cNvPr id="133" name="CustomShape 3"/>
+          <p:cNvSpPr/>
           <p:nvPr/>
         </p:nvSpPr>
         <p:spPr>
           <a:xfrm>
             <a:off x="6553080" y="6356520"/>
-            <a:ext cx="2133360" cy="364680"/>
-          </a:xfrm>
-          <a:prstGeom prst="rect">
-            <a:avLst/>
-          </a:prstGeom>
-        </p:spPr>
-        <p:txBody>
-          <a:bodyPr anchor="ctr"/>
+            <a:ext cx="2133000" cy="364320"/>
+          </a:xfrm>
+          <a:prstGeom prst="rect">
+            <a:avLst/>
+          </a:prstGeom>
+        </p:spPr>
+        <p:txBody>
+          <a:bodyPr anchor="ctr" bIns="45000" lIns="90000" rIns="90000" tIns="45000"/>
           <a:p>
             <a:pPr algn="r">
               <a:lnSpc>
                 <a:spcPct val="100000"/>
               </a:lnSpc>
             </a:pPr>
-            <a:fld id="{89A39CA7-2FDE-4970-8D47-6A3820614A02}" type="slidenum">
+            <a:fld id="{F3F75CF3-8A5D-4494-A138-6DFA2DC3077D}" type="slidenum">
               <a:rPr lang="en-CA" sz="1200">
                 <a:solidFill>
                   <a:srgbClr val="8b8b8b"/>
@@ -6231,21 +5898,21 @@
       </p:grpSpPr>
       <p:sp>
         <p:nvSpPr>
-          <p:cNvPr id="139" name="TextShape 1"/>
-          <p:cNvSpPr txBox="1"/>
+          <p:cNvPr id="134" name="CustomShape 1"/>
+          <p:cNvSpPr/>
           <p:nvPr/>
         </p:nvSpPr>
         <p:spPr>
           <a:xfrm>
             <a:off x="457200" y="274680"/>
-            <a:ext cx="8229240" cy="1142640"/>
-          </a:xfrm>
-          <a:prstGeom prst="rect">
-            <a:avLst/>
-          </a:prstGeom>
-        </p:spPr>
-        <p:txBody>
-          <a:bodyPr anchor="ctr"/>
+            <a:ext cx="8228880" cy="1142280"/>
+          </a:xfrm>
+          <a:prstGeom prst="rect">
+            <a:avLst/>
+          </a:prstGeom>
+        </p:spPr>
+        <p:txBody>
+          <a:bodyPr anchor="ctr" bIns="45000" lIns="90000" rIns="90000" tIns="45000"/>
           <a:p>
             <a:pPr algn="ctr">
               <a:lnSpc>
@@ -6253,7 +5920,7 @@
               </a:lnSpc>
             </a:pPr>
             <a:r>
-              <a:rPr lang="en-US" sz="4400">
+              <a:rPr lang="en-CA" sz="4400">
                 <a:solidFill>
                   <a:srgbClr val="000000"/>
                 </a:solidFill>
@@ -6267,21 +5934,21 @@
       </p:sp>
       <p:sp>
         <p:nvSpPr>
-          <p:cNvPr id="140" name="TextShape 2"/>
-          <p:cNvSpPr txBox="1"/>
+          <p:cNvPr id="135" name="CustomShape 2"/>
+          <p:cNvSpPr/>
           <p:nvPr/>
         </p:nvSpPr>
         <p:spPr>
           <a:xfrm>
             <a:off x="380880" y="1600200"/>
-            <a:ext cx="8381520" cy="4525560"/>
-          </a:xfrm>
-          <a:prstGeom prst="rect">
-            <a:avLst/>
-          </a:prstGeom>
-        </p:spPr>
-        <p:txBody>
-          <a:bodyPr/>
+            <a:ext cx="8381160" cy="4525200"/>
+          </a:xfrm>
+          <a:prstGeom prst="rect">
+            <a:avLst/>
+          </a:prstGeom>
+        </p:spPr>
+        <p:txBody>
+          <a:bodyPr bIns="45000" lIns="90000" rIns="90000" tIns="45000"/>
           <a:p>
             <a:pPr>
               <a:lnSpc>
@@ -6291,7 +5958,7 @@
               <a:buChar char="•"/>
             </a:pPr>
             <a:r>
-              <a:rPr lang="en-US" sz="2000">
+              <a:rPr lang="en-CA" sz="2000">
                 <a:solidFill>
                   <a:srgbClr val="000000"/>
                 </a:solidFill>
@@ -6300,7 +5967,7 @@
               <a:t>Maurice H. Halstead, </a:t>
             </a:r>
             <a:r>
-              <a:rPr i="1" lang="en-US" sz="2000">
+              <a:rPr i="1" lang="en-CA" sz="2000">
                 <a:solidFill>
                   <a:srgbClr val="000000"/>
                 </a:solidFill>
@@ -6309,7 +5976,7 @@
               <a:t>Elements of Software Science (Operating and programming systems series)</a:t>
             </a:r>
             <a:r>
-              <a:rPr lang="en-US" sz="2000">
+              <a:rPr lang="en-CA" sz="2000">
                 <a:solidFill>
                   <a:srgbClr val="000000"/>
                 </a:solidFill>
@@ -6328,7 +5995,7 @@
               <a:buChar char="•"/>
             </a:pPr>
             <a:r>
-              <a:rPr lang="en-US" sz="2000">
+              <a:rPr lang="en-CA" sz="2000">
                 <a:solidFill>
                   <a:srgbClr val="000000"/>
                 </a:solidFill>
@@ -6342,28 +6009,28 @@
       </p:sp>
       <p:sp>
         <p:nvSpPr>
-          <p:cNvPr id="141" name="TextShape 3"/>
-          <p:cNvSpPr txBox="1"/>
+          <p:cNvPr id="136" name="CustomShape 3"/>
+          <p:cNvSpPr/>
           <p:nvPr/>
         </p:nvSpPr>
         <p:spPr>
           <a:xfrm>
             <a:off x="6553080" y="6356520"/>
-            <a:ext cx="2133360" cy="364680"/>
-          </a:xfrm>
-          <a:prstGeom prst="rect">
-            <a:avLst/>
-          </a:prstGeom>
-        </p:spPr>
-        <p:txBody>
-          <a:bodyPr anchor="ctr"/>
+            <a:ext cx="2133000" cy="364320"/>
+          </a:xfrm>
+          <a:prstGeom prst="rect">
+            <a:avLst/>
+          </a:prstGeom>
+        </p:spPr>
+        <p:txBody>
+          <a:bodyPr anchor="ctr" bIns="45000" lIns="90000" rIns="90000" tIns="45000"/>
           <a:p>
             <a:pPr algn="r">
               <a:lnSpc>
                 <a:spcPct val="100000"/>
               </a:lnSpc>
             </a:pPr>
-            <a:fld id="{0CF51E40-A244-48AB-8200-4F08531FFD85}" type="slidenum">
+            <a:fld id="{DBA62C12-BAB2-44B6-B144-C29CA73FDA4D}" type="slidenum">
               <a:rPr lang="en-CA" sz="1200">
                 <a:solidFill>
                   <a:srgbClr val="8b8b8b"/>
@@ -6400,21 +6067,21 @@
       </p:grpSpPr>
       <p:sp>
         <p:nvSpPr>
-          <p:cNvPr id="83" name="TextShape 1"/>
-          <p:cNvSpPr txBox="1"/>
+          <p:cNvPr id="78" name="CustomShape 1"/>
+          <p:cNvSpPr/>
           <p:nvPr/>
         </p:nvSpPr>
         <p:spPr>
           <a:xfrm>
             <a:off x="457200" y="274680"/>
-            <a:ext cx="8229240" cy="1142640"/>
-          </a:xfrm>
-          <a:prstGeom prst="rect">
-            <a:avLst/>
-          </a:prstGeom>
-        </p:spPr>
-        <p:txBody>
-          <a:bodyPr anchor="ctr"/>
+            <a:ext cx="8228880" cy="1142280"/>
+          </a:xfrm>
+          <a:prstGeom prst="rect">
+            <a:avLst/>
+          </a:prstGeom>
+        </p:spPr>
+        <p:txBody>
+          <a:bodyPr anchor="ctr" bIns="45000" lIns="90000" rIns="90000" tIns="45000"/>
           <a:p>
             <a:pPr algn="ctr">
               <a:lnSpc>
@@ -6422,7 +6089,7 @@
               </a:lnSpc>
             </a:pPr>
             <a:r>
-              <a:rPr lang="en-US" sz="4400">
+              <a:rPr lang="en-CA" sz="4400">
                 <a:solidFill>
                   <a:srgbClr val="000000"/>
                 </a:solidFill>
@@ -6436,21 +6103,21 @@
       </p:sp>
       <p:sp>
         <p:nvSpPr>
-          <p:cNvPr id="84" name="TextShape 2"/>
-          <p:cNvSpPr txBox="1"/>
+          <p:cNvPr id="79" name="CustomShape 2"/>
+          <p:cNvSpPr/>
           <p:nvPr/>
         </p:nvSpPr>
         <p:spPr>
           <a:xfrm>
             <a:off x="380880" y="1600200"/>
-            <a:ext cx="8381520" cy="4525560"/>
-          </a:xfrm>
-          <a:prstGeom prst="rect">
-            <a:avLst/>
-          </a:prstGeom>
-        </p:spPr>
-        <p:txBody>
-          <a:bodyPr/>
+            <a:ext cx="8381160" cy="4525200"/>
+          </a:xfrm>
+          <a:prstGeom prst="rect">
+            <a:avLst/>
+          </a:prstGeom>
+        </p:spPr>
+        <p:txBody>
+          <a:bodyPr bIns="45000" lIns="90000" rIns="90000" tIns="45000"/>
           <a:p>
             <a:pPr>
               <a:lnSpc>
@@ -6460,7 +6127,7 @@
               <a:buChar char="•"/>
             </a:pPr>
             <a:r>
-              <a:rPr lang="en-US" sz="3200">
+              <a:rPr lang="en-CA" sz="3200">
                 <a:solidFill>
                   <a:srgbClr val="000000"/>
                 </a:solidFill>
@@ -6469,7 +6136,7 @@
               <a:t>It was proposed by </a:t>
             </a:r>
             <a:r>
-              <a:rPr b="1" lang="en-US" sz="3200">
+              <a:rPr b="1" lang="en-CA" sz="3200">
                 <a:solidFill>
                   <a:srgbClr val="000000"/>
                 </a:solidFill>
@@ -6478,7 +6145,7 @@
               <a:t>Maurice Howard Halstead</a:t>
             </a:r>
             <a:r>
-              <a:rPr lang="en-US" sz="3200">
+              <a:rPr lang="en-CA" sz="3200">
                 <a:solidFill>
                   <a:srgbClr val="000000"/>
                 </a:solidFill>
@@ -6497,7 +6164,7 @@
               <a:buChar char="•"/>
             </a:pPr>
             <a:r>
-              <a:rPr lang="en-US" sz="3200">
+              <a:rPr lang="en-CA" sz="3200">
                 <a:solidFill>
                   <a:srgbClr val="000000"/>
                 </a:solidFill>
@@ -6506,7 +6173,7 @@
               <a:t>Its computation is based on the </a:t>
             </a:r>
             <a:r>
-              <a:rPr b="1" lang="en-US" sz="3200">
+              <a:rPr b="1" lang="en-CA" sz="3200">
                 <a:solidFill>
                   <a:srgbClr val="000000"/>
                 </a:solidFill>
@@ -6515,7 +6182,7 @@
               <a:t>operators</a:t>
             </a:r>
             <a:r>
-              <a:rPr lang="en-US" sz="3200">
+              <a:rPr lang="en-CA" sz="3200">
                 <a:solidFill>
                   <a:srgbClr val="000000"/>
                 </a:solidFill>
@@ -6524,7 +6191,7 @@
               <a:t> (keywords, arithmetic symbols) and </a:t>
             </a:r>
             <a:r>
-              <a:rPr b="1" lang="en-US" sz="3200">
+              <a:rPr b="1" lang="en-CA" sz="3200">
                 <a:solidFill>
                   <a:srgbClr val="000000"/>
                 </a:solidFill>
@@ -6533,7 +6200,7 @@
               <a:t>operands</a:t>
             </a:r>
             <a:r>
-              <a:rPr lang="en-US" sz="3200">
+              <a:rPr lang="en-CA" sz="3200">
                 <a:solidFill>
                   <a:srgbClr val="000000"/>
                 </a:solidFill>
@@ -6547,28 +6214,28 @@
       </p:sp>
       <p:sp>
         <p:nvSpPr>
-          <p:cNvPr id="85" name="TextShape 3"/>
-          <p:cNvSpPr txBox="1"/>
+          <p:cNvPr id="80" name="CustomShape 3"/>
+          <p:cNvSpPr/>
           <p:nvPr/>
         </p:nvSpPr>
         <p:spPr>
           <a:xfrm>
             <a:off x="6553080" y="6356520"/>
-            <a:ext cx="2133360" cy="364680"/>
-          </a:xfrm>
-          <a:prstGeom prst="rect">
-            <a:avLst/>
-          </a:prstGeom>
-        </p:spPr>
-        <p:txBody>
-          <a:bodyPr anchor="ctr"/>
+            <a:ext cx="2133000" cy="364320"/>
+          </a:xfrm>
+          <a:prstGeom prst="rect">
+            <a:avLst/>
+          </a:prstGeom>
+        </p:spPr>
+        <p:txBody>
+          <a:bodyPr anchor="ctr" bIns="45000" lIns="90000" rIns="90000" tIns="45000"/>
           <a:p>
             <a:pPr algn="r">
               <a:lnSpc>
                 <a:spcPct val="100000"/>
               </a:lnSpc>
             </a:pPr>
-            <a:fld id="{CB97F3A3-A9D8-40CA-847F-E2F8D9A2C336}" type="slidenum">
+            <a:fld id="{56D29D38-475F-401A-A8C9-129883DF92F5}" type="slidenum">
               <a:rPr lang="en-CA" sz="1200">
                 <a:solidFill>
                   <a:srgbClr val="8b8b8b"/>
@@ -6632,21 +6299,21 @@
       </p:grpSpPr>
       <p:sp>
         <p:nvSpPr>
-          <p:cNvPr id="86" name="TextShape 1"/>
-          <p:cNvSpPr txBox="1"/>
+          <p:cNvPr id="81" name="CustomShape 1"/>
+          <p:cNvSpPr/>
           <p:nvPr/>
         </p:nvSpPr>
         <p:spPr>
           <a:xfrm>
             <a:off x="457200" y="274680"/>
-            <a:ext cx="8229240" cy="1142640"/>
-          </a:xfrm>
-          <a:prstGeom prst="rect">
-            <a:avLst/>
-          </a:prstGeom>
-        </p:spPr>
-        <p:txBody>
-          <a:bodyPr anchor="ctr"/>
+            <a:ext cx="8228880" cy="1142280"/>
+          </a:xfrm>
+          <a:prstGeom prst="rect">
+            <a:avLst/>
+          </a:prstGeom>
+        </p:spPr>
+        <p:txBody>
+          <a:bodyPr anchor="ctr" bIns="45000" lIns="90000" rIns="90000" tIns="45000"/>
           <a:p>
             <a:pPr algn="ctr">
               <a:lnSpc>
@@ -6654,7 +6321,7 @@
               </a:lnSpc>
             </a:pPr>
             <a:r>
-              <a:rPr lang="en-US" sz="4400">
+              <a:rPr lang="en-CA" sz="4400">
                 <a:solidFill>
                   <a:srgbClr val="000000"/>
                 </a:solidFill>
@@ -6668,21 +6335,21 @@
       </p:sp>
       <p:sp>
         <p:nvSpPr>
-          <p:cNvPr id="87" name="TextShape 2"/>
-          <p:cNvSpPr txBox="1"/>
+          <p:cNvPr id="82" name="CustomShape 2"/>
+          <p:cNvSpPr/>
           <p:nvPr/>
         </p:nvSpPr>
         <p:spPr>
           <a:xfrm>
             <a:off x="457200" y="1600200"/>
-            <a:ext cx="8229240" cy="4525560"/>
-          </a:xfrm>
-          <a:prstGeom prst="rect">
-            <a:avLst/>
-          </a:prstGeom>
-        </p:spPr>
-        <p:txBody>
-          <a:bodyPr/>
+            <a:ext cx="8228880" cy="4525200"/>
+          </a:xfrm>
+          <a:prstGeom prst="rect">
+            <a:avLst/>
+          </a:prstGeom>
+        </p:spPr>
+        <p:txBody>
+          <a:bodyPr bIns="45000" lIns="90000" rIns="90000" tIns="45000"/>
           <a:p>
             <a:pPr>
               <a:lnSpc>
@@ -6692,7 +6359,7 @@
               <a:buChar char="•"/>
             </a:pPr>
             <a:r>
-              <a:rPr lang="en-US" sz="3200">
+              <a:rPr lang="en-CA" sz="3200">
                 <a:solidFill>
                   <a:srgbClr val="000000"/>
                 </a:solidFill>
@@ -6709,10 +6376,10 @@
               </a:lnSpc>
               <a:buSzPct val="25000"/>
               <a:buFont typeface="StarSymbol"/>
-              <a:buChar char=""/>
-            </a:pPr>
-            <a:r>
-              <a:rPr lang="en-US" sz="2800">
+              <a:buChar char=""/>
+            </a:pPr>
+            <a:r>
+              <a:rPr lang="en-CA" sz="2800">
                 <a:solidFill>
                   <a:srgbClr val="000000"/>
                 </a:solidFill>
@@ -6721,7 +6388,7 @@
               <a:t> </a:t>
             </a:r>
             <a:r>
-              <a:rPr b="1" i="1" lang="en-US" sz="2800">
+              <a:rPr b="1" i="1" lang="en-CA" sz="2800">
                 <a:solidFill>
                   <a:srgbClr val="000000"/>
                 </a:solidFill>
@@ -6730,7 +6397,7 @@
               <a:t>n1</a:t>
             </a:r>
             <a:r>
-              <a:rPr lang="en-US" sz="2800">
+              <a:rPr lang="en-CA" sz="2800">
                 <a:solidFill>
                   <a:srgbClr val="000000"/>
                 </a:solidFill>
@@ -6747,10 +6414,10 @@
               </a:lnSpc>
               <a:buSzPct val="25000"/>
               <a:buFont typeface="StarSymbol"/>
-              <a:buChar char=""/>
-            </a:pPr>
-            <a:r>
-              <a:rPr lang="en-US" sz="2800">
+              <a:buChar char=""/>
+            </a:pPr>
+            <a:r>
+              <a:rPr lang="en-CA" sz="2800">
                 <a:solidFill>
                   <a:srgbClr val="000000"/>
                 </a:solidFill>
@@ -6759,7 +6426,7 @@
               <a:t> </a:t>
             </a:r>
             <a:r>
-              <a:rPr b="1" i="1" lang="en-US" sz="2800">
+              <a:rPr b="1" i="1" lang="en-CA" sz="2800">
                 <a:solidFill>
                   <a:srgbClr val="000000"/>
                 </a:solidFill>
@@ -6768,7 +6435,7 @@
               <a:t>n2</a:t>
             </a:r>
             <a:r>
-              <a:rPr lang="en-US" sz="2800">
+              <a:rPr lang="en-CA" sz="2800">
                 <a:solidFill>
                   <a:srgbClr val="000000"/>
                 </a:solidFill>
@@ -6785,10 +6452,10 @@
               </a:lnSpc>
               <a:buSzPct val="25000"/>
               <a:buFont typeface="StarSymbol"/>
-              <a:buChar char=""/>
-            </a:pPr>
-            <a:r>
-              <a:rPr lang="en-US" sz="2800">
+              <a:buChar char=""/>
+            </a:pPr>
+            <a:r>
+              <a:rPr lang="en-CA" sz="2800">
                 <a:solidFill>
                   <a:srgbClr val="000000"/>
                 </a:solidFill>
@@ -6797,7 +6464,7 @@
               <a:t> </a:t>
             </a:r>
             <a:r>
-              <a:rPr b="1" i="1" lang="en-US" sz="2800">
+              <a:rPr b="1" i="1" lang="en-CA" sz="2800">
                 <a:solidFill>
                   <a:srgbClr val="000000"/>
                 </a:solidFill>
@@ -6806,7 +6473,7 @@
               <a:t>N1</a:t>
             </a:r>
             <a:r>
-              <a:rPr lang="en-US" sz="2800">
+              <a:rPr lang="en-CA" sz="2800">
                 <a:solidFill>
                   <a:srgbClr val="000000"/>
                 </a:solidFill>
@@ -6823,10 +6490,10 @@
               </a:lnSpc>
               <a:buSzPct val="25000"/>
               <a:buFont typeface="StarSymbol"/>
-              <a:buChar char=""/>
-            </a:pPr>
-            <a:r>
-              <a:rPr lang="en-US" sz="2800">
+              <a:buChar char=""/>
+            </a:pPr>
+            <a:r>
+              <a:rPr lang="en-CA" sz="2800">
                 <a:solidFill>
                   <a:srgbClr val="000000"/>
                 </a:solidFill>
@@ -6835,7 +6502,7 @@
               <a:t> </a:t>
             </a:r>
             <a:r>
-              <a:rPr b="1" i="1" lang="en-US" sz="2800">
+              <a:rPr b="1" i="1" lang="en-CA" sz="2800">
                 <a:solidFill>
                   <a:srgbClr val="000000"/>
                 </a:solidFill>
@@ -6844,7 +6511,7 @@
               <a:t>N2</a:t>
             </a:r>
             <a:r>
-              <a:rPr lang="en-US" sz="2800">
+              <a:rPr lang="en-CA" sz="2800">
                 <a:solidFill>
                   <a:srgbClr val="000000"/>
                 </a:solidFill>
@@ -6863,7 +6530,7 @@
               <a:buChar char="•"/>
             </a:pPr>
             <a:r>
-              <a:rPr lang="en-US" sz="3200">
+              <a:rPr lang="en-CA" sz="3200">
                 <a:solidFill>
                   <a:srgbClr val="000000"/>
                 </a:solidFill>
@@ -6882,7 +6549,7 @@
               <a:buChar char="•"/>
             </a:pPr>
             <a:r>
-              <a:rPr lang="en-US" sz="3200">
+              <a:rPr lang="en-CA" sz="3200">
                 <a:solidFill>
                   <a:srgbClr val="000000"/>
                 </a:solidFill>
@@ -6901,7 +6568,7 @@
               <a:buChar char="•"/>
             </a:pPr>
             <a:r>
-              <a:rPr lang="en-US" sz="3200">
+              <a:rPr lang="en-CA" sz="3200">
                 <a:solidFill>
                   <a:srgbClr val="000000"/>
                 </a:solidFill>
@@ -6915,21 +6582,21 @@
       </p:sp>
       <p:sp>
         <p:nvSpPr>
-          <p:cNvPr id="88" name="TextShape 3"/>
-          <p:cNvSpPr txBox="1"/>
+          <p:cNvPr id="83" name="CustomShape 3"/>
+          <p:cNvSpPr/>
           <p:nvPr/>
         </p:nvSpPr>
         <p:spPr>
           <a:xfrm>
             <a:off x="457200" y="1600200"/>
-            <a:ext cx="8229240" cy="4525560"/>
-          </a:xfrm>
-          <a:prstGeom prst="rect">
-            <a:avLst/>
-          </a:prstGeom>
-        </p:spPr>
-        <p:txBody>
-          <a:bodyPr/>
+            <a:ext cx="8228880" cy="4525200"/>
+          </a:xfrm>
+          <a:prstGeom prst="rect">
+            <a:avLst/>
+          </a:prstGeom>
+        </p:spPr>
+        <p:txBody>
+          <a:bodyPr bIns="45000" lIns="90000" rIns="90000" tIns="45000"/>
           <a:p>
             <a:pPr>
               <a:lnSpc>
@@ -6939,7 +6606,7 @@
               <a:buChar char="•"/>
             </a:pPr>
             <a:r>
-              <a:rPr lang="en-US" sz="3200">
+              <a:rPr lang="en-CA" sz="3200">
                 <a:solidFill>
                   <a:srgbClr val="000000"/>
                 </a:solidFill>
@@ -6953,28 +6620,28 @@
       </p:sp>
       <p:sp>
         <p:nvSpPr>
-          <p:cNvPr id="89" name="TextShape 4"/>
-          <p:cNvSpPr txBox="1"/>
+          <p:cNvPr id="84" name="CustomShape 4"/>
+          <p:cNvSpPr/>
           <p:nvPr/>
         </p:nvSpPr>
         <p:spPr>
           <a:xfrm>
             <a:off x="6553080" y="6356520"/>
-            <a:ext cx="2133360" cy="364680"/>
-          </a:xfrm>
-          <a:prstGeom prst="rect">
-            <a:avLst/>
-          </a:prstGeom>
-        </p:spPr>
-        <p:txBody>
-          <a:bodyPr anchor="ctr"/>
+            <a:ext cx="2133000" cy="364320"/>
+          </a:xfrm>
+          <a:prstGeom prst="rect">
+            <a:avLst/>
+          </a:prstGeom>
+        </p:spPr>
+        <p:txBody>
+          <a:bodyPr anchor="ctr" bIns="45000" lIns="90000" rIns="90000" tIns="45000"/>
           <a:p>
             <a:pPr algn="r">
               <a:lnSpc>
                 <a:spcPct val="100000"/>
               </a:lnSpc>
             </a:pPr>
-            <a:fld id="{C4BE919B-3146-4FB5-9D2B-89BACD887078}" type="slidenum">
+            <a:fld id="{3D5D2B75-44B4-4CE7-B6A8-2DE1240963F4}" type="slidenum">
               <a:rPr lang="en-CA" sz="1200">
                 <a:solidFill>
                   <a:srgbClr val="8b8b8b"/>
@@ -7011,21 +6678,21 @@
       </p:grpSpPr>
       <p:sp>
         <p:nvSpPr>
-          <p:cNvPr id="90" name="TextShape 1"/>
-          <p:cNvSpPr txBox="1"/>
+          <p:cNvPr id="85" name="CustomShape 1"/>
+          <p:cNvSpPr/>
           <p:nvPr/>
         </p:nvSpPr>
         <p:spPr>
           <a:xfrm>
             <a:off x="457200" y="274680"/>
-            <a:ext cx="8229240" cy="1142640"/>
-          </a:xfrm>
-          <a:prstGeom prst="rect">
-            <a:avLst/>
-          </a:prstGeom>
-        </p:spPr>
-        <p:txBody>
-          <a:bodyPr anchor="ctr"/>
+            <a:ext cx="8228880" cy="1142280"/>
+          </a:xfrm>
+          <a:prstGeom prst="rect">
+            <a:avLst/>
+          </a:prstGeom>
+        </p:spPr>
+        <p:txBody>
+          <a:bodyPr anchor="ctr" bIns="45000" lIns="90000" rIns="90000" tIns="45000"/>
           <a:p>
             <a:pPr algn="ctr">
               <a:lnSpc>
@@ -7033,7 +6700,7 @@
               </a:lnSpc>
             </a:pPr>
             <a:r>
-              <a:rPr lang="en-US" sz="4400">
+              <a:rPr lang="en-CA" sz="4400">
                 <a:solidFill>
                   <a:srgbClr val="000000"/>
                 </a:solidFill>
@@ -7047,21 +6714,21 @@
       </p:sp>
       <p:sp>
         <p:nvSpPr>
-          <p:cNvPr id="91" name="TextShape 2"/>
-          <p:cNvSpPr txBox="1"/>
+          <p:cNvPr id="86" name="CustomShape 2"/>
+          <p:cNvSpPr/>
           <p:nvPr/>
         </p:nvSpPr>
         <p:spPr>
           <a:xfrm>
             <a:off x="1828800" y="1600200"/>
-            <a:ext cx="5486040" cy="4525560"/>
-          </a:xfrm>
-          <a:prstGeom prst="rect">
-            <a:avLst/>
-          </a:prstGeom>
-        </p:spPr>
-        <p:txBody>
-          <a:bodyPr/>
+            <a:ext cx="5485680" cy="4525200"/>
+          </a:xfrm>
+          <a:prstGeom prst="rect">
+            <a:avLst/>
+          </a:prstGeom>
+        </p:spPr>
+        <p:txBody>
+          <a:bodyPr bIns="45000" lIns="90000" rIns="90000" tIns="45000"/>
           <a:p>
             <a:pPr>
               <a:lnSpc>
@@ -7069,7 +6736,7 @@
               </a:lnSpc>
             </a:pPr>
             <a:r>
-              <a:rPr b="1" lang="en-US" sz="3200">
+              <a:rPr b="1" lang="en-CA" sz="2200">
                 <a:solidFill>
                   <a:srgbClr val="7f0055"/>
                 </a:solidFill>
@@ -7078,7 +6745,7 @@
               <a:t>public</a:t>
             </a:r>
             <a:r>
-              <a:rPr b="1" lang="en-US" sz="3200">
+              <a:rPr b="1" lang="en-CA" sz="2200">
                 <a:solidFill>
                   <a:srgbClr val="000000"/>
                 </a:solidFill>
@@ -7087,7 +6754,7 @@
               <a:t> </a:t>
             </a:r>
             <a:r>
-              <a:rPr b="1" lang="en-US" sz="3200">
+              <a:rPr b="1" lang="en-CA" sz="2200">
                 <a:solidFill>
                   <a:srgbClr val="7f0055"/>
                 </a:solidFill>
@@ -7096,7 +6763,7 @@
               <a:t>void</a:t>
             </a:r>
             <a:r>
-              <a:rPr b="1" lang="en-US" sz="3200">
+              <a:rPr b="1" lang="en-CA" sz="2200">
                 <a:solidFill>
                   <a:srgbClr val="000000"/>
                 </a:solidFill>
@@ -7105,7 +6772,7 @@
               <a:t> sort(</a:t>
             </a:r>
             <a:r>
-              <a:rPr b="1" lang="en-US" sz="3200">
+              <a:rPr b="1" lang="en-CA" sz="2200">
                 <a:solidFill>
                   <a:srgbClr val="7f0055"/>
                 </a:solidFill>
@@ -7114,7 +6781,7 @@
               <a:t>int</a:t>
             </a:r>
             <a:r>
-              <a:rPr b="1" lang="en-US" sz="3200">
+              <a:rPr b="1" lang="en-CA" sz="2200">
                 <a:solidFill>
                   <a:srgbClr val="000000"/>
                 </a:solidFill>
@@ -7123,7 +6790,7 @@
               <a:t> X[], </a:t>
             </a:r>
             <a:r>
-              <a:rPr b="1" lang="en-US" sz="3200">
+              <a:rPr b="1" lang="en-CA" sz="2200">
                 <a:solidFill>
                   <a:srgbClr val="7f0055"/>
                 </a:solidFill>
@@ -7132,7 +6799,7 @@
               <a:t>int</a:t>
             </a:r>
             <a:r>
-              <a:rPr b="1" lang="en-US" sz="3200">
+              <a:rPr b="1" lang="en-CA" sz="2200">
                 <a:solidFill>
                   <a:srgbClr val="000000"/>
                 </a:solidFill>
@@ -7141,7 +6808,7 @@
               <a:t> N) </a:t>
             </a:r>
             <a:r>
-              <a:rPr lang="en-US" sz="3200">
+              <a:rPr lang="en-CA" sz="2200">
                 <a:solidFill>
                   <a:srgbClr val="000000"/>
                 </a:solidFill>
@@ -7158,7 +6825,7 @@
               </a:lnSpc>
             </a:pPr>
             <a:r>
-              <a:rPr b="1" lang="en-US" sz="3200">
+              <a:rPr b="1" lang="en-CA" sz="2200">
                 <a:solidFill>
                   <a:srgbClr val="7f0055"/>
                 </a:solidFill>
@@ -7167,7 +6834,7 @@
               <a:t>    </a:t>
             </a:r>
             <a:r>
-              <a:rPr b="1" lang="en-US" sz="3200">
+              <a:rPr b="1" lang="en-CA" sz="2200">
                 <a:solidFill>
                   <a:srgbClr val="7f0055"/>
                 </a:solidFill>
@@ -7176,7 +6843,7 @@
               <a:t>int</a:t>
             </a:r>
             <a:r>
-              <a:rPr b="1" lang="en-US" sz="3200">
+              <a:rPr b="1" lang="en-CA" sz="2200">
                 <a:solidFill>
                   <a:srgbClr val="000000"/>
                 </a:solidFill>
@@ -7193,7 +6860,7 @@
               </a:lnSpc>
             </a:pPr>
             <a:r>
-              <a:rPr b="1" lang="en-US" sz="3200">
+              <a:rPr b="1" lang="en-CA" sz="2200">
                 <a:solidFill>
                   <a:srgbClr val="7f0055"/>
                 </a:solidFill>
@@ -7202,7 +6869,7 @@
               <a:t>    </a:t>
             </a:r>
             <a:r>
-              <a:rPr b="1" lang="en-US" sz="3200">
+              <a:rPr b="1" lang="en-CA" sz="2200">
                 <a:solidFill>
                   <a:srgbClr val="7f0055"/>
                 </a:solidFill>
@@ -7211,7 +6878,7 @@
               <a:t>if</a:t>
             </a:r>
             <a:r>
-              <a:rPr b="1" lang="en-US" sz="3200">
+              <a:rPr b="1" lang="en-CA" sz="2200">
                 <a:solidFill>
                   <a:srgbClr val="000000"/>
                 </a:solidFill>
@@ -7228,7 +6895,7 @@
               </a:lnSpc>
             </a:pPr>
             <a:r>
-              <a:rPr b="1" lang="en-US" sz="3200">
+              <a:rPr b="1" lang="en-CA" sz="2200">
                 <a:solidFill>
                   <a:srgbClr val="7f0055"/>
                 </a:solidFill>
@@ -7237,7 +6904,7 @@
               <a:t>        </a:t>
             </a:r>
             <a:r>
-              <a:rPr b="1" lang="en-US" sz="3200">
+              <a:rPr b="1" lang="en-CA" sz="2200">
                 <a:solidFill>
                   <a:srgbClr val="7f0055"/>
                 </a:solidFill>
@@ -7246,7 +6913,7 @@
               <a:t>for</a:t>
             </a:r>
             <a:r>
-              <a:rPr b="1" lang="en-US" sz="3200">
+              <a:rPr b="1" lang="en-CA" sz="2200">
                 <a:solidFill>
                   <a:srgbClr val="000000"/>
                 </a:solidFill>
@@ -7263,7 +6930,7 @@
               </a:lnSpc>
             </a:pPr>
             <a:r>
-              <a:rPr b="1" lang="en-US" sz="3200">
+              <a:rPr b="1" lang="en-CA" sz="2200">
                 <a:solidFill>
                   <a:srgbClr val="7f0055"/>
                 </a:solidFill>
@@ -7272,7 +6939,7 @@
               <a:t>            </a:t>
             </a:r>
             <a:r>
-              <a:rPr b="1" lang="en-US" sz="3200">
+              <a:rPr b="1" lang="en-CA" sz="2200">
                 <a:solidFill>
                   <a:srgbClr val="7f0055"/>
                 </a:solidFill>
@@ -7281,7 +6948,7 @@
               <a:t>for</a:t>
             </a:r>
             <a:r>
-              <a:rPr b="1" lang="en-US" sz="3200">
+              <a:rPr b="1" lang="en-CA" sz="2200">
                 <a:solidFill>
                   <a:srgbClr val="000000"/>
                 </a:solidFill>
@@ -7298,7 +6965,7 @@
               </a:lnSpc>
             </a:pPr>
             <a:r>
-              <a:rPr b="1" lang="en-US" sz="3200">
+              <a:rPr b="1" lang="en-CA" sz="2200">
                 <a:solidFill>
                   <a:srgbClr val="7f0055"/>
                 </a:solidFill>
@@ -7307,7 +6974,7 @@
               <a:t>                </a:t>
             </a:r>
             <a:r>
-              <a:rPr b="1" lang="en-US" sz="3200">
+              <a:rPr b="1" lang="en-CA" sz="2200">
                 <a:solidFill>
                   <a:srgbClr val="7f0055"/>
                 </a:solidFill>
@@ -7316,7 +6983,7 @@
               <a:t>if</a:t>
             </a:r>
             <a:r>
-              <a:rPr b="1" lang="en-US" sz="3200">
+              <a:rPr b="1" lang="en-CA" sz="2200">
                 <a:solidFill>
                   <a:srgbClr val="000000"/>
                 </a:solidFill>
@@ -7333,7 +7000,7 @@
               </a:lnSpc>
             </a:pPr>
             <a:r>
-              <a:rPr b="1" lang="en-US" sz="3200">
+              <a:rPr b="1" lang="en-CA" sz="2200">
                 <a:solidFill>
                   <a:srgbClr val="000000"/>
                 </a:solidFill>
@@ -7342,7 +7009,7 @@
               <a:t>                </a:t>
             </a:r>
             <a:r>
-              <a:rPr b="1" lang="en-US" sz="3200">
+              <a:rPr b="1" lang="en-CA" sz="2200">
                 <a:solidFill>
                   <a:srgbClr val="000000"/>
                 </a:solidFill>
@@ -7359,7 +7026,7 @@
               </a:lnSpc>
             </a:pPr>
             <a:r>
-              <a:rPr b="1" lang="en-US" sz="3200">
+              <a:rPr b="1" lang="en-CA" sz="2200">
                 <a:solidFill>
                   <a:srgbClr val="000000"/>
                 </a:solidFill>
@@ -7368,7 +7035,7 @@
               <a:t>                    </a:t>
             </a:r>
             <a:r>
-              <a:rPr b="1" lang="en-US" sz="3200">
+              <a:rPr b="1" lang="en-CA" sz="2200">
                 <a:solidFill>
                   <a:srgbClr val="000000"/>
                 </a:solidFill>
@@ -7385,7 +7052,7 @@
               </a:lnSpc>
             </a:pPr>
             <a:r>
-              <a:rPr b="1" lang="en-US" sz="3200">
+              <a:rPr b="1" lang="en-CA" sz="2200">
                 <a:solidFill>
                   <a:srgbClr val="000000"/>
                 </a:solidFill>
@@ -7394,7 +7061,7 @@
               <a:t>                    </a:t>
             </a:r>
             <a:r>
-              <a:rPr b="1" lang="en-US" sz="3200">
+              <a:rPr b="1" lang="en-CA" sz="2200">
                 <a:solidFill>
                   <a:srgbClr val="000000"/>
                 </a:solidFill>
@@ -7411,7 +7078,7 @@
               </a:lnSpc>
             </a:pPr>
             <a:r>
-              <a:rPr b="1" lang="en-US" sz="3200">
+              <a:rPr b="1" lang="en-CA" sz="2200">
                 <a:solidFill>
                   <a:srgbClr val="000000"/>
                 </a:solidFill>
@@ -7420,7 +7087,7 @@
               <a:t>                    </a:t>
             </a:r>
             <a:r>
-              <a:rPr b="1" lang="en-US" sz="3200">
+              <a:rPr b="1" lang="en-CA" sz="2200">
                 <a:solidFill>
                   <a:srgbClr val="000000"/>
                 </a:solidFill>
@@ -7437,7 +7104,7 @@
               </a:lnSpc>
             </a:pPr>
             <a:r>
-              <a:rPr b="1" lang="en-US" sz="3200">
+              <a:rPr b="1" lang="en-CA" sz="2200">
                 <a:solidFill>
                   <a:srgbClr val="000000"/>
                 </a:solidFill>
@@ -7446,7 +7113,7 @@
               <a:t>                </a:t>
             </a:r>
             <a:r>
-              <a:rPr b="1" lang="en-US" sz="3200">
+              <a:rPr b="1" lang="en-CA" sz="2200">
                 <a:solidFill>
                   <a:srgbClr val="000000"/>
                 </a:solidFill>
@@ -7463,7 +7130,7 @@
               </a:lnSpc>
             </a:pPr>
             <a:r>
-              <a:rPr lang="en-US" sz="3200">
+              <a:rPr lang="en-CA" sz="2200">
                 <a:solidFill>
                   <a:srgbClr val="000000"/>
                 </a:solidFill>
@@ -7477,28 +7144,28 @@
       </p:sp>
       <p:sp>
         <p:nvSpPr>
-          <p:cNvPr id="92" name="TextShape 3"/>
-          <p:cNvSpPr txBox="1"/>
+          <p:cNvPr id="87" name="CustomShape 3"/>
+          <p:cNvSpPr/>
           <p:nvPr/>
         </p:nvSpPr>
         <p:spPr>
           <a:xfrm>
             <a:off x="6553080" y="6356520"/>
-            <a:ext cx="2133360" cy="364680"/>
-          </a:xfrm>
-          <a:prstGeom prst="rect">
-            <a:avLst/>
-          </a:prstGeom>
-        </p:spPr>
-        <p:txBody>
-          <a:bodyPr anchor="ctr"/>
+            <a:ext cx="2133000" cy="364320"/>
+          </a:xfrm>
+          <a:prstGeom prst="rect">
+            <a:avLst/>
+          </a:prstGeom>
+        </p:spPr>
+        <p:txBody>
+          <a:bodyPr anchor="ctr" bIns="45000" lIns="90000" rIns="90000" tIns="45000"/>
           <a:p>
             <a:pPr algn="r">
               <a:lnSpc>
                 <a:spcPct val="100000"/>
               </a:lnSpc>
             </a:pPr>
-            <a:fld id="{199378E6-CBC3-4568-BB4A-CE5D606AECC8}" type="slidenum">
+            <a:fld id="{2E035DDC-074A-46CF-8DA9-C6EB392AC337}" type="slidenum">
               <a:rPr lang="en-CA" sz="1200">
                 <a:solidFill>
                   <a:srgbClr val="8b8b8b"/>
@@ -7543,53 +7210,39 @@
                                       <p:cBhvr>
                                         <p:cTn dur="500" fill="hold" id="8"/>
                                         <p:tgtEl>
-                                          <p:spTgt spid="91">
+                                          <p:spTgt spid="86">
                                             <p:txEl>
-                                              <p:pRg end="50" st="35"/>
+                                              <p:pRg end="283" st="283"/>
                                             </p:txEl>
                                           </p:spTgt>
                                         </p:tgtEl>
-                                        <p:attrNameLst>
-                                          <p:attrName/>
-                                        </p:attrNameLst>
                                       </p:cBhvr>
-                                      <p:to>
-                                        <p:strVal val="rgb(80,-80,0)"/>
-                                      </p:to>
+                                      <p:to/>
                                     </p:set>
                                     <p:set>
                                       <p:cBhvr>
                                         <p:cTn dur="500" fill="hold" id="9"/>
                                         <p:tgtEl>
-                                          <p:spTgt spid="91">
+                                          <p:spTgt spid="86">
                                             <p:txEl>
-                                              <p:pRg end="50" st="35"/>
+                                              <p:pRg end="283" st="283"/>
                                             </p:txEl>
                                           </p:spTgt>
                                         </p:tgtEl>
-                                        <p:attrNameLst>
-                                          <p:attrName/>
-                                        </p:attrNameLst>
                                       </p:cBhvr>
-                                      <p:to>
-                                        <p:strVal val="rgb(80,-80,0)"/>
-                                      </p:to>
+                                      <p:to/>
                                     </p:set>
                                     <p:set>
                                       <p:cBhvr>
                                         <p:cTn dur="500" fill="hold" id="10"/>
                                         <p:tgtEl>
-                                          <p:spTgt spid="91">
+                                          <p:spTgt spid="86">
                                             <p:txEl>
-                                              <p:pRg end="50" st="35"/>
+                                              <p:pRg end="283" st="283"/>
                                             </p:txEl>
                                           </p:spTgt>
                                         </p:tgtEl>
-                                        <p:attrNameLst>
-                                          <p:attrName/>
-                                        </p:attrNameLst>
                                       </p:cBhvr>
-                                      <p:to/>
                                     </p:set>
                                   </p:childTnLst>
                                 </p:cTn>
@@ -7604,53 +7257,39 @@
                                       <p:cBhvr>
                                         <p:cTn dur="500" fill="hold" id="12"/>
                                         <p:tgtEl>
-                                          <p:spTgt spid="91">
+                                          <p:spTgt spid="86">
                                             <p:txEl>
-                                              <p:pRg end="62" st="50"/>
+                                              <p:pRg end="283" st="283"/>
                                             </p:txEl>
                                           </p:spTgt>
                                         </p:tgtEl>
-                                        <p:attrNameLst>
-                                          <p:attrName/>
-                                        </p:attrNameLst>
                                       </p:cBhvr>
-                                      <p:to>
-                                        <p:strVal val="rgb(80,-80,0)"/>
-                                      </p:to>
+                                      <p:to/>
                                     </p:set>
                                     <p:set>
                                       <p:cBhvr>
                                         <p:cTn dur="500" fill="hold" id="13"/>
                                         <p:tgtEl>
-                                          <p:spTgt spid="91">
+                                          <p:spTgt spid="86">
                                             <p:txEl>
-                                              <p:pRg end="62" st="50"/>
+                                              <p:pRg end="283" st="283"/>
                                             </p:txEl>
                                           </p:spTgt>
                                         </p:tgtEl>
-                                        <p:attrNameLst>
-                                          <p:attrName/>
-                                        </p:attrNameLst>
                                       </p:cBhvr>
-                                      <p:to>
-                                        <p:strVal val="rgb(80,-80,0)"/>
-                                      </p:to>
+                                      <p:to/>
                                     </p:set>
                                     <p:set>
                                       <p:cBhvr>
                                         <p:cTn dur="500" fill="hold" id="14"/>
                                         <p:tgtEl>
-                                          <p:spTgt spid="91">
+                                          <p:spTgt spid="86">
                                             <p:txEl>
-                                              <p:pRg end="62" st="50"/>
+                                              <p:pRg end="283" st="283"/>
                                             </p:txEl>
                                           </p:spTgt>
                                         </p:tgtEl>
-                                        <p:attrNameLst>
-                                          <p:attrName/>
-                                        </p:attrNameLst>
                                       </p:cBhvr>
-                                      <p:to/>
                                     </p:set>
                                   </p:childTnLst>
                                 </p:cTn>
@@ -7665,53 +7304,39 @@
                                       <p:cBhvr>
                                         <p:cTn dur="500" fill="hold" id="16"/>
                                         <p:tgtEl>
-                                          <p:spTgt spid="91">
+                                          <p:spTgt spid="86">
                                             <p:txEl>
-                                              <p:pRg end="89" st="62"/>
+                                              <p:pRg end="283" st="283"/>
                                             </p:txEl>
                                           </p:spTgt>
                                         </p:tgtEl>
-                                        <p:attrNameLst>
-                                          <p:attrName/>
-                                        </p:attrNameLst>
                                       </p:cBhvr>
-                                      <p:to>
-                                        <p:strVal val="rgb(80,-80,0)"/>
-                                      </p:to>
+                                      <p:to/>
                                     </p:set>
                                     <p:set>
                                       <p:cBhvr>
                                         <p:cTn dur="500" fill="hold" id="17"/>
                                         <p:tgtEl>
-                                          <p:spTgt spid="91">
+                                          <p:spTgt spid="86">
                                             <p:txEl>
-                                              <p:pRg end="89" st="62"/>
+                                              <p:pRg end="283" st="283"/>
                                             </p:txEl>
                                           </p:spTgt>
                                         </p:tgtEl>
-                                        <p:attrNameLst>
-                                          <p:attrName/>
-                                        </p:attrNameLst>
                                       </p:cBhvr>
-                                      <p:to>
-                                        <p:strVal val="rgb(80,-80,0)"/>
-                                      </p:to>
+                                      <p:to/>
                                     </p:set>
                                     <p:set>
                                       <p:cBhvr>
                                         <p:cTn dur="500" fill="hold" id="18"/>
                                         <p:tgtEl>
-                                          <p:spTgt spid="91">
+                                          <p:spTgt spid="86">
                                             <p:txEl>
-                                              <p:pRg end="89" st="62"/>
+                                              <p:pRg end="283" st="283"/>
                                             </p:txEl>
                                           </p:spTgt>
                                         </p:tgtEl>
-                                        <p:attrNameLst>
-                                          <p:attrName/>
-                                        </p:attrNameLst>
                                       </p:cBhvr>
-                                      <p:to/>
                                     </p:set>
                                   </p:childTnLst>
                                 </p:cTn>
@@ -7726,53 +7351,39 @@
                                       <p:cBhvr>
                                         <p:cTn dur="500" fill="hold" id="20"/>
                                         <p:tgtEl>
-                                          <p:spTgt spid="91">
+                                          <p:spTgt spid="86">
                                             <p:txEl>
-                                              <p:pRg end="120" st="89"/>
+                                              <p:pRg end="283" st="283"/>
                                             </p:txEl>
                                           </p:spTgt>
                                         </p:tgtEl>
-                                        <p:attrNameLst>
-                                          <p:attrName/>
-                                        </p:attrNameLst>
                                       </p:cBhvr>
-                                      <p:to>
-                                        <p:strVal val="rgb(80,-80,0)"/>
-                                      </p:to>
+                                      <p:to/>
                                     </p:set>
                                     <p:set>
                                       <p:cBhvr>
                                         <p:cTn dur="500" fill="hold" id="21"/>
                                         <p:tgtEl>
-                                          <p:spTgt spid="91">
+                                          <p:spTgt spid="86">
                                             <p:txEl>
-                                              <p:pRg end="120" st="89"/>
+                                              <p:pRg end="283" st="283"/>
                                             </p:txEl>
                                           </p:spTgt>
                                         </p:tgtEl>
-                                        <p:attrNameLst>
-                                          <p:attrName/>
-                                        </p:attrNameLst>
                                       </p:cBhvr>
-                                      <p:to>
-                                        <p:strVal val="rgb(80,-80,0)"/>
-                                      </p:to>
+                                      <p:to/>
                                     </p:set>
                                     <p:set>
                                       <p:cBhvr>
                                         <p:cTn dur="500" fill="hold" id="22"/>
                                         <p:tgtEl>
-                                          <p:spTgt spid="91">
+                                          <p:spTgt spid="86">
                                             <p:txEl>
-                                              <p:pRg end="120" st="89"/>
+                                              <p:pRg end="283" st="283"/>
                                             </p:txEl>
                                           </p:spTgt>
                                         </p:tgtEl>
-                                        <p:attrNameLst>
-                                          <p:attrName/>
-                                        </p:attrNameLst>
                                       </p:cBhvr>
-                                      <p:to/>
                                     </p:set>
                                   </p:childTnLst>
                                 </p:cTn>
@@ -7787,53 +7398,39 @@
                                       <p:cBhvr>
                                         <p:cTn dur="500" fill="hold" id="24"/>
                                         <p:tgtEl>
-                                          <p:spTgt spid="91">
+                                          <p:spTgt spid="86">
                                             <p:txEl>
-                                              <p:pRg end="152" st="120"/>
+                                              <p:pRg end="283" st="283"/>
                                             </p:txEl>
                                           </p:spTgt>
                                         </p:tgtEl>
-                                        <p:attrNameLst>
-                                          <p:attrName/>
-                                        </p:attrNameLst>
                                       </p:cBhvr>
-                                      <p:to>
-                                        <p:strVal val="rgb(80,-80,0)"/>
-                                      </p:to>
+                                      <p:to/>
                                     </p:set>
                                     <p:set>
                                       <p:cBhvr>
                                         <p:cTn dur="500" fill="hold" id="25"/>
                                         <p:tgtEl>
-                                          <p:spTgt spid="91">
+                                          <p:spTgt spid="86">
                                             <p:txEl>
-                                              <p:pRg end="152" st="120"/>
+                                              <p:pRg end="283" st="283"/>
                                             </p:txEl>
                                           </p:spTgt>
                                         </p:tgtEl>
-                                        <p:attrNameLst>
-                                          <p:attrName/>
-                                        </p:attrNameLst>
                                       </p:cBhvr>
-                                      <p:to>
-                                        <p:strVal val="rgb(80,-80,0)"/>
-                                      </p:to>
+                                      <p:to/>
                                     </p:set>
                                     <p:set>
                                       <p:cBhvr>
                                         <p:cTn dur="500" fill="hold" id="26"/>
                                         <p:tgtEl>
-                                          <p:spTgt spid="91">
+                                          <p:spTgt spid="86">
                                             <p:txEl>
-                                              <p:pRg end="152" st="120"/>
+                                              <p:pRg end="283" st="283"/>
                                             </p:txEl>
                                           </p:spTgt>
                                         </p:tgtEl>
-                                        <p:attrNameLst>
-                                          <p:attrName/>
-                                        </p:attrNameLst>
                                       </p:cBhvr>
-                                      <p:to/>
                                     </p:set>
                                   </p:childTnLst>
                                 </p:cTn>
@@ -7848,53 +7445,39 @@
                                       <p:cBhvr>
                                         <p:cTn dur="500" fill="hold" id="28"/>
                                         <p:tgtEl>
-                                          <p:spTgt spid="91">
+                                          <p:spTgt spid="86">
                                             <p:txEl>
-                                              <p:pRg end="170" st="152"/>
+                                              <p:pRg end="283" st="283"/>
                                             </p:txEl>
                                           </p:spTgt>
                                         </p:tgtEl>
-                                        <p:attrNameLst>
-                                          <p:attrName/>
-                                        </p:attrNameLst>
                                       </p:cBhvr>
-                                      <p:to>
-                                        <p:strVal val="rgb(80,-80,0)"/>
-                                      </p:to>
+                                      <p:to/>
                                     </p:set>
                                     <p:set>
                                       <p:cBhvr>
                                         <p:cTn dur="500" fill="hold" id="29"/>
                                         <p:tgtEl>
-                                          <p:spTgt spid="91">
+                                          <p:spTgt spid="86">
                                             <p:txEl>
-                                              <p:pRg end="170" st="152"/>
+                                              <p:pRg end="283" st="283"/>
                                             </p:txEl>
                                           </p:spTgt>
                                         </p:tgtEl>
-                                        <p:attrNameLst>
-                                          <p:attrName/>
-                                        </p:attrNameLst>
                                       </p:cBhvr>
-                                      <p:to>
-                                        <p:strVal val="rgb(80,-80,0)"/>
-                                      </p:to>
+                                      <p:to/>
                                     </p:set>
                                     <p:set>
                                       <p:cBhvr>
                                         <p:cTn dur="500" fill="hold" id="30"/>
                                         <p:tgtEl>
-                                          <p:spTgt spid="91">
+                                          <p:spTgt spid="86">
                                             <p:txEl>
-                                              <p:pRg end="170" st="152"/>
+                                              <p:pRg end="283" st="283"/>
                                             </p:txEl>
                                           </p:spTgt>
                                         </p:tgtEl>
-                                        <p:attrNameLst>
-                                          <p:attrName/>
-                                        </p:attrNameLst>
                                       </p:cBhvr>
-                                      <p:to/>
                                     </p:set>
                                   </p:childTnLst>
                                 </p:cTn>
@@ -7909,53 +7492,39 @@
                                       <p:cBhvr>
                                         <p:cTn dur="500" fill="hold" id="32"/>
                                         <p:tgtEl>
-                                          <p:spTgt spid="91">
+                                          <p:spTgt spid="86">
                                             <p:txEl>
-                                              <p:pRg end="200" st="170"/>
+                                              <p:pRg end="283" st="283"/>
                                             </p:txEl>
                                           </p:spTgt>
                                         </p:tgtEl>
-                                        <p:attrNameLst>
-                                          <p:attrName/>
-                                        </p:attrNameLst>
                                       </p:cBhvr>
-                                      <p:to>
-                                        <p:strVal val="rgb(80,-80,0)"/>
-                                      </p:to>
+                                      <p:to/>
                                     </p:set>
                                     <p:set>
                                       <p:cBhvr>
                                         <p:cTn dur="500" fill="hold" id="33"/>
                                         <p:tgtEl>
-                                          <p:spTgt spid="91">
+                                          <p:spTgt spid="86">
                                             <p:txEl>
-                                              <p:pRg end="200" st="170"/>
+                                              <p:pRg end="283" st="283"/>
                                             </p:txEl>
                                           </p:spTgt>
                                         </p:tgtEl>
-                                        <p:attrNameLst>
-                                          <p:attrName/>
-                                        </p:attrNameLst>
                                       </p:cBhvr>
-                                      <p:to>
-                                        <p:strVal val="rgb(80,-80,0)"/>
-                                      </p:to>
+                                      <p:to/>
                                     </p:set>
                                     <p:set>
                                       <p:cBhvr>
                                         <p:cTn dur="500" fill="hold" id="34"/>
                                         <p:tgtEl>
-                                          <p:spTgt spid="91">
+                                          <p:spTgt spid="86">
                                             <p:txEl>
-                                              <p:pRg end="200" st="170"/>
+                                              <p:pRg end="283" st="283"/>
                                             </p:txEl>
                                           </p:spTgt>
                                         </p:tgtEl>
-                                        <p:attrNameLst>
-                                          <p:attrName/>
-                                        </p:attrNameLst>
                                       </p:cBhvr>
-                                      <p:to/>
                                     </p:set>
                                   </p:childTnLst>
                                 </p:cTn>
@@ -7970,53 +7539,39 @@
                                       <p:cBhvr>
                                         <p:cTn dur="500" fill="hold" id="36"/>
                                         <p:tgtEl>
-                                          <p:spTgt spid="91">
+                                          <p:spTgt spid="86">
                                             <p:txEl>
-                                              <p:pRg end="233" st="200"/>
+                                              <p:pRg end="283" st="283"/>
                                             </p:txEl>
                                           </p:spTgt>
                                         </p:tgtEl>
-                                        <p:attrNameLst>
-                                          <p:attrName/>
-                                        </p:attrNameLst>
                                       </p:cBhvr>
-                                      <p:to>
-                                        <p:strVal val="rgb(80,-80,0)"/>
-                                      </p:to>
+                                      <p:to/>
                                     </p:set>
                                     <p:set>
                                       <p:cBhvr>
                                         <p:cTn dur="500" fill="hold" id="37"/>
                                         <p:tgtEl>
-                                          <p:spTgt spid="91">
+                                          <p:spTgt spid="86">
                                             <p:txEl>
-                                              <p:pRg end="233" st="200"/>
+                                              <p:pRg end="283" st="283"/>
                                             </p:txEl>
                                           </p:spTgt>
                                         </p:tgtEl>
-                                        <p:attrNameLst>
-                                          <p:attrName/>
-                                        </p:attrNameLst>
                                       </p:cBhvr>
-                                      <p:to>
-                                        <p:strVal val="rgb(80,-80,0)"/>
-                                      </p:to>
+                                      <p:to/>
                                     </p:set>
                                     <p:set>
                                       <p:cBhvr>
                                         <p:cTn dur="500" fill="hold" id="38"/>
                                         <p:tgtEl>
-                                          <p:spTgt spid="91">
+                                          <p:spTgt spid="86">
                                             <p:txEl>
-                                              <p:pRg end="233" st="200"/>
+                                              <p:pRg end="283" st="283"/>
                                             </p:txEl>
                                           </p:spTgt>
                                         </p:tgtEl>
-                                        <p:attrNameLst>
-                                          <p:attrName/>
-                                        </p:attrNameLst>
                                       </p:cBhvr>
-                                      <p:to/>
                                     </p:set>
                                   </p:childTnLst>
                                 </p:cTn>
@@ -8031,53 +7586,39 @@
                                       <p:cBhvr>
                                         <p:cTn dur="500" fill="hold" id="40"/>
                                         <p:tgtEl>
-                                          <p:spTgt spid="91">
+                                          <p:spTgt spid="86">
                                             <p:txEl>
-                                              <p:pRg end="263" st="233"/>
+                                              <p:pRg end="283" st="283"/>
                                             </p:txEl>
                                           </p:spTgt>
                                         </p:tgtEl>
-                                        <p:attrNameLst>
-                                          <p:attrName/>
-                                        </p:attrNameLst>
                                       </p:cBhvr>
-                                      <p:to>
-                                        <p:strVal val="rgb(80,-80,0)"/>
-                                      </p:to>
+                                      <p:to/>
                                     </p:set>
                                     <p:set>
                                       <p:cBhvr>
                                         <p:cTn dur="500" fill="hold" id="41"/>
                                         <p:tgtEl>
-                                          <p:spTgt spid="91">
+                                          <p:spTgt spid="86">
                                             <p:txEl>
-                                              <p:pRg end="263" st="233"/>
+                                              <p:pRg end="283" st="283"/>
                                             </p:txEl>
                                           </p:spTgt>
                                         </p:tgtEl>
-                                        <p:attrNameLst>
-                                          <p:attrName/>
-                                        </p:attrNameLst>
                                       </p:cBhvr>
-                                      <p:to>
-                                        <p:strVal val="rgb(80,-80,0)"/>
-                                      </p:to>
+                                      <p:to/>
                                     </p:set>
                                     <p:set>
                                       <p:cBhvr>
                                         <p:cTn dur="500" fill="hold" id="42"/>
                                         <p:tgtEl>
-                                          <p:spTgt spid="91">
+                                          <p:spTgt spid="86">
                                             <p:txEl>
-                                              <p:pRg end="263" st="233"/>
+                                              <p:pRg end="283" st="283"/>
                                             </p:txEl>
                                           </p:spTgt>
                                         </p:tgtEl>
-                                        <p:attrNameLst>
-                                          <p:attrName/>
-                                        </p:attrNameLst>
                                       </p:cBhvr>
-                                      <p:to/>
                                     </p:set>
                                   </p:childTnLst>
                                 </p:cTn>
@@ -8092,53 +7633,39 @@
                                       <p:cBhvr>
                                         <p:cTn dur="500" fill="hold" id="44"/>
                                         <p:tgtEl>
-                                          <p:spTgt spid="91">
+                                          <p:spTgt spid="86">
                                             <p:txEl>
-                                              <p:pRg end="281" st="263"/>
+                                              <p:pRg end="283" st="283"/>
                                             </p:txEl>
                                           </p:spTgt>
                                         </p:tgtEl>
-                                        <p:attrNameLst>
-                                          <p:attrName/>
-                                        </p:attrNameLst>
                                       </p:cBhvr>
-                                      <p:to>
-                                        <p:strVal val="rgb(80,-80,0)"/>
-                                      </p:to>
+                                      <p:to/>
                                     </p:set>
                                     <p:set>
                                       <p:cBhvr>
                                         <p:cTn dur="500" fill="hold" id="45"/>
                                         <p:tgtEl>
-                                          <p:spTgt spid="91">
+                                          <p:spTgt spid="86">
                                             <p:txEl>
-                                              <p:pRg end="281" st="263"/>
+                                              <p:pRg end="283" st="283"/>
                                             </p:txEl>
                                           </p:spTgt>
                                         </p:tgtEl>
-                                        <p:attrNameLst>
-                                          <p:attrName/>
-                                        </p:attrNameLst>
                                       </p:cBhvr>
-                                      <p:to>
-                                        <p:strVal val="rgb(80,-80,0)"/>
-                                      </p:to>
+                                      <p:to/>
                                     </p:set>
                                     <p:set>
                                       <p:cBhvr>
                                         <p:cTn dur="500" fill="hold" id="46"/>
                                         <p:tgtEl>
-                                          <p:spTgt spid="91">
+                                          <p:spTgt spid="86">
                                             <p:txEl>
-                                              <p:pRg end="281" st="263"/>
+                                              <p:pRg end="283" st="283"/>
                                             </p:txEl>
                                           </p:spTgt>
                                         </p:tgtEl>
-                                        <p:attrNameLst>
-                                          <p:attrName/>
-                                        </p:attrNameLst>
                                       </p:cBhvr>
-                                      <p:to/>
                                     </p:set>
                                   </p:childTnLst>
                                 </p:cTn>
@@ -8193,28 +7720,28 @@
       </p:grpSpPr>
       <p:sp>
         <p:nvSpPr>
-          <p:cNvPr id="93" name="TextShape 1"/>
-          <p:cNvSpPr txBox="1"/>
+          <p:cNvPr id="88" name="CustomShape 1"/>
+          <p:cNvSpPr/>
           <p:nvPr/>
         </p:nvSpPr>
         <p:spPr>
           <a:xfrm>
             <a:off x="6553080" y="6356520"/>
-            <a:ext cx="2133360" cy="364680"/>
-          </a:xfrm>
-          <a:prstGeom prst="rect">
-            <a:avLst/>
-          </a:prstGeom>
-        </p:spPr>
-        <p:txBody>
-          <a:bodyPr anchor="ctr"/>
+            <a:ext cx="2133000" cy="364320"/>
+          </a:xfrm>
+          <a:prstGeom prst="rect">
+            <a:avLst/>
+          </a:prstGeom>
+        </p:spPr>
+        <p:txBody>
+          <a:bodyPr anchor="ctr" bIns="45000" lIns="90000" rIns="90000" tIns="45000"/>
           <a:p>
             <a:pPr algn="r">
               <a:lnSpc>
                 <a:spcPct val="100000"/>
               </a:lnSpc>
             </a:pPr>
-            <a:fld id="{D60931D0-886E-43F5-8790-104544134981}" type="slidenum">
+            <a:fld id="{C995D83C-CEE2-409A-93D7-761E5FCD6776}" type="slidenum">
               <a:rPr lang="en-CA" sz="1200">
                 <a:solidFill>
                   <a:srgbClr val="8b8b8b"/>
@@ -8229,13 +7756,13 @@
       </p:sp>
       <p:graphicFrame>
         <p:nvGraphicFramePr>
-          <p:cNvPr id="94" name="Table 2"/>
+          <p:cNvPr id="89" name="Table 2"/>
           <p:cNvGraphicFramePr/>
           <p:nvPr/>
         </p:nvGraphicFramePr>
         <p:xfrm>
           <a:off x="380880" y="304920"/>
-          <a:ext cx="3123720" cy="5831640"/>
+          <a:ext cx="3123360" cy="5831280"/>
         </p:xfrm>
         <a:graphic>
           <a:graphicData uri="http://schemas.openxmlformats.org/drawingml/2006/table">
@@ -8243,12 +7770,12 @@
               <a:tblPr/>
               <a:tblGrid>
                 <a:gridCol w="1447560"/>
-                <a:gridCol w="1676160"/>
+                <a:gridCol w="1675800"/>
               </a:tblGrid>
               <a:tr h="887760">
                 <a:tc>
                   <a:txBody>
-                    <a:bodyPr anchor="ctr" wrap="none"/>
+                    <a:bodyPr wrap="none"/>
                     <a:p>
                       <a:pPr algn="ctr">
                         <a:lnSpc>
@@ -8271,7 +7798,7 @@
                 </a:tc>
                 <a:tc>
                   <a:txBody>
-                    <a:bodyPr anchor="ctr" wrap="none"/>
+                    <a:bodyPr wrap="none"/>
                     <a:p>
                       <a:pPr algn="ctr">
                         <a:lnSpc>
@@ -8971,14 +8498,14 @@
       </p:graphicFrame>
       <p:sp>
         <p:nvSpPr>
-          <p:cNvPr id="95" name="CustomShape 3"/>
+          <p:cNvPr id="90" name="CustomShape 3"/>
           <p:cNvSpPr/>
           <p:nvPr/>
         </p:nvSpPr>
         <p:spPr>
           <a:xfrm>
             <a:off x="762120" y="6172200"/>
-            <a:ext cx="837720" cy="638280"/>
+            <a:ext cx="837360" cy="637920"/>
           </a:xfrm>
           <a:prstGeom prst="rect">
             <a:avLst/>
@@ -9016,14 +8543,14 @@
       </p:sp>
       <p:sp>
         <p:nvSpPr>
-          <p:cNvPr id="96" name="CustomShape 4"/>
+          <p:cNvPr id="91" name="CustomShape 4"/>
           <p:cNvSpPr/>
           <p:nvPr/>
         </p:nvSpPr>
         <p:spPr>
           <a:xfrm>
             <a:off x="2286000" y="6172200"/>
-            <a:ext cx="914040" cy="638280"/>
+            <a:ext cx="913680" cy="637920"/>
           </a:xfrm>
           <a:prstGeom prst="rect">
             <a:avLst/>
@@ -9061,13 +8588,13 @@
       </p:sp>
       <p:graphicFrame>
         <p:nvGraphicFramePr>
-          <p:cNvPr id="97" name="Table 5"/>
+          <p:cNvPr id="92" name="Table 5"/>
           <p:cNvGraphicFramePr/>
           <p:nvPr/>
         </p:nvGraphicFramePr>
         <p:xfrm>
           <a:off x="5257800" y="304920"/>
-          <a:ext cx="3123720" cy="3235680"/>
+          <a:ext cx="3123360" cy="3235320"/>
         </p:xfrm>
         <a:graphic>
           <a:graphicData uri="http://schemas.openxmlformats.org/drawingml/2006/table">
@@ -9075,12 +8602,12 @@
               <a:tblPr/>
               <a:tblGrid>
                 <a:gridCol w="1447560"/>
-                <a:gridCol w="1676160"/>
+                <a:gridCol w="1675800"/>
               </a:tblGrid>
-              <a:tr h="914760">
+              <a:tr h="887760">
                 <a:tc>
                   <a:txBody>
-                    <a:bodyPr anchor="ctr" wrap="none"/>
+                    <a:bodyPr wrap="none"/>
                     <a:p>
                       <a:pPr algn="ctr">
                         <a:lnSpc>
@@ -9103,7 +8630,7 @@
                 </a:tc>
                 <a:tc>
                   <a:txBody>
-                    <a:bodyPr anchor="ctr" wrap="none"/>
+                    <a:bodyPr wrap="none"/>
                     <a:p>
                       <a:pPr algn="ctr">
                         <a:lnSpc>
@@ -9125,7 +8652,7 @@
                   <a:tcPr/>
                 </a:tc>
               </a:tr>
-              <a:tr h="366120">
+              <a:tr h="357120">
                 <a:tc>
                   <a:txBody>
                     <a:bodyPr wrap="none"/>
@@ -9173,7 +8700,7 @@
                   <a:tcPr/>
                 </a:tc>
               </a:tr>
-              <a:tr h="366120">
+              <a:tr h="357120">
                 <a:tc>
                   <a:txBody>
                     <a:bodyPr wrap="none"/>
@@ -9221,7 +8748,7 @@
                   <a:tcPr/>
                 </a:tc>
               </a:tr>
-              <a:tr h="366120">
+              <a:tr h="357120">
                 <a:tc>
                   <a:txBody>
                     <a:bodyPr wrap="none"/>
@@ -9269,7 +8796,7 @@
                   <a:tcPr/>
                 </a:tc>
               </a:tr>
-              <a:tr h="366120">
+              <a:tr h="357120">
                 <a:tc>
                   <a:txBody>
                     <a:bodyPr wrap="none"/>
@@ -9317,7 +8844,7 @@
                   <a:tcPr/>
                 </a:tc>
               </a:tr>
-              <a:tr h="366120">
+              <a:tr h="357120">
                 <a:tc>
                   <a:txBody>
                     <a:bodyPr wrap="none"/>
@@ -9365,7 +8892,7 @@
                   <a:tcPr/>
                 </a:tc>
               </a:tr>
-              <a:tr h="366120">
+              <a:tr h="357120">
                 <a:tc>
                   <a:txBody>
                     <a:bodyPr wrap="none"/>
@@ -9422,7 +8949,7 @@
                   <a:tcPr/>
                 </a:tc>
               </a:tr>
-              <a:tr h="366120">
+              <a:tr h="357120">
                 <a:tc>
                   <a:txBody>
                     <a:bodyPr wrap="none"/>
@@ -9485,14 +9012,14 @@
       </p:graphicFrame>
       <p:sp>
         <p:nvSpPr>
-          <p:cNvPr id="98" name="CustomShape 6"/>
+          <p:cNvPr id="93" name="CustomShape 6"/>
           <p:cNvSpPr/>
           <p:nvPr/>
         </p:nvSpPr>
         <p:spPr>
           <a:xfrm>
             <a:off x="5638680" y="3593160"/>
-            <a:ext cx="837720" cy="638280"/>
+            <a:ext cx="837360" cy="637920"/>
           </a:xfrm>
           <a:prstGeom prst="rect">
             <a:avLst/>
@@ -9530,14 +9057,14 @@
       </p:sp>
       <p:sp>
         <p:nvSpPr>
-          <p:cNvPr id="99" name="CustomShape 7"/>
+          <p:cNvPr id="94" name="CustomShape 7"/>
           <p:cNvSpPr/>
           <p:nvPr/>
         </p:nvSpPr>
         <p:spPr>
           <a:xfrm>
             <a:off x="7162920" y="3593160"/>
-            <a:ext cx="914040" cy="638280"/>
+            <a:ext cx="913680" cy="637920"/>
           </a:xfrm>
           <a:prstGeom prst="rect">
             <a:avLst/>
@@ -9575,14 +9102,14 @@
       </p:sp>
       <p:sp>
         <p:nvSpPr>
-          <p:cNvPr id="100" name="CustomShape 8"/>
+          <p:cNvPr id="95" name="CustomShape 8"/>
           <p:cNvSpPr/>
           <p:nvPr/>
         </p:nvSpPr>
         <p:spPr>
           <a:xfrm>
             <a:off x="4042440" y="4687560"/>
-            <a:ext cx="4565520" cy="639000"/>
+            <a:ext cx="4565160" cy="638640"/>
           </a:xfrm>
           <a:prstGeom prst="rect">
             <a:avLst/>
@@ -9646,14 +9173,14 @@
       </p:sp>
       <p:sp>
         <p:nvSpPr>
-          <p:cNvPr id="101" name="CustomShape 9"/>
+          <p:cNvPr id="96" name="CustomShape 9"/>
           <p:cNvSpPr/>
           <p:nvPr/>
         </p:nvSpPr>
         <p:spPr>
           <a:xfrm>
             <a:off x="3657600" y="4687560"/>
-            <a:ext cx="5335560" cy="645840"/>
+            <a:ext cx="5335200" cy="645480"/>
           </a:xfrm>
           <a:prstGeom prst="rect">
             <a:avLst/>
@@ -9710,21 +9237,21 @@
       </p:grpSpPr>
       <p:sp>
         <p:nvSpPr>
-          <p:cNvPr id="102" name="TextShape 1"/>
-          <p:cNvSpPr txBox="1"/>
+          <p:cNvPr id="97" name="CustomShape 1"/>
+          <p:cNvSpPr/>
           <p:nvPr/>
         </p:nvSpPr>
         <p:spPr>
           <a:xfrm>
             <a:off x="457200" y="274680"/>
-            <a:ext cx="8229240" cy="1142640"/>
-          </a:xfrm>
-          <a:prstGeom prst="rect">
-            <a:avLst/>
-          </a:prstGeom>
-        </p:spPr>
-        <p:txBody>
-          <a:bodyPr anchor="ctr"/>
+            <a:ext cx="8228880" cy="1142280"/>
+          </a:xfrm>
+          <a:prstGeom prst="rect">
+            <a:avLst/>
+          </a:prstGeom>
+        </p:spPr>
+        <p:txBody>
+          <a:bodyPr anchor="ctr" bIns="45000" lIns="90000" rIns="90000" tIns="45000"/>
           <a:p>
             <a:pPr algn="ctr">
               <a:lnSpc>
@@ -9732,7 +9259,7 @@
               </a:lnSpc>
             </a:pPr>
             <a:r>
-              <a:rPr lang="en-US" sz="4400">
+              <a:rPr lang="en-CA" sz="4400">
                 <a:solidFill>
                   <a:srgbClr val="000000"/>
                 </a:solidFill>
@@ -9746,21 +9273,21 @@
       </p:sp>
       <p:sp>
         <p:nvSpPr>
-          <p:cNvPr id="103" name="TextShape 2"/>
-          <p:cNvSpPr txBox="1"/>
+          <p:cNvPr id="98" name="CustomShape 2"/>
+          <p:cNvSpPr/>
           <p:nvPr/>
         </p:nvSpPr>
         <p:spPr>
           <a:xfrm>
             <a:off x="457200" y="1600200"/>
-            <a:ext cx="8229240" cy="4525560"/>
-          </a:xfrm>
-          <a:prstGeom prst="rect">
-            <a:avLst/>
-          </a:prstGeom>
-        </p:spPr>
-        <p:txBody>
-          <a:bodyPr/>
+            <a:ext cx="8228880" cy="4525200"/>
+          </a:xfrm>
+          <a:prstGeom prst="rect">
+            <a:avLst/>
+          </a:prstGeom>
+        </p:spPr>
+        <p:txBody>
+          <a:bodyPr bIns="45000" lIns="90000" rIns="90000" tIns="45000"/>
           <a:p>
             <a:pPr>
               <a:lnSpc>
@@ -9770,7 +9297,7 @@
               <a:buChar char="•"/>
             </a:pPr>
             <a:r>
-              <a:rPr lang="en-US" sz="3200">
+              <a:rPr lang="en-CA" sz="2200">
                 <a:solidFill>
                   <a:srgbClr val="000000"/>
                 </a:solidFill>
@@ -9787,7 +9314,7 @@
               </a:lnSpc>
             </a:pPr>
             <a:r>
-              <a:rPr lang="en-US" sz="3200">
+              <a:rPr lang="en-CA" sz="2200">
                 <a:solidFill>
                   <a:srgbClr val="000000"/>
                 </a:solidFill>
@@ -9796,7 +9323,7 @@
               <a:t> </a:t>
             </a:r>
             <a:r>
-              <a:rPr lang="en-US" sz="3200">
+              <a:rPr lang="en-CA" sz="2200">
                 <a:solidFill>
                   <a:srgbClr val="000000"/>
                 </a:solidFill>
@@ -9815,7 +9342,7 @@
               <a:buChar char="•"/>
             </a:pPr>
             <a:r>
-              <a:rPr lang="en-US" sz="3200">
+              <a:rPr lang="en-CA" sz="2200">
                 <a:solidFill>
                   <a:srgbClr val="000000"/>
                 </a:solidFill>
@@ -9832,7 +9359,7 @@
               </a:lnSpc>
             </a:pPr>
             <a:r>
-              <a:rPr lang="en-US" sz="3200">
+              <a:rPr lang="en-CA" sz="2200">
                 <a:solidFill>
                   <a:srgbClr val="000000"/>
                 </a:solidFill>
@@ -9841,7 +9368,7 @@
               <a:t>difficulty is proportional to the number of distinct operators (</a:t>
             </a:r>
             <a:r>
-              <a:rPr b="1" i="1" lang="en-US" sz="3200">
+              <a:rPr b="1" i="1" lang="en-CA" sz="2200">
                 <a:solidFill>
                   <a:srgbClr val="000000"/>
                 </a:solidFill>
@@ -9850,7 +9377,7 @@
               <a:t>n1</a:t>
             </a:r>
             <a:r>
-              <a:rPr lang="en-US" sz="3200">
+              <a:rPr lang="en-CA" sz="2200">
                 <a:solidFill>
                   <a:srgbClr val="000000"/>
                 </a:solidFill>
@@ -9859,7 +9386,7 @@
               <a:t>) and the average occurrence of the distinct operands (</a:t>
             </a:r>
             <a:r>
-              <a:rPr b="1" i="1" lang="en-US" sz="3200">
+              <a:rPr b="1" i="1" lang="en-CA" sz="2200">
                 <a:solidFill>
                   <a:srgbClr val="000000"/>
                 </a:solidFill>
@@ -9868,7 +9395,7 @@
               <a:t>N2 </a:t>
             </a:r>
             <a:r>
-              <a:rPr lang="en-US" sz="3200">
+              <a:rPr lang="en-CA" sz="2200">
                 <a:solidFill>
                   <a:srgbClr val="000000"/>
                 </a:solidFill>
@@ -9877,7 +9404,7 @@
               <a:t>/ </a:t>
             </a:r>
             <a:r>
-              <a:rPr b="1" i="1" lang="en-US" sz="3200">
+              <a:rPr b="1" i="1" lang="en-CA" sz="2200">
                 <a:solidFill>
                   <a:srgbClr val="000000"/>
                 </a:solidFill>
@@ -9886,7 +9413,7 @@
               <a:t>n2</a:t>
             </a:r>
             <a:r>
-              <a:rPr lang="en-US" sz="3200">
+              <a:rPr lang="en-CA" sz="2200">
                 <a:solidFill>
                   <a:srgbClr val="000000"/>
                 </a:solidFill>
@@ -9905,7 +9432,7 @@
               <a:buChar char="•"/>
             </a:pPr>
             <a:r>
-              <a:rPr lang="en-US" sz="3200">
+              <a:rPr lang="en-CA" sz="2200">
                 <a:solidFill>
                   <a:srgbClr val="000000"/>
                 </a:solidFill>
@@ -9919,21 +9446,21 @@
       </p:sp>
       <p:sp>
         <p:nvSpPr>
-          <p:cNvPr id="104" name="TextShape 3"/>
-          <p:cNvSpPr txBox="1"/>
+          <p:cNvPr id="99" name="CustomShape 3"/>
+          <p:cNvSpPr/>
           <p:nvPr/>
         </p:nvSpPr>
         <p:spPr>
           <a:xfrm>
             <a:off x="457200" y="1600200"/>
-            <a:ext cx="8229240" cy="4525560"/>
-          </a:xfrm>
-          <a:prstGeom prst="rect">
-            <a:avLst/>
-          </a:prstGeom>
-        </p:spPr>
-        <p:txBody>
-          <a:bodyPr/>
+            <a:ext cx="8228880" cy="4525200"/>
+          </a:xfrm>
+          <a:prstGeom prst="rect">
+            <a:avLst/>
+          </a:prstGeom>
+        </p:spPr>
+        <p:txBody>
+          <a:bodyPr bIns="45000" lIns="90000" rIns="90000" tIns="45000"/>
           <a:p>
             <a:pPr>
               <a:lnSpc>
@@ -9943,7 +9470,7 @@
               <a:buChar char="•"/>
             </a:pPr>
             <a:r>
-              <a:rPr lang="en-US" sz="3200">
+              <a:rPr lang="en-CA" sz="3200">
                 <a:solidFill>
                   <a:srgbClr val="000000"/>
                 </a:solidFill>
@@ -9957,28 +9484,28 @@
       </p:sp>
       <p:sp>
         <p:nvSpPr>
-          <p:cNvPr id="105" name="TextShape 4"/>
-          <p:cNvSpPr txBox="1"/>
+          <p:cNvPr id="100" name="CustomShape 4"/>
+          <p:cNvSpPr/>
           <p:nvPr/>
         </p:nvSpPr>
         <p:spPr>
           <a:xfrm>
             <a:off x="6553080" y="6356520"/>
-            <a:ext cx="2133360" cy="364680"/>
-          </a:xfrm>
-          <a:prstGeom prst="rect">
-            <a:avLst/>
-          </a:prstGeom>
-        </p:spPr>
-        <p:txBody>
-          <a:bodyPr anchor="ctr"/>
+            <a:ext cx="2133000" cy="364320"/>
+          </a:xfrm>
+          <a:prstGeom prst="rect">
+            <a:avLst/>
+          </a:prstGeom>
+        </p:spPr>
+        <p:txBody>
+          <a:bodyPr anchor="ctr" bIns="45000" lIns="90000" rIns="90000" tIns="45000"/>
           <a:p>
             <a:pPr algn="r">
               <a:lnSpc>
                 <a:spcPct val="100000"/>
               </a:lnSpc>
             </a:pPr>
-            <a:fld id="{C6D6FF20-B263-444A-8B2E-9A725CD7AFF9}" type="slidenum">
+            <a:fld id="{DBC9043D-AF90-450A-AC6D-B01721423AE8}" type="slidenum">
               <a:rPr lang="en-CA" sz="1200">
                 <a:solidFill>
                   <a:srgbClr val="8b8b8b"/>
@@ -9993,6 +9520,33 @@
       </p:sp>
     </p:spTree>
   </p:cSld>
+  <p:timing>
+    <p:tnLst>
+      <p:par>
+        <p:cTn dur="indefinite" id="47" nodeType="tmRoot" restart="never">
+          <p:childTnLst>
+            <p:seq>
+              <p:cTn id="48" nodeType="mainSeq"/>
+              <p:prevCondLst>
+                <p:cond delay="0" evt="onPrev">
+                  <p:tgtEl>
+                    <p:sldTgt/>
+                  </p:tgtEl>
+                </p:cond>
+              </p:prevCondLst>
+              <p:nextCondLst>
+                <p:cond delay="0" evt="onNext">
+                  <p:tgtEl>
+                    <p:sldTgt/>
+                  </p:tgtEl>
+                </p:cond>
+              </p:nextCondLst>
+            </p:seq>
+          </p:childTnLst>
+        </p:cTn>
+      </p:par>
+    </p:tnLst>
+  </p:timing>
 </p:sld>
 </file>
 
@@ -10015,21 +9569,21 @@
       </p:grpSpPr>
       <p:sp>
         <p:nvSpPr>
-          <p:cNvPr id="106" name="TextShape 1"/>
-          <p:cNvSpPr txBox="1"/>
+          <p:cNvPr id="101" name="CustomShape 1"/>
+          <p:cNvSpPr/>
           <p:nvPr/>
         </p:nvSpPr>
         <p:spPr>
           <a:xfrm>
             <a:off x="457200" y="274680"/>
-            <a:ext cx="8229240" cy="1142640"/>
-          </a:xfrm>
-          <a:prstGeom prst="rect">
-            <a:avLst/>
-          </a:prstGeom>
-        </p:spPr>
-        <p:txBody>
-          <a:bodyPr anchor="ctr"/>
+            <a:ext cx="8228880" cy="1142280"/>
+          </a:xfrm>
+          <a:prstGeom prst="rect">
+            <a:avLst/>
+          </a:prstGeom>
+        </p:spPr>
+        <p:txBody>
+          <a:bodyPr anchor="ctr" bIns="45000" lIns="90000" rIns="90000" tIns="45000"/>
           <a:p>
             <a:pPr algn="ctr">
               <a:lnSpc>
@@ -10037,7 +9591,7 @@
               </a:lnSpc>
             </a:pPr>
             <a:r>
-              <a:rPr lang="en-US" sz="4400">
+              <a:rPr lang="en-CA" sz="4400">
                 <a:solidFill>
                   <a:srgbClr val="000000"/>
                 </a:solidFill>
@@ -10051,21 +9605,21 @@
       </p:sp>
       <p:sp>
         <p:nvSpPr>
-          <p:cNvPr id="107" name="TextShape 2"/>
-          <p:cNvSpPr txBox="1"/>
+          <p:cNvPr id="102" name="CustomShape 2"/>
+          <p:cNvSpPr/>
           <p:nvPr/>
         </p:nvSpPr>
         <p:spPr>
           <a:xfrm>
             <a:off x="304920" y="1600200"/>
-            <a:ext cx="8534160" cy="4525560"/>
-          </a:xfrm>
-          <a:prstGeom prst="rect">
-            <a:avLst/>
-          </a:prstGeom>
-        </p:spPr>
-        <p:txBody>
-          <a:bodyPr/>
+            <a:ext cx="8533800" cy="4525200"/>
+          </a:xfrm>
+          <a:prstGeom prst="rect">
+            <a:avLst/>
+          </a:prstGeom>
+        </p:spPr>
+        <p:txBody>
+          <a:bodyPr bIns="45000" lIns="90000" rIns="90000" tIns="45000"/>
           <a:p>
             <a:pPr>
               <a:lnSpc>
@@ -10075,7 +9629,7 @@
               <a:buChar char="•"/>
             </a:pPr>
             <a:r>
-              <a:rPr lang="en-US" sz="3200">
+              <a:rPr lang="en-CA" sz="2200">
                 <a:solidFill>
                   <a:srgbClr val="000000"/>
                 </a:solidFill>
@@ -10092,7 +9646,7 @@
               </a:lnSpc>
             </a:pPr>
             <a:r>
-              <a:rPr lang="en-US" sz="3200">
+              <a:rPr lang="en-CA" sz="2200">
                 <a:solidFill>
                   <a:srgbClr val="000000"/>
                 </a:solidFill>
@@ -10101,7 +9655,7 @@
               <a:t>The number </a:t>
             </a:r>
             <a:r>
-              <a:rPr b="1" lang="en-US" sz="3200">
+              <a:rPr b="1" lang="en-CA" sz="2200">
                 <a:solidFill>
                   <a:srgbClr val="000000"/>
                 </a:solidFill>
@@ -10110,7 +9664,7 @@
               <a:t>18</a:t>
             </a:r>
             <a:r>
-              <a:rPr lang="en-US" sz="3200">
+              <a:rPr lang="en-CA" sz="2200">
                 <a:solidFill>
                   <a:srgbClr val="000000"/>
                 </a:solidFill>
@@ -10129,7 +9683,7 @@
               <a:buChar char="•"/>
             </a:pPr>
             <a:r>
-              <a:rPr lang="en-US" sz="3200">
+              <a:rPr lang="en-CA" sz="2200">
                 <a:solidFill>
                   <a:srgbClr val="000000"/>
                 </a:solidFill>
@@ -10146,7 +9700,7 @@
               </a:lnSpc>
             </a:pPr>
             <a:r>
-              <a:rPr lang="en-US" sz="3200">
+              <a:rPr lang="en-CA" sz="2200">
                 <a:solidFill>
                   <a:srgbClr val="000000"/>
                 </a:solidFill>
@@ -10155,7 +9709,7 @@
               <a:t>where </a:t>
             </a:r>
             <a:r>
-              <a:rPr i="1" lang="en-US" sz="3200">
+              <a:rPr i="1" lang="en-CA" sz="2200">
                 <a:solidFill>
                   <a:srgbClr val="000000"/>
                 </a:solidFill>
@@ -10164,7 +9718,7 @@
               <a:t>S*</a:t>
             </a:r>
             <a:r>
-              <a:rPr lang="en-US" sz="3200">
+              <a:rPr lang="en-CA" sz="2200">
                 <a:solidFill>
                   <a:srgbClr val="000000"/>
                 </a:solidFill>
@@ -10173,7 +9727,7 @@
               <a:t> is the mean number of mental discriminations (decisions) between errors (a typical value is </a:t>
             </a:r>
             <a:r>
-              <a:rPr b="1" lang="en-US" sz="3200">
+              <a:rPr b="1" lang="en-CA" sz="2200">
                 <a:solidFill>
                   <a:srgbClr val="000000"/>
                 </a:solidFill>
@@ -10182,7 +9736,7 @@
               <a:t>3,000</a:t>
             </a:r>
             <a:r>
-              <a:rPr lang="en-US" sz="3200">
+              <a:rPr lang="en-CA" sz="2200">
                 <a:solidFill>
                   <a:srgbClr val="000000"/>
                 </a:solidFill>
@@ -10196,21 +9750,21 @@
       </p:sp>
       <p:sp>
         <p:nvSpPr>
-          <p:cNvPr id="108" name="TextShape 3"/>
-          <p:cNvSpPr txBox="1"/>
+          <p:cNvPr id="103" name="CustomShape 3"/>
+          <p:cNvSpPr/>
           <p:nvPr/>
         </p:nvSpPr>
         <p:spPr>
           <a:xfrm>
             <a:off x="304920" y="1600200"/>
-            <a:ext cx="8534160" cy="4525560"/>
-          </a:xfrm>
-          <a:prstGeom prst="rect">
-            <a:avLst/>
-          </a:prstGeom>
-        </p:spPr>
-        <p:txBody>
-          <a:bodyPr/>
+            <a:ext cx="8533800" cy="4525200"/>
+          </a:xfrm>
+          <a:prstGeom prst="rect">
+            <a:avLst/>
+          </a:prstGeom>
+        </p:spPr>
+        <p:txBody>
+          <a:bodyPr bIns="45000" lIns="90000" rIns="90000" tIns="45000"/>
           <a:p>
             <a:pPr>
               <a:lnSpc>
@@ -10220,7 +9774,7 @@
               <a:buChar char="•"/>
             </a:pPr>
             <a:r>
-              <a:rPr lang="en-US" sz="3200">
+              <a:rPr lang="en-CA" sz="3200">
                 <a:solidFill>
                   <a:srgbClr val="000000"/>
                 </a:solidFill>
@@ -10234,28 +9788,28 @@
       </p:sp>
       <p:sp>
         <p:nvSpPr>
-          <p:cNvPr id="109" name="TextShape 4"/>
-          <p:cNvSpPr txBox="1"/>
+          <p:cNvPr id="104" name="CustomShape 4"/>
+          <p:cNvSpPr/>
           <p:nvPr/>
         </p:nvSpPr>
         <p:spPr>
           <a:xfrm>
             <a:off x="6553080" y="6356520"/>
-            <a:ext cx="2133360" cy="364680"/>
-          </a:xfrm>
-          <a:prstGeom prst="rect">
-            <a:avLst/>
-          </a:prstGeom>
-        </p:spPr>
-        <p:txBody>
-          <a:bodyPr anchor="ctr"/>
+            <a:ext cx="2133000" cy="364320"/>
+          </a:xfrm>
+          <a:prstGeom prst="rect">
+            <a:avLst/>
+          </a:prstGeom>
+        </p:spPr>
+        <p:txBody>
+          <a:bodyPr anchor="ctr" bIns="45000" lIns="90000" rIns="90000" tIns="45000"/>
           <a:p>
             <a:pPr algn="r">
               <a:lnSpc>
                 <a:spcPct val="100000"/>
               </a:lnSpc>
             </a:pPr>
-            <a:fld id="{291CA367-32C7-4C57-AEDF-488850FF0026}" type="slidenum">
+            <a:fld id="{3B7160F3-BA92-4502-B975-850E25881A5C}" type="slidenum">
               <a:rPr lang="en-CA" sz="1200">
                 <a:solidFill>
                   <a:srgbClr val="8b8b8b"/>
@@ -10270,6 +9824,33 @@
       </p:sp>
     </p:spTree>
   </p:cSld>
+  <p:timing>
+    <p:tnLst>
+      <p:par>
+        <p:cTn dur="indefinite" id="49" nodeType="tmRoot" restart="never">
+          <p:childTnLst>
+            <p:seq>
+              <p:cTn id="50" nodeType="mainSeq"/>
+              <p:prevCondLst>
+                <p:cond delay="0" evt="onPrev">
+                  <p:tgtEl>
+                    <p:sldTgt/>
+                  </p:tgtEl>
+                </p:cond>
+              </p:prevCondLst>
+              <p:nextCondLst>
+                <p:cond delay="0" evt="onNext">
+                  <p:tgtEl>
+                    <p:sldTgt/>
+                  </p:tgtEl>
+                </p:cond>
+              </p:nextCondLst>
+            </p:seq>
+          </p:childTnLst>
+        </p:cTn>
+      </p:par>
+    </p:tnLst>
+  </p:timing>
 </p:sld>
 </file>
 
@@ -10292,21 +9873,21 @@
       </p:grpSpPr>
       <p:sp>
         <p:nvSpPr>
-          <p:cNvPr id="110" name="TextShape 1"/>
-          <p:cNvSpPr txBox="1"/>
+          <p:cNvPr id="105" name="CustomShape 1"/>
+          <p:cNvSpPr/>
           <p:nvPr/>
         </p:nvSpPr>
         <p:spPr>
           <a:xfrm>
             <a:off x="457200" y="274680"/>
-            <a:ext cx="8229240" cy="1142640"/>
-          </a:xfrm>
-          <a:prstGeom prst="rect">
-            <a:avLst/>
-          </a:prstGeom>
-        </p:spPr>
-        <p:txBody>
-          <a:bodyPr anchor="ctr"/>
+            <a:ext cx="8228880" cy="1142280"/>
+          </a:xfrm>
+          <a:prstGeom prst="rect">
+            <a:avLst/>
+          </a:prstGeom>
+        </p:spPr>
+        <p:txBody>
+          <a:bodyPr anchor="ctr" bIns="45000" lIns="90000" rIns="90000" tIns="45000"/>
           <a:p>
             <a:pPr algn="ctr">
               <a:lnSpc>
@@ -10314,7 +9895,7 @@
               </a:lnSpc>
             </a:pPr>
             <a:r>
-              <a:rPr lang="en-US" sz="4400">
+              <a:rPr lang="en-CA" sz="4400">
                 <a:solidFill>
                   <a:srgbClr val="000000"/>
                 </a:solidFill>
@@ -10328,21 +9909,21 @@
       </p:sp>
       <p:sp>
         <p:nvSpPr>
-          <p:cNvPr id="111" name="TextShape 2"/>
-          <p:cNvSpPr txBox="1"/>
+          <p:cNvPr id="106" name="CustomShape 2"/>
+          <p:cNvSpPr/>
           <p:nvPr/>
         </p:nvSpPr>
         <p:spPr>
           <a:xfrm>
             <a:off x="457200" y="1600200"/>
-            <a:ext cx="8229240" cy="4525560"/>
-          </a:xfrm>
-          <a:prstGeom prst="rect">
-            <a:avLst/>
-          </a:prstGeom>
-        </p:spPr>
-        <p:txBody>
-          <a:bodyPr/>
+            <a:ext cx="8228880" cy="4525200"/>
+          </a:xfrm>
+          <a:prstGeom prst="rect">
+            <a:avLst/>
+          </a:prstGeom>
+        </p:spPr>
+        <p:txBody>
+          <a:bodyPr bIns="45000" lIns="90000" rIns="90000" tIns="45000"/>
           <a:p>
             <a:pPr>
               <a:lnSpc>
@@ -10368,7 +9949,7 @@
               <a:buChar char="•"/>
             </a:pPr>
             <a:r>
-              <a:rPr i="1" lang="en-US" sz="3200">
+              <a:rPr i="1" lang="en-CA" sz="3200">
                 <a:solidFill>
                   <a:srgbClr val="000000"/>
                 </a:solidFill>
@@ -10377,7 +9958,7 @@
               <a:t>E</a:t>
             </a:r>
             <a:r>
-              <a:rPr lang="en-US" sz="3200">
+              <a:rPr lang="en-CA" sz="3200">
                 <a:solidFill>
                   <a:srgbClr val="000000"/>
                 </a:solidFill>
@@ -10386,7 +9967,7 @@
               <a:t> = 307 </a:t>
             </a:r>
             <a:r>
-              <a:rPr lang="en-US" sz="3200">
+              <a:rPr lang="en-CA" sz="3200">
                 <a:solidFill>
                   <a:srgbClr val="000000"/>
                 </a:solidFill>
@@ -10395,7 +9976,7 @@
               <a:t></a:t>
             </a:r>
             <a:r>
-              <a:rPr lang="en-US" sz="3200">
+              <a:rPr lang="en-CA" sz="3200">
                 <a:solidFill>
                   <a:srgbClr val="000000"/>
                 </a:solidFill>
@@ -10414,7 +9995,7 @@
               <a:buChar char="•"/>
             </a:pPr>
             <a:r>
-              <a:rPr i="1" lang="en-US" sz="3200">
+              <a:rPr i="1" lang="en-CA" sz="3200">
                 <a:solidFill>
                   <a:srgbClr val="000000"/>
                 </a:solidFill>
@@ -10423,7 +10004,7 @@
               <a:t>T</a:t>
             </a:r>
             <a:r>
-              <a:rPr lang="en-US" sz="3200">
+              <a:rPr lang="en-CA" sz="3200">
                 <a:solidFill>
                   <a:srgbClr val="000000"/>
                 </a:solidFill>
@@ -10442,7 +10023,7 @@
               <a:buChar char="•"/>
             </a:pPr>
             <a:r>
-              <a:rPr i="1" lang="en-US" sz="3200">
+              <a:rPr i="1" lang="en-CA" sz="3200">
                 <a:solidFill>
                   <a:srgbClr val="000000"/>
                 </a:solidFill>
@@ -10451,7 +10032,7 @@
               <a:t>B</a:t>
             </a:r>
             <a:r>
-              <a:rPr lang="en-US" sz="3200">
+              <a:rPr lang="en-CA" sz="3200">
                 <a:solidFill>
                   <a:srgbClr val="000000"/>
                 </a:solidFill>
@@ -10465,21 +10046,21 @@
       </p:sp>
       <p:sp>
         <p:nvSpPr>
-          <p:cNvPr id="112" name="TextShape 3"/>
-          <p:cNvSpPr txBox="1"/>
+          <p:cNvPr id="107" name="CustomShape 3"/>
+          <p:cNvSpPr/>
           <p:nvPr/>
         </p:nvSpPr>
         <p:spPr>
           <a:xfrm>
             <a:off x="457200" y="1600200"/>
-            <a:ext cx="8229240" cy="4525560"/>
-          </a:xfrm>
-          <a:prstGeom prst="rect">
-            <a:avLst/>
-          </a:prstGeom>
-        </p:spPr>
-        <p:txBody>
-          <a:bodyPr/>
+            <a:ext cx="8228880" cy="4525200"/>
+          </a:xfrm>
+          <a:prstGeom prst="rect">
+            <a:avLst/>
+          </a:prstGeom>
+        </p:spPr>
+        <p:txBody>
+          <a:bodyPr bIns="45000" lIns="90000" rIns="90000" tIns="45000"/>
           <a:p>
             <a:pPr>
               <a:lnSpc>
@@ -10489,7 +10070,7 @@
               <a:buChar char="•"/>
             </a:pPr>
             <a:r>
-              <a:rPr lang="en-US" sz="3200">
+              <a:rPr lang="en-CA" sz="3200">
                 <a:solidFill>
                   <a:srgbClr val="000000"/>
                 </a:solidFill>
@@ -10503,28 +10084,28 @@
       </p:sp>
       <p:sp>
         <p:nvSpPr>
-          <p:cNvPr id="113" name="TextShape 4"/>
-          <p:cNvSpPr txBox="1"/>
+          <p:cNvPr id="108" name="CustomShape 4"/>
+          <p:cNvSpPr/>
           <p:nvPr/>
         </p:nvSpPr>
         <p:spPr>
           <a:xfrm>
             <a:off x="6553080" y="6356520"/>
-            <a:ext cx="2133360" cy="364680"/>
-          </a:xfrm>
-          <a:prstGeom prst="rect">
-            <a:avLst/>
-          </a:prstGeom>
-        </p:spPr>
-        <p:txBody>
-          <a:bodyPr anchor="ctr"/>
+            <a:ext cx="2133000" cy="364320"/>
+          </a:xfrm>
+          <a:prstGeom prst="rect">
+            <a:avLst/>
+          </a:prstGeom>
+        </p:spPr>
+        <p:txBody>
+          <a:bodyPr anchor="ctr" bIns="45000" lIns="90000" rIns="90000" tIns="45000"/>
           <a:p>
             <a:pPr algn="r">
               <a:lnSpc>
                 <a:spcPct val="100000"/>
               </a:lnSpc>
             </a:pPr>
-            <a:fld id="{0C2A51DC-88DB-48CF-A7F3-793287DE9BB1}" type="slidenum">
+            <a:fld id="{B15C810A-3A87-41B4-B55C-60D8E1019D24}" type="slidenum">
               <a:rPr lang="en-CA" sz="1200">
                 <a:solidFill>
                   <a:srgbClr val="8b8b8b"/>
@@ -10561,21 +10142,21 @@
       </p:grpSpPr>
       <p:sp>
         <p:nvSpPr>
-          <p:cNvPr id="114" name="TextShape 1"/>
-          <p:cNvSpPr txBox="1"/>
+          <p:cNvPr id="109" name="CustomShape 1"/>
+          <p:cNvSpPr/>
           <p:nvPr/>
         </p:nvSpPr>
         <p:spPr>
           <a:xfrm>
             <a:off x="457200" y="274680"/>
-            <a:ext cx="8229240" cy="1142640"/>
-          </a:xfrm>
-          <a:prstGeom prst="rect">
-            <a:avLst/>
-          </a:prstGeom>
-        </p:spPr>
-        <p:txBody>
-          <a:bodyPr anchor="ctr"/>
+            <a:ext cx="8228880" cy="1142280"/>
+          </a:xfrm>
+          <a:prstGeom prst="rect">
+            <a:avLst/>
+          </a:prstGeom>
+        </p:spPr>
+        <p:txBody>
+          <a:bodyPr anchor="ctr" bIns="45000" lIns="90000" rIns="90000" tIns="45000"/>
           <a:p>
             <a:pPr algn="ctr">
               <a:lnSpc>
@@ -10583,7 +10164,7 @@
               </a:lnSpc>
             </a:pPr>
             <a:r>
-              <a:rPr lang="en-US" sz="4400">
+              <a:rPr lang="en-CA" sz="4400">
                 <a:solidFill>
                   <a:srgbClr val="000000"/>
                 </a:solidFill>
@@ -10597,21 +10178,21 @@
       </p:sp>
       <p:sp>
         <p:nvSpPr>
-          <p:cNvPr id="115" name="TextShape 2"/>
-          <p:cNvSpPr txBox="1"/>
+          <p:cNvPr id="110" name="CustomShape 2"/>
+          <p:cNvSpPr/>
           <p:nvPr/>
         </p:nvSpPr>
         <p:spPr>
           <a:xfrm>
             <a:off x="4419720" y="1822320"/>
-            <a:ext cx="4619880" cy="4273560"/>
-          </a:xfrm>
-          <a:prstGeom prst="rect">
-            <a:avLst/>
-          </a:prstGeom>
-        </p:spPr>
-        <p:txBody>
-          <a:bodyPr/>
+            <a:ext cx="4619520" cy="4273200"/>
+          </a:xfrm>
+          <a:prstGeom prst="rect">
+            <a:avLst/>
+          </a:prstGeom>
+        </p:spPr>
+        <p:txBody>
+          <a:bodyPr bIns="45000" lIns="90000" rIns="90000" tIns="45000"/>
           <a:p>
             <a:pPr>
               <a:lnSpc>
@@ -10619,7 +10200,7 @@
               </a:lnSpc>
             </a:pPr>
             <a:r>
-              <a:rPr b="1" lang="en-US">
+              <a:rPr b="1" lang="en-CA">
                 <a:solidFill>
                   <a:srgbClr val="7f0055"/>
                 </a:solidFill>
@@ -10628,7 +10209,7 @@
               <a:t>public</a:t>
             </a:r>
             <a:r>
-              <a:rPr b="1" lang="en-US">
+              <a:rPr b="1" lang="en-CA">
                 <a:solidFill>
                   <a:srgbClr val="000000"/>
                 </a:solidFill>
@@ -10637,7 +10218,7 @@
               <a:t> </a:t>
             </a:r>
             <a:r>
-              <a:rPr b="1" lang="en-US">
+              <a:rPr b="1" lang="en-CA">
                 <a:solidFill>
                   <a:srgbClr val="7f0055"/>
                 </a:solidFill>
@@ -10646,7 +10227,7 @@
               <a:t>void</a:t>
             </a:r>
             <a:r>
-              <a:rPr b="1" lang="en-US">
+              <a:rPr b="1" lang="en-CA">
                 <a:solidFill>
                   <a:srgbClr val="000000"/>
                 </a:solidFill>
@@ -10655,7 +10236,7 @@
               <a:t> sort(</a:t>
             </a:r>
             <a:r>
-              <a:rPr b="1" lang="en-US">
+              <a:rPr b="1" lang="en-CA">
                 <a:solidFill>
                   <a:srgbClr val="7f0055"/>
                 </a:solidFill>
@@ -10664,7 +10245,7 @@
               <a:t>int</a:t>
             </a:r>
             <a:r>
-              <a:rPr b="1" lang="en-US">
+              <a:rPr b="1" lang="en-CA">
                 <a:solidFill>
                   <a:srgbClr val="000000"/>
                 </a:solidFill>
@@ -10673,7 +10254,7 @@
               <a:t> a[], </a:t>
             </a:r>
             <a:r>
-              <a:rPr b="1" lang="en-US">
+              <a:rPr b="1" lang="en-CA">
                 <a:solidFill>
                   <a:srgbClr val="7f0055"/>
                 </a:solidFill>
@@ -10682,7 +10263,7 @@
               <a:t>int</a:t>
             </a:r>
             <a:r>
-              <a:rPr b="1" lang="en-US">
+              <a:rPr b="1" lang="en-CA">
                 <a:solidFill>
                   <a:srgbClr val="000000"/>
                 </a:solidFill>
@@ -10699,7 +10280,7 @@
               </a:lnSpc>
             </a:pPr>
             <a:r>
-              <a:rPr b="1" lang="en-US">
+              <a:rPr b="1" lang="en-CA">
                 <a:solidFill>
                   <a:srgbClr val="7f0055"/>
                 </a:solidFill>
@@ -10708,7 +10289,7 @@
               <a:t>    </a:t>
             </a:r>
             <a:r>
-              <a:rPr b="1" lang="en-US">
+              <a:rPr b="1" lang="en-CA">
                 <a:solidFill>
                   <a:srgbClr val="7f0055"/>
                 </a:solidFill>
@@ -10717,7 +10298,7 @@
               <a:t>int</a:t>
             </a:r>
             <a:r>
-              <a:rPr b="1" lang="en-US">
+              <a:rPr b="1" lang="en-CA">
                 <a:solidFill>
                   <a:srgbClr val="000000"/>
                 </a:solidFill>
@@ -10734,7 +10315,7 @@
               </a:lnSpc>
             </a:pPr>
             <a:r>
-              <a:rPr b="1" lang="en-US">
+              <a:rPr b="1" lang="en-CA">
                 <a:solidFill>
                   <a:srgbClr val="7f0055"/>
                 </a:solidFill>
@@ -10743,7 +10324,7 @@
               <a:t>    </a:t>
             </a:r>
             <a:r>
-              <a:rPr b="1" lang="en-US">
+              <a:rPr b="1" lang="en-CA">
                 <a:solidFill>
                   <a:srgbClr val="7f0055"/>
                 </a:solidFill>
@@ -10752,7 +10333,7 @@
               <a:t>if</a:t>
             </a:r>
             <a:r>
-              <a:rPr b="1" lang="en-US">
+              <a:rPr b="1" lang="en-CA">
                 <a:solidFill>
                   <a:srgbClr val="000000"/>
                 </a:solidFill>
@@ -10761,7 +10342,7 @@
               <a:t> (n &lt; 2) </a:t>
             </a:r>
             <a:r>
-              <a:rPr b="1" lang="en-US">
+              <a:rPr b="1" lang="en-CA">
                 <a:solidFill>
                   <a:srgbClr val="7f0055"/>
                 </a:solidFill>
@@ -10770,7 +10351,7 @@
               <a:t>return</a:t>
             </a:r>
             <a:r>
-              <a:rPr b="1" lang="en-US">
+              <a:rPr b="1" lang="en-CA">
                 <a:solidFill>
                   <a:srgbClr val="000000"/>
                 </a:solidFill>
@@ -10787,7 +10368,7 @@
               </a:lnSpc>
             </a:pPr>
             <a:r>
-              <a:rPr b="1" lang="en-US">
+              <a:rPr b="1" lang="en-CA">
                 <a:solidFill>
                   <a:srgbClr val="7f0055"/>
                 </a:solidFill>
@@ -10796,7 +10377,7 @@
               <a:t>    </a:t>
             </a:r>
             <a:r>
-              <a:rPr b="1" lang="en-US">
+              <a:rPr b="1" lang="en-CA">
                 <a:solidFill>
                   <a:srgbClr val="7f0055"/>
                 </a:solidFill>
@@ -10805,7 +10386,7 @@
               <a:t>for</a:t>
             </a:r>
             <a:r>
-              <a:rPr b="1" lang="en-US">
+              <a:rPr b="1" lang="en-CA">
                 <a:solidFill>
                   <a:srgbClr val="000000"/>
                 </a:solidFill>
@@ -10822,7 +10403,7 @@
               </a:lnSpc>
             </a:pPr>
             <a:r>
-              <a:rPr b="1" lang="en-US">
+              <a:rPr b="1" lang="en-CA">
                 <a:solidFill>
                   <a:srgbClr val="7f0055"/>
                 </a:solidFill>
@@ -10831,7 +10412,7 @@
               <a:t>        </a:t>
             </a:r>
             <a:r>
-              <a:rPr b="1" lang="en-US">
+              <a:rPr b="1" lang="en-CA">
                 <a:solidFill>
                   <a:srgbClr val="7f0055"/>
                 </a:solidFill>
@@ -10840,7 +10421,7 @@
               <a:t>for</a:t>
             </a:r>
             <a:r>
-              <a:rPr b="1" lang="en-US">
+              <a:rPr b="1" lang="en-CA">
                 <a:solidFill>
                   <a:srgbClr val="000000"/>
                 </a:solidFill>
@@ -10857,7 +10438,7 @@
               </a:lnSpc>
             </a:pPr>
             <a:r>
-              <a:rPr b="1" lang="en-US">
+              <a:rPr b="1" lang="en-CA">
                 <a:solidFill>
                   <a:srgbClr val="7f0055"/>
                 </a:solidFill>
@@ -10866,7 +10447,7 @@
               <a:t>            </a:t>
             </a:r>
             <a:r>
-              <a:rPr b="1" lang="en-US">
+              <a:rPr b="1" lang="en-CA">
                 <a:solidFill>
                   <a:srgbClr val="7f0055"/>
                 </a:solidFill>
@@ -10875,7 +10456,7 @@
               <a:t>if</a:t>
             </a:r>
             <a:r>
-              <a:rPr b="1" lang="en-US">
+              <a:rPr b="1" lang="en-CA">
                 <a:solidFill>
                   <a:srgbClr val="000000"/>
                 </a:solidFill>
@@ -10892,7 +10473,7 @@
               </a:lnSpc>
             </a:pPr>
             <a:r>
-              <a:rPr b="1" lang="en-US">
+              <a:rPr b="1" lang="en-CA">
                 <a:solidFill>
                   <a:srgbClr val="000000"/>
                 </a:solidFill>
@@ -10901,7 +10482,7 @@
               <a:t>                </a:t>
             </a:r>
             <a:r>
-              <a:rPr b="1" lang="en-US">
+              <a:rPr b="1" lang="en-CA">
                 <a:solidFill>
                   <a:srgbClr val="000000"/>
                 </a:solidFill>
@@ -10918,7 +10499,7 @@
               </a:lnSpc>
             </a:pPr>
             <a:r>
-              <a:rPr b="1" lang="en-US">
+              <a:rPr b="1" lang="en-CA">
                 <a:solidFill>
                   <a:srgbClr val="000000"/>
                 </a:solidFill>
@@ -10927,7 +10508,7 @@
               <a:t>                </a:t>
             </a:r>
             <a:r>
-              <a:rPr b="1" lang="en-US">
+              <a:rPr b="1" lang="en-CA">
                 <a:solidFill>
                   <a:srgbClr val="000000"/>
                 </a:solidFill>
@@ -10944,7 +10525,7 @@
               </a:lnSpc>
             </a:pPr>
             <a:r>
-              <a:rPr b="1" lang="en-US">
+              <a:rPr b="1" lang="en-CA">
                 <a:solidFill>
                   <a:srgbClr val="000000"/>
                 </a:solidFill>
@@ -10953,7 +10534,7 @@
               <a:t>                </a:t>
             </a:r>
             <a:r>
-              <a:rPr b="1" lang="en-US">
+              <a:rPr b="1" lang="en-CA">
                 <a:solidFill>
                   <a:srgbClr val="000000"/>
                 </a:solidFill>
@@ -10970,7 +10551,7 @@
               </a:lnSpc>
             </a:pPr>
             <a:r>
-              <a:rPr b="1" lang="en-US">
+              <a:rPr b="1" lang="en-CA">
                 <a:solidFill>
                   <a:srgbClr val="000000"/>
                 </a:solidFill>
@@ -10979,7 +10560,7 @@
               <a:t>            </a:t>
             </a:r>
             <a:r>
-              <a:rPr b="1" lang="en-US">
+              <a:rPr b="1" lang="en-CA">
                 <a:solidFill>
                   <a:srgbClr val="000000"/>
                 </a:solidFill>
@@ -10996,7 +10577,7 @@
               </a:lnSpc>
             </a:pPr>
             <a:r>
-              <a:rPr b="1" lang="en-US">
+              <a:rPr b="1" lang="en-CA">
                 <a:solidFill>
                   <a:srgbClr val="000000"/>
                 </a:solidFill>
@@ -11005,7 +10586,7 @@
               <a:t>        </a:t>
             </a:r>
             <a:r>
-              <a:rPr b="1" lang="en-US">
+              <a:rPr b="1" lang="en-CA">
                 <a:solidFill>
                   <a:srgbClr val="000000"/>
                 </a:solidFill>
@@ -11022,7 +10603,7 @@
               </a:lnSpc>
             </a:pPr>
             <a:r>
-              <a:rPr b="1" lang="en-US">
+              <a:rPr b="1" lang="en-CA">
                 <a:solidFill>
                   <a:srgbClr val="000000"/>
                 </a:solidFill>
@@ -11031,7 +10612,7 @@
               <a:t>    </a:t>
             </a:r>
             <a:r>
-              <a:rPr b="1" lang="en-US">
+              <a:rPr b="1" lang="en-CA">
                 <a:solidFill>
                   <a:srgbClr val="000000"/>
                 </a:solidFill>
@@ -11048,7 +10629,7 @@
               </a:lnSpc>
             </a:pPr>
             <a:r>
-              <a:rPr b="1" lang="en-US">
+              <a:rPr b="1" lang="en-CA">
                 <a:solidFill>
                   <a:srgbClr val="000000"/>
                 </a:solidFill>
@@ -11062,28 +10643,28 @@
       </p:sp>
       <p:sp>
         <p:nvSpPr>
-          <p:cNvPr id="116" name="TextShape 3"/>
-          <p:cNvSpPr txBox="1"/>
+          <p:cNvPr id="111" name="CustomShape 3"/>
+          <p:cNvSpPr/>
           <p:nvPr/>
         </p:nvSpPr>
         <p:spPr>
           <a:xfrm>
             <a:off x="6553080" y="6356520"/>
-            <a:ext cx="2133360" cy="364680"/>
-          </a:xfrm>
-          <a:prstGeom prst="rect">
-            <a:avLst/>
-          </a:prstGeom>
-        </p:spPr>
-        <p:txBody>
-          <a:bodyPr anchor="ctr"/>
+            <a:ext cx="2133000" cy="364320"/>
+          </a:xfrm>
+          <a:prstGeom prst="rect">
+            <a:avLst/>
+          </a:prstGeom>
+        </p:spPr>
+        <p:txBody>
+          <a:bodyPr anchor="ctr" bIns="45000" lIns="90000" rIns="90000" tIns="45000"/>
           <a:p>
             <a:pPr algn="r">
               <a:lnSpc>
                 <a:spcPct val="100000"/>
               </a:lnSpc>
             </a:pPr>
-            <a:fld id="{F9C11851-D327-4E29-829C-512B13E9C5C1}" type="slidenum">
+            <a:fld id="{0BDCF898-AAA4-4F66-9352-C5968A7C2A51}" type="slidenum">
               <a:rPr lang="en-CA" sz="1200">
                 <a:solidFill>
                   <a:srgbClr val="8b8b8b"/>
@@ -11098,14 +10679,14 @@
       </p:sp>
       <p:sp>
         <p:nvSpPr>
-          <p:cNvPr id="117" name="CustomShape 4"/>
+          <p:cNvPr id="112" name="CustomShape 4"/>
           <p:cNvSpPr/>
           <p:nvPr/>
         </p:nvSpPr>
         <p:spPr>
           <a:xfrm>
             <a:off x="65880" y="1830960"/>
-            <a:ext cx="4200840" cy="4264560"/>
+            <a:ext cx="4200480" cy="4264200"/>
           </a:xfrm>
           <a:prstGeom prst="rect">
             <a:avLst/>
@@ -11117,7 +10698,7 @@
           </a:ln>
         </p:spPr>
         <p:txBody>
-          <a:bodyPr/>
+          <a:bodyPr bIns="45000" lIns="90000" rIns="90000" tIns="45000"/>
           <a:p>
             <a:pPr>
               <a:lnSpc>
@@ -11524,14 +11105,14 @@
       </p:sp>
       <p:sp>
         <p:nvSpPr>
-          <p:cNvPr id="118" name="CustomShape 5"/>
+          <p:cNvPr id="113" name="CustomShape 5"/>
           <p:cNvSpPr/>
           <p:nvPr/>
         </p:nvSpPr>
         <p:spPr>
           <a:xfrm>
             <a:off x="1482120" y="1461600"/>
-            <a:ext cx="1383480" cy="364680"/>
+            <a:ext cx="1383120" cy="364320"/>
           </a:xfrm>
           <a:prstGeom prst="rect">
             <a:avLst/>
@@ -11560,14 +11141,14 @@
       </p:sp>
       <p:sp>
         <p:nvSpPr>
-          <p:cNvPr id="119" name="CustomShape 6"/>
+          <p:cNvPr id="114" name="CustomShape 6"/>
           <p:cNvSpPr/>
           <p:nvPr/>
         </p:nvSpPr>
         <p:spPr>
           <a:xfrm>
             <a:off x="6014160" y="1461600"/>
-            <a:ext cx="1383480" cy="364680"/>
+            <a:ext cx="1383120" cy="364320"/>
           </a:xfrm>
           <a:prstGeom prst="rect">
             <a:avLst/>
@@ -11599,86 +11180,25 @@
   <p:timing>
     <p:tnLst>
       <p:par>
-        <p:cTn dur="indefinite" id="47" nodeType="tmRoot" restart="never">
+        <p:cTn dur="indefinite" id="51" nodeType="tmRoot" restart="never">
           <p:childTnLst>
             <p:seq>
-              <p:cTn dur="indefinite" id="48" nodeType="mainSeq">
+              <p:cTn dur="indefinite" id="52" nodeType="mainSeq">
                 <p:childTnLst>
                   <p:par>
-                    <p:cTn fill="hold" id="49">
+                    <p:cTn fill="hold" id="53">
                       <p:stCondLst>
                         <p:cond delay="indefinite"/>
                       </p:stCondLst>
                       <p:childTnLst>
                         <p:par>
-                          <p:cTn fill="hold" id="50">
+                          <p:cTn fill="hold" id="54">
                             <p:stCondLst>
                               <p:cond delay="0"/>
                             </p:stCondLst>
                             <p:childTnLst>
                               <p:par>
-                                <p:cTn fill="hold" id="51" nodeType="clickEffect" presetClass="emph" presetID="16">
-                                  <p:stCondLst>
-                                    <p:cond delay="0"/>
-                                  </p:stCondLst>
-                                  <p:childTnLst>
-                                    <p:set>
-                                      <p:cBhvr>
-                                        <p:cTn dur="500" fill="hold" id="52"/>
-                                        <p:tgtEl>
-                                          <p:spTgt spid="117">
-                                            <p:txEl>
-                                              <p:pRg end="50" st="35"/>
-                                            </p:txEl>
-                                          </p:spTgt>
-                                        </p:tgtEl>
-                                        <p:attrNameLst>
-                                          <p:attrName/>
-                                        </p:attrNameLst>
-                                      </p:cBhvr>
-                                      <p:to>
-                                        <p:strVal val="rgb(80,-80,0)"/>
-                                      </p:to>
-                                    </p:set>
-                                    <p:set>
-                                      <p:cBhvr>
-                                        <p:cTn dur="500" fill="hold" id="53"/>
-                                        <p:tgtEl>
-                                          <p:spTgt spid="117">
-                                            <p:txEl>
-                                              <p:pRg end="50" st="35"/>
-                                            </p:txEl>
-                                          </p:spTgt>
-                                        </p:tgtEl>
-                                        <p:attrNameLst>
-                                          <p:attrName/>
-                                        </p:attrNameLst>
-                                      </p:cBhvr>
-                                      <p:to>
-                                        <p:strVal val="rgb(80,-80,0)"/>
-                                      </p:to>
-                                    </p:set>
-                                    <p:set>
-                                      <p:cBhvr>
-                                        <p:cTn dur="500" fill="hold" id="54"/>
-                                        <p:tgtEl>
-                                          <p:spTgt spid="117">
-                                            <p:txEl>
-                                              <p:pRg end="50" st="35"/>
-                                            </p:txEl>
-                                          </p:spTgt>
-                                        </p:tgtEl>
-                                        <p:attrNameLst>
-                                          <p:attrName/>
-                                        </p:attrNameLst>
-                                      </p:cBhvr>
-                                      <p:to/>
-                                    </p:set>
-                                  </p:childTnLst>
-                                </p:cTn>
-                              </p:par>
-                              <p:par>
-                                <p:cTn fill="hold" id="55" nodeType="withEffect" presetClass="emph" presetID="16">
+                                <p:cTn fill="hold" id="55" nodeType="clickEffect" presetClass="emph" presetID="16">
                                   <p:stCondLst>
                                     <p:cond delay="0"/>
                                   </p:stCondLst>
@@ -11687,53 +11207,39 @@
                                       <p:cBhvr>
                                         <p:cTn dur="500" fill="hold" id="56"/>
                                         <p:tgtEl>
-                                          <p:spTgt spid="117">
+                                          <p:spTgt spid="112">
                                             <p:txEl>
-                                              <p:pRg end="62" st="50"/>
+                                              <p:pRg end="283" st="283"/>
                                             </p:txEl>
                                           </p:spTgt>
                                         </p:tgtEl>
-                                        <p:attrNameLst>
-                                          <p:attrName/>
-                                        </p:attrNameLst>
                                       </p:cBhvr>
-                                      <p:to>
-                                        <p:strVal val="rgb(80,-80,0)"/>
-                                      </p:to>
+                                      <p:to/>
                                     </p:set>
                                     <p:set>
                                       <p:cBhvr>
                                         <p:cTn dur="500" fill="hold" id="57"/>
                                         <p:tgtEl>
-                                          <p:spTgt spid="117">
+                                          <p:spTgt spid="112">
                                             <p:txEl>
-                                              <p:pRg end="62" st="50"/>
+                                              <p:pRg end="283" st="283"/>
                                             </p:txEl>
                                           </p:spTgt>
                                         </p:tgtEl>
-                                        <p:attrNameLst>
-                                          <p:attrName/>
-                                        </p:attrNameLst>
                                       </p:cBhvr>
-                                      <p:to>
-                                        <p:strVal val="rgb(80,-80,0)"/>
-                                      </p:to>
+                                      <p:to/>
                                     </p:set>
                                     <p:set>
                                       <p:cBhvr>
                                         <p:cTn dur="500" fill="hold" id="58"/>
                                         <p:tgtEl>
-                                          <p:spTgt spid="117">
+                                          <p:spTgt spid="112">
                                             <p:txEl>
-                                              <p:pRg end="62" st="50"/>
+                                              <p:pRg end="283" st="283"/>
                                             </p:txEl>
                                           </p:spTgt>
                                         </p:tgtEl>
-                                        <p:attrNameLst>
-                                          <p:attrName/>
-                                        </p:attrNameLst>
                                       </p:cBhvr>
-                                      <p:to/>
                                     </p:set>
                                   </p:childTnLst>
                                 </p:cTn>
@@ -11748,53 +11254,39 @@
                                       <p:cBhvr>
                                         <p:cTn dur="500" fill="hold" id="60"/>
                                         <p:tgtEl>
-                                          <p:spTgt spid="117">
+                                          <p:spTgt spid="112">
                                             <p:txEl>
-                                              <p:pRg end="89" st="62"/>
+                                              <p:pRg end="283" st="283"/>
                                             </p:txEl>
                                           </p:spTgt>
                                         </p:tgtEl>
-                                        <p:attrNameLst>
-                                          <p:attrName/>
-                                        </p:attrNameLst>
                                       </p:cBhvr>
-                                      <p:to>
-                                        <p:strVal val="rgb(80,-80,0)"/>
-                                      </p:to>
+                                      <p:to/>
                                     </p:set>
                                     <p:set>
                                       <p:cBhvr>
                                         <p:cTn dur="500" fill="hold" id="61"/>
                                         <p:tgtEl>
-                                          <p:spTgt spid="117">
+                                          <p:spTgt spid="112">
                                             <p:txEl>
-                                              <p:pRg end="89" st="62"/>
+                                              <p:pRg end="283" st="283"/>
                                             </p:txEl>
                                           </p:spTgt>
                                         </p:tgtEl>
-                                        <p:attrNameLst>
-                                          <p:attrName/>
-                                        </p:attrNameLst>
                                       </p:cBhvr>
-                                      <p:to>
-                                        <p:strVal val="rgb(80,-80,0)"/>
-                                      </p:to>
+                                      <p:to/>
                                     </p:set>
                                     <p:set>
                                       <p:cBhvr>
                                         <p:cTn dur="500" fill="hold" id="62"/>
                                         <p:tgtEl>
-                                          <p:spTgt spid="117">
+                                          <p:spTgt spid="112">
                                             <p:txEl>
-                                              <p:pRg end="89" st="62"/>
+                                              <p:pRg end="283" st="283"/>
                                             </p:txEl>
                                           </p:spTgt>
                                         </p:tgtEl>
-                                        <p:attrNameLst>
-                                          <p:attrName/>
-                                        </p:attrNameLst>
                                       </p:cBhvr>
-                                      <p:to/>
                                     </p:set>
                                   </p:childTnLst>
                                 </p:cTn>
@@ -11809,53 +11301,39 @@
                                       <p:cBhvr>
                                         <p:cTn dur="500" fill="hold" id="64"/>
                                         <p:tgtEl>
-                                          <p:spTgt spid="117">
+                                          <p:spTgt spid="112">
                                             <p:txEl>
-                                              <p:pRg end="120" st="89"/>
+                                              <p:pRg end="283" st="283"/>
                                             </p:txEl>
                                           </p:spTgt>
                                         </p:tgtEl>
-                                        <p:attrNameLst>
-                                          <p:attrName/>
-                                        </p:attrNameLst>
                                       </p:cBhvr>
-                                      <p:to>
-                                        <p:strVal val="rgb(80,-80,0)"/>
-                                      </p:to>
+                                      <p:to/>
                                     </p:set>
                                     <p:set>
                                       <p:cBhvr>
                                         <p:cTn dur="500" fill="hold" id="65"/>
                                         <p:tgtEl>
-                                          <p:spTgt spid="117">
+                                          <p:spTgt spid="112">
                                             <p:txEl>
-                                              <p:pRg end="120" st="89"/>
+                                              <p:pRg end="283" st="283"/>
                                             </p:txEl>
                                           </p:spTgt>
                                         </p:tgtEl>
-                                        <p:attrNameLst>
-                                          <p:attrName/>
-                                        </p:attrNameLst>
                                       </p:cBhvr>
-                                      <p:to>
-                                        <p:strVal val="rgb(80,-80,0)"/>
-                                      </p:to>
+                                      <p:to/>
                                     </p:set>
                                     <p:set>
                                       <p:cBhvr>
                                         <p:cTn dur="500" fill="hold" id="66"/>
                                         <p:tgtEl>
-                                          <p:spTgt spid="117">
+                                          <p:spTgt spid="112">
                                             <p:txEl>
-                                              <p:pRg end="120" st="89"/>
+                                              <p:pRg end="283" st="283"/>
                                             </p:txEl>
                                           </p:spTgt>
                                         </p:tgtEl>
-                                        <p:attrNameLst>
-                                          <p:attrName/>
-                                        </p:attrNameLst>
                                       </p:cBhvr>
-                                      <p:to/>
                                     </p:set>
                                   </p:childTnLst>
                                 </p:cTn>
@@ -11870,53 +11348,39 @@
                                       <p:cBhvr>
                                         <p:cTn dur="500" fill="hold" id="68"/>
                                         <p:tgtEl>
-                                          <p:spTgt spid="117">
+                                          <p:spTgt spid="112">
                                             <p:txEl>
-                                              <p:pRg end="152" st="120"/>
+                                              <p:pRg end="283" st="283"/>
                                             </p:txEl>
                                           </p:spTgt>
                                         </p:tgtEl>
-                                        <p:attrNameLst>
-                                          <p:attrName/>
-                                        </p:attrNameLst>
                                       </p:cBhvr>
-                                      <p:to>
-                                        <p:strVal val="rgb(80,-80,0)"/>
-                                      </p:to>
+                                      <p:to/>
                                     </p:set>
                                     <p:set>
                                       <p:cBhvr>
                                         <p:cTn dur="500" fill="hold" id="69"/>
                                         <p:tgtEl>
-                                          <p:spTgt spid="117">
+                                          <p:spTgt spid="112">
                                             <p:txEl>
-                                              <p:pRg end="152" st="120"/>
+                                              <p:pRg end="283" st="283"/>
                                             </p:txEl>
                                           </p:spTgt>
                                         </p:tgtEl>
-                                        <p:attrNameLst>
-                                          <p:attrName/>
-                                        </p:attrNameLst>
                                       </p:cBhvr>
-                                      <p:to>
-                                        <p:strVal val="rgb(80,-80,0)"/>
-                                      </p:to>
+                                      <p:to/>
                                     </p:set>
                                     <p:set>
                                       <p:cBhvr>
                                         <p:cTn dur="500" fill="hold" id="70"/>
                                         <p:tgtEl>
-                                          <p:spTgt spid="117">
+                                          <p:spTgt spid="112">
                                             <p:txEl>
-                                              <p:pRg end="152" st="120"/>
+                                              <p:pRg end="283" st="283"/>
                                             </p:txEl>
                                           </p:spTgt>
                                         </p:tgtEl>
-                                        <p:attrNameLst>
-                                          <p:attrName/>
-                                        </p:attrNameLst>
                                       </p:cBhvr>
-                                      <p:to/>
                                     </p:set>
                                   </p:childTnLst>
                                 </p:cTn>
@@ -11931,53 +11395,39 @@
                                       <p:cBhvr>
                                         <p:cTn dur="500" fill="hold" id="72"/>
                                         <p:tgtEl>
-                                          <p:spTgt spid="117">
+                                          <p:spTgt spid="112">
                                             <p:txEl>
-                                              <p:pRg end="170" st="152"/>
+                                              <p:pRg end="283" st="283"/>
                                             </p:txEl>
                                           </p:spTgt>
                                         </p:tgtEl>
-                                        <p:attrNameLst>
-                                          <p:attrName/>
-                                        </p:attrNameLst>
                                       </p:cBhvr>
-                                      <p:to>
-                                        <p:strVal val="rgb(80,-80,0)"/>
-                                      </p:to>
+                                      <p:to/>
                                     </p:set>
                                     <p:set>
                                       <p:cBhvr>
                                         <p:cTn dur="500" fill="hold" id="73"/>
                                         <p:tgtEl>
-                                          <p:spTgt spid="117">
+                                          <p:spTgt spid="112">
                                             <p:txEl>
-                                              <p:pRg end="170" st="152"/>
+                                              <p:pRg end="283" st="283"/>
                                             </p:txEl>
                                           </p:spTgt>
                                         </p:tgtEl>
-                                        <p:attrNameLst>
-                                          <p:attrName/>
-                                        </p:attrNameLst>
                                       </p:cBhvr>
-                                      <p:to>
-                                        <p:strVal val="rgb(80,-80,0)"/>
-                                      </p:to>
+                                      <p:to/>
                                     </p:set>
                                     <p:set>
                                       <p:cBhvr>
                                         <p:cTn dur="500" fill="hold" id="74"/>
                                         <p:tgtEl>
-                                          <p:spTgt spid="117">
+                                          <p:spTgt spid="112">
                                             <p:txEl>
-                                              <p:pRg end="170" st="152"/>
+                                              <p:pRg end="283" st="283"/>
                                             </p:txEl>
                                           </p:spTgt>
                                         </p:tgtEl>
-                                        <p:attrNameLst>
-                                          <p:attrName/>
-                                        </p:attrNameLst>
                                       </p:cBhvr>
-                                      <p:to/>
                                     </p:set>
                                   </p:childTnLst>
                                 </p:cTn>
@@ -11992,53 +11442,39 @@
                                       <p:cBhvr>
                                         <p:cTn dur="500" fill="hold" id="76"/>
                                         <p:tgtEl>
-                                          <p:spTgt spid="117">
+                                          <p:spTgt spid="112">
                                             <p:txEl>
-                                              <p:pRg end="200" st="170"/>
+                                              <p:pRg end="283" st="283"/>
                                             </p:txEl>
                                           </p:spTgt>
                                         </p:tgtEl>
-                                        <p:attrNameLst>
-                                          <p:attrName/>
-                                        </p:attrNameLst>
                                       </p:cBhvr>
-                                      <p:to>
-                                        <p:strVal val="rgb(80,-80,0)"/>
-                                      </p:to>
+                                      <p:to/>
                                     </p:set>
                                     <p:set>
                                       <p:cBhvr>
                                         <p:cTn dur="500" fill="hold" id="77"/>
                                         <p:tgtEl>
-                                          <p:spTgt spid="117">
+                                          <p:spTgt spid="112">
                                             <p:txEl>
-                                              <p:pRg end="200" st="170"/>
+                                              <p:pRg end="283" st="283"/>
                                             </p:txEl>
                                           </p:spTgt>
                                         </p:tgtEl>
-                                        <p:attrNameLst>
-                                          <p:attrName/>
-                                        </p:attrNameLst>
                                       </p:cBhvr>
-                                      <p:to>
-                                        <p:strVal val="rgb(80,-80,0)"/>
-                                      </p:to>
+                                      <p:to/>
                                     </p:set>
                                     <p:set>
                                       <p:cBhvr>
                                         <p:cTn dur="500" fill="hold" id="78"/>
                                         <p:tgtEl>
-                                          <p:spTgt spid="117">
+                                          <p:spTgt spid="112">
                                             <p:txEl>
-                                              <p:pRg end="200" st="170"/>
+                                              <p:pRg end="283" st="283"/>
                                             </p:txEl>
                                           </p:spTgt>
                                         </p:tgtEl>
-                                        <p:attrNameLst>
-                                          <p:attrName/>
-                                        </p:attrNameLst>
                                       </p:cBhvr>
-                                      <p:to/>
                                     </p:set>
                                   </p:childTnLst>
                                 </p:cTn>
@@ -12053,53 +11489,39 @@
                                       <p:cBhvr>
                                         <p:cTn dur="500" fill="hold" id="80"/>
                                         <p:tgtEl>
-                                          <p:spTgt spid="117">
+                                          <p:spTgt spid="112">
                                             <p:txEl>
-                                              <p:pRg end="233" st="200"/>
+                                              <p:pRg end="283" st="283"/>
                                             </p:txEl>
                                           </p:spTgt>
                                         </p:tgtEl>
-                                        <p:attrNameLst>
-                                          <p:attrName/>
-                                        </p:attrNameLst>
                                       </p:cBhvr>
-                                      <p:to>
-                                        <p:strVal val="rgb(80,-80,0)"/>
-                                      </p:to>
+                                      <p:to/>
                                     </p:set>
                                     <p:set>
                                       <p:cBhvr>
                                         <p:cTn dur="500" fill="hold" id="81"/>
                                         <p:tgtEl>
-                                          <p:spTgt spid="117">
+                                          <p:spTgt spid="112">
                                             <p:txEl>
-                                              <p:pRg end="233" st="200"/>
+                                              <p:pRg end="283" st="283"/>
                                             </p:txEl>
                                           </p:spTgt>
                                         </p:tgtEl>
-                                        <p:attrNameLst>
-                                          <p:attrName/>
-                                        </p:attrNameLst>
                                       </p:cBhvr>
-                                      <p:to>
-                                        <p:strVal val="rgb(80,-80,0)"/>
-                                      </p:to>
+                                      <p:to/>
                                     </p:set>
                                     <p:set>
                                       <p:cBhvr>
                                         <p:cTn dur="500" fill="hold" id="82"/>
                                         <p:tgtEl>
-                                          <p:spTgt spid="117">
+                                          <p:spTgt spid="112">
                                             <p:txEl>
-                                              <p:pRg end="233" st="200"/>
+                                              <p:pRg end="283" st="283"/>
                                             </p:txEl>
                                           </p:spTgt>
                                         </p:tgtEl>
-                                        <p:attrNameLst>
-                                          <p:attrName/>
-                                        </p:attrNameLst>
                                       </p:cBhvr>
-                                      <p:to/>
                                     </p:set>
                                   </p:childTnLst>
                                 </p:cTn>
@@ -12114,53 +11536,39 @@
                                       <p:cBhvr>
                                         <p:cTn dur="500" fill="hold" id="84"/>
                                         <p:tgtEl>
-                                          <p:spTgt spid="117">
+                                          <p:spTgt spid="112">
                                             <p:txEl>
-                                              <p:pRg end="263" st="233"/>
+                                              <p:pRg end="283" st="283"/>
                                             </p:txEl>
                                           </p:spTgt>
                                         </p:tgtEl>
-                                        <p:attrNameLst>
-                                          <p:attrName/>
-                                        </p:attrNameLst>
                                       </p:cBhvr>
-                                      <p:to>
-                                        <p:strVal val="rgb(80,-80,0)"/>
-                                      </p:to>
+                                      <p:to/>
                                     </p:set>
                                     <p:set>
                                       <p:cBhvr>
                                         <p:cTn dur="500" fill="hold" id="85"/>
                                         <p:tgtEl>
-                                          <p:spTgt spid="117">
+                                          <p:spTgt spid="112">
                                             <p:txEl>
-                                              <p:pRg end="263" st="233"/>
+                                              <p:pRg end="283" st="283"/>
                                             </p:txEl>
                                           </p:spTgt>
                                         </p:tgtEl>
-                                        <p:attrNameLst>
-                                          <p:attrName/>
-                                        </p:attrNameLst>
                                       </p:cBhvr>
-                                      <p:to>
-                                        <p:strVal val="rgb(80,-80,0)"/>
-                                      </p:to>
+                                      <p:to/>
                                     </p:set>
                                     <p:set>
                                       <p:cBhvr>
                                         <p:cTn dur="500" fill="hold" id="86"/>
                                         <p:tgtEl>
-                                          <p:spTgt spid="117">
+                                          <p:spTgt spid="112">
                                             <p:txEl>
-                                              <p:pRg end="263" st="233"/>
+                                              <p:pRg end="283" st="283"/>
                                             </p:txEl>
                                           </p:spTgt>
                                         </p:tgtEl>
-                                        <p:attrNameLst>
-                                          <p:attrName/>
-                                        </p:attrNameLst>
                                       </p:cBhvr>
-                                      <p:to/>
                                     </p:set>
                                   </p:childTnLst>
                                 </p:cTn>
@@ -12175,53 +11583,86 @@
                                       <p:cBhvr>
                                         <p:cTn dur="500" fill="hold" id="88"/>
                                         <p:tgtEl>
-                                          <p:spTgt spid="117">
+                                          <p:spTgt spid="112">
                                             <p:txEl>
-                                              <p:pRg end="281" st="263"/>
+                                              <p:pRg end="283" st="283"/>
                                             </p:txEl>
                                           </p:spTgt>
                                         </p:tgtEl>
-                                        <p:attrNameLst>
-                                          <p:attrName/>
-                                        </p:attrNameLst>
                                       </p:cBhvr>
-                                      <p:to>
-                                        <p:strVal val="rgb(80,-80,0)"/>
-                                      </p:to>
+                                      <p:to/>
                                     </p:set>
                                     <p:set>
                                       <p:cBhvr>
                                         <p:cTn dur="500" fill="hold" id="89"/>
                                         <p:tgtEl>
-                                          <p:spTgt spid="117">
+                                          <p:spTgt spid="112">
                                             <p:txEl>
-                                              <p:pRg end="281" st="263"/>
+                                              <p:pRg end="283" st="283"/>
                                             </p:txEl>
                                           </p:spTgt>
                                         </p:tgtEl>
-                                        <p:attrNameLst>
-                                          <p:attrName/>
-                                        </p:attrNameLst>
                                       </p:cBhvr>
-                                      <p:to>
-                                        <p:strVal val="rgb(80,-80,0)"/>
-                                      </p:to>
+                                      <p:to/>
                                     </p:set>
                                     <p:set>
                                       <p:cBhvr>
                                         <p:cTn dur="500" fill="hold" id="90"/>
                                         <p:tgtEl>
-                                          <p:spTgt spid="117">
+                                          <p:spTgt spid="112">
                                             <p:txEl>
-                                              <p:pRg end="281" st="263"/>
+                                              <p:pRg end="283" st="283"/>
                                             </p:txEl>
                                           </p:spTgt>
                                         </p:tgtEl>
-                                        <p:attrNameLst>
-                                          <p:attrName/>
-                                        </p:attrNameLst>
+                                      </p:cBhvr>
+                                    </p:set>
+                                  </p:childTnLst>
+                                </p:cTn>
+                              </p:par>
+                              <p:par>
+                                <p:cTn fill="hold" id="91" nodeType="withEffect" presetClass="emph" presetID="16">
+                                  <p:stCondLst>
+                                    <p:cond delay="0"/>
+                                  </p:stCondLst>
+                                  <p:childTnLst>
+                                    <p:set>
+                                      <p:cBhvr>
+                                        <p:cTn dur="500" fill="hold" id="92"/>
+                                        <p:tgtEl>
+                                          <p:spTgt spid="112">
+                                            <p:txEl>
+                                              <p:pRg end="283" st="283"/>
+                                            </p:txEl>
+                                          </p:spTgt>
+                                        </p:tgtEl>
                                       </p:cBhvr>
                                       <p:to/>
+                                    </p:set>
+                                    <p:set>
+                                      <p:cBhvr>
+                                        <p:cTn dur="500" fill="hold" id="93"/>
+                                        <p:tgtEl>
+                                          <p:spTgt spid="112">
+                                            <p:txEl>
+                                              <p:pRg end="283" st="283"/>
+                                            </p:txEl>
+                                          </p:spTgt>
+                                        </p:tgtEl>
+                                      </p:cBhvr>
+                                      <p:to/>
+                                    </p:set>
+                                    <p:set>
+                                      <p:cBhvr>
+                                        <p:cTn dur="500" fill="hold" id="94"/>
+                                        <p:tgtEl>
+                                          <p:spTgt spid="112">
+                                            <p:txEl>
+                                              <p:pRg end="283" st="283"/>
+                                            </p:txEl>
+                                          </p:spTgt>
+                                        </p:tgtEl>
+                                      </p:cBhvr>
                                     </p:set>
                                   </p:childTnLst>
                                 </p:cTn>

--- a/lectures/lec2/Halstead_Complexity.pptx
+++ b/lectures/lec2/Halstead_Complexity.pptx
@@ -190,7 +190,7 @@
           <a:bodyPr anchor="b" bIns="0" lIns="0" rIns="0" tIns="0" wrap="none"/>
           <a:p>
             <a:pPr algn="r"/>
-            <a:fld id="{4F3C20E2-CE44-42AC-B1A7-F066F2F0B0B0}" type="slidenum">
+            <a:fld id="{E1EE386E-7EF8-44DF-BE6A-01C106912ABB}" type="slidenum">
               <a:rPr lang="en-CA"/>
               <a:t>&lt;number&gt;</a:t>
             </a:fld>
@@ -234,7 +234,7 @@
         <p:spPr>
           <a:xfrm>
             <a:off x="685800" y="4343400"/>
-            <a:ext cx="5485680" cy="4114080"/>
+            <a:ext cx="5485320" cy="4113720"/>
           </a:xfrm>
           <a:prstGeom prst="rect">
             <a:avLst/>
@@ -260,7 +260,7 @@
         <p:spPr>
           <a:xfrm>
             <a:off x="3884760" y="8685360"/>
-            <a:ext cx="2971080" cy="456480"/>
+            <a:ext cx="2970720" cy="456120"/>
           </a:xfrm>
           <a:prstGeom prst="rect">
             <a:avLst/>
@@ -274,7 +274,7 @@
                 <a:spcPct val="100000"/>
               </a:lnSpc>
             </a:pPr>
-            <a:fld id="{F89472FA-A44D-4200-8233-46F0F39E6A5A}" type="slidenum">
+            <a:fld id="{2C7CD3E3-FFD4-4CCB-B3B3-CB844698E9FB}" type="slidenum">
               <a:rPr lang="en-CA" sz="1200">
                 <a:solidFill>
                   <a:srgbClr val="000000"/>
@@ -2545,8 +2545,8 @@
         </p:nvSpPr>
         <p:spPr>
           <a:xfrm>
-            <a:off x="457200" y="274680"/>
-            <a:ext cx="8228880" cy="1142640"/>
+            <a:off x="457200" y="273600"/>
+            <a:ext cx="8228880" cy="1144800"/>
           </a:xfrm>
           <a:prstGeom prst="rect">
             <a:avLst/>
@@ -2576,7 +2576,7 @@
         <p:spPr>
           <a:xfrm>
             <a:off x="457200" y="1604520"/>
-            <a:ext cx="8229240" cy="3976920"/>
+            <a:ext cx="8228880" cy="3976560"/>
           </a:xfrm>
           <a:prstGeom prst="rect">
             <a:avLst/>
@@ -2723,7 +2723,7 @@
         <p:spPr>
           <a:xfrm>
             <a:off x="0" y="6356520"/>
-            <a:ext cx="9143280" cy="364320"/>
+            <a:ext cx="9142920" cy="363960"/>
           </a:xfrm>
           <a:prstGeom prst="rect">
             <a:avLst/>
@@ -2951,7 +2951,7 @@
         <p:spPr>
           <a:xfrm>
             <a:off x="685800" y="2130480"/>
-            <a:ext cx="7771680" cy="1469160"/>
+            <a:ext cx="7771320" cy="1468800"/>
           </a:xfrm>
           <a:prstGeom prst="rect">
             <a:avLst/>
@@ -2987,7 +2987,7 @@
         <p:spPr>
           <a:xfrm>
             <a:off x="1371600" y="3886200"/>
-            <a:ext cx="6400080" cy="1751760"/>
+            <a:ext cx="6399720" cy="1751400"/>
           </a:xfrm>
           <a:prstGeom prst="rect">
             <a:avLst/>
@@ -3023,7 +3023,7 @@
         <p:spPr>
           <a:xfrm>
             <a:off x="0" y="6356520"/>
-            <a:ext cx="9143280" cy="364320"/>
+            <a:ext cx="9142920" cy="363960"/>
           </a:xfrm>
           <a:prstGeom prst="rect">
             <a:avLst/>
@@ -3076,7 +3076,7 @@
         <p:spPr>
           <a:xfrm>
             <a:off x="6553080" y="6356520"/>
-            <a:ext cx="2133000" cy="364320"/>
+            <a:ext cx="2132640" cy="363960"/>
           </a:xfrm>
           <a:prstGeom prst="rect">
             <a:avLst/>
@@ -3090,7 +3090,7 @@
                 <a:spcPct val="100000"/>
               </a:lnSpc>
             </a:pPr>
-            <a:fld id="{61E5A87E-5383-4590-B49F-A2C57A47BA5D}" type="slidenum">
+            <a:fld id="{AFC40D13-6531-4A5C-9025-7FD1AD229306}" type="slidenum">
               <a:rPr lang="en-CA" sz="1200">
                 <a:solidFill>
                   <a:srgbClr val="8b8b8b"/>
@@ -3134,7 +3134,7 @@
         <p:spPr>
           <a:xfrm>
             <a:off x="457200" y="0"/>
-            <a:ext cx="8228880" cy="1142280"/>
+            <a:ext cx="8228520" cy="1141920"/>
           </a:xfrm>
           <a:prstGeom prst="rect">
             <a:avLst/>
@@ -3179,7 +3179,7 @@
         <p:spPr>
           <a:xfrm>
             <a:off x="6553080" y="6356520"/>
-            <a:ext cx="2133000" cy="364320"/>
+            <a:ext cx="2132640" cy="363960"/>
           </a:xfrm>
           <a:prstGeom prst="rect">
             <a:avLst/>
@@ -3193,7 +3193,7 @@
                 <a:spcPct val="100000"/>
               </a:lnSpc>
             </a:pPr>
-            <a:fld id="{2BA62548-871E-4AD9-ABAC-85339404F17A}" type="slidenum">
+            <a:fld id="{E0988F26-FC5B-4F85-8C90-DE58D9FFA0C8}" type="slidenum">
               <a:rPr lang="en-CA" sz="1200">
                 <a:solidFill>
                   <a:srgbClr val="8b8b8b"/>
@@ -3215,7 +3215,7 @@
         <p:spPr>
           <a:xfrm>
             <a:off x="1509120" y="1295280"/>
-            <a:ext cx="6125040" cy="5257080"/>
+            <a:ext cx="6124680" cy="5256720"/>
           </a:xfrm>
           <a:prstGeom prst="rect">
             <a:avLst/>
@@ -3702,7 +3702,7 @@
         <p:spPr>
           <a:xfrm>
             <a:off x="6553080" y="6356520"/>
-            <a:ext cx="2133000" cy="364320"/>
+            <a:ext cx="2132640" cy="363960"/>
           </a:xfrm>
           <a:prstGeom prst="rect">
             <a:avLst/>
@@ -3716,7 +3716,7 @@
                 <a:spcPct val="100000"/>
               </a:lnSpc>
             </a:pPr>
-            <a:fld id="{3BB22165-09A5-4304-951E-235CA84AAD5D}" type="slidenum">
+            <a:fld id="{FA5B3BB0-E11A-4B7E-B6F1-FAFFCA31D3C0}" type="slidenum">
               <a:rPr lang="en-CA" sz="1200">
                 <a:solidFill>
                   <a:srgbClr val="8b8b8b"/>
@@ -3737,7 +3737,7 @@
         </p:nvGraphicFramePr>
         <p:xfrm>
           <a:off x="380880" y="76320"/>
-          <a:ext cx="3123360" cy="6674400"/>
+          <a:ext cx="3123000" cy="6674040"/>
         </p:xfrm>
         <a:graphic>
           <a:graphicData uri="http://schemas.openxmlformats.org/drawingml/2006/table">
@@ -3745,7 +3745,7 @@
               <a:tblPr/>
               <a:tblGrid>
                 <a:gridCol w="1447560"/>
-                <a:gridCol w="1675800"/>
+                <a:gridCol w="1675440"/>
               </a:tblGrid>
               <a:tr h="622440">
                 <a:tc>
@@ -4624,7 +4624,7 @@
         <p:spPr>
           <a:xfrm>
             <a:off x="3581280" y="5726520"/>
-            <a:ext cx="837360" cy="637920"/>
+            <a:ext cx="837000" cy="637560"/>
           </a:xfrm>
           <a:prstGeom prst="rect">
             <a:avLst/>
@@ -4669,7 +4669,7 @@
         <p:spPr>
           <a:xfrm>
             <a:off x="5105520" y="5726520"/>
-            <a:ext cx="913680" cy="637920"/>
+            <a:ext cx="913320" cy="637560"/>
           </a:xfrm>
           <a:prstGeom prst="rect">
             <a:avLst/>
@@ -4713,7 +4713,7 @@
         </p:nvGraphicFramePr>
         <p:xfrm>
           <a:off x="5257800" y="304920"/>
-          <a:ext cx="3123360" cy="3606120"/>
+          <a:ext cx="3123000" cy="3605760"/>
         </p:xfrm>
         <a:graphic>
           <a:graphicData uri="http://schemas.openxmlformats.org/drawingml/2006/table">
@@ -4721,7 +4721,7 @@
               <a:tblPr/>
               <a:tblGrid>
                 <a:gridCol w="1447560"/>
-                <a:gridCol w="1675800"/>
+                <a:gridCol w="1675440"/>
               </a:tblGrid>
               <a:tr h="887760">
                 <a:tc>
@@ -5195,7 +5195,7 @@
         <p:spPr>
           <a:xfrm>
             <a:off x="5638680" y="3962520"/>
-            <a:ext cx="837360" cy="637920"/>
+            <a:ext cx="837000" cy="637560"/>
           </a:xfrm>
           <a:prstGeom prst="rect">
             <a:avLst/>
@@ -5240,7 +5240,7 @@
         <p:spPr>
           <a:xfrm>
             <a:off x="7162920" y="3962520"/>
-            <a:ext cx="913680" cy="637920"/>
+            <a:ext cx="913320" cy="637560"/>
           </a:xfrm>
           <a:prstGeom prst="rect">
             <a:avLst/>
@@ -5285,7 +5285,7 @@
         <p:spPr>
           <a:xfrm>
             <a:off x="4157280" y="4687560"/>
-            <a:ext cx="4043880" cy="638640"/>
+            <a:ext cx="4043520" cy="638280"/>
           </a:xfrm>
           <a:prstGeom prst="rect">
             <a:avLst/>
@@ -5356,7 +5356,7 @@
         <p:spPr>
           <a:xfrm>
             <a:off x="3657600" y="4687560"/>
-            <a:ext cx="5043600" cy="645480"/>
+            <a:ext cx="5043240" cy="645120"/>
           </a:xfrm>
           <a:prstGeom prst="rect">
             <a:avLst/>
@@ -5420,7 +5420,7 @@
         <p:spPr>
           <a:xfrm>
             <a:off x="457200" y="274680"/>
-            <a:ext cx="8228880" cy="1142280"/>
+            <a:ext cx="8228520" cy="1141920"/>
           </a:xfrm>
           <a:prstGeom prst="rect">
             <a:avLst/>
@@ -5456,7 +5456,7 @@
         <p:spPr>
           <a:xfrm>
             <a:off x="457200" y="1600200"/>
-            <a:ext cx="8228880" cy="4525200"/>
+            <a:ext cx="8228520" cy="4524840"/>
           </a:xfrm>
           <a:prstGeom prst="rect">
             <a:avLst/>
@@ -5593,7 +5593,7 @@
         <p:spPr>
           <a:xfrm>
             <a:off x="457200" y="1600200"/>
-            <a:ext cx="8228880" cy="4525200"/>
+            <a:ext cx="8228520" cy="4524840"/>
           </a:xfrm>
           <a:prstGeom prst="rect">
             <a:avLst/>
@@ -5631,7 +5631,7 @@
         <p:spPr>
           <a:xfrm>
             <a:off x="6553080" y="6356520"/>
-            <a:ext cx="2133000" cy="364320"/>
+            <a:ext cx="2132640" cy="363960"/>
           </a:xfrm>
           <a:prstGeom prst="rect">
             <a:avLst/>
@@ -5645,7 +5645,7 @@
                 <a:spcPct val="100000"/>
               </a:lnSpc>
             </a:pPr>
-            <a:fld id="{438A0587-6F03-4018-AE1E-B903135A2ACD}" type="slidenum">
+            <a:fld id="{B07869E6-DE25-4E3F-9C00-415D50643ACB}" type="slidenum">
               <a:rPr lang="en-CA" sz="1200">
                 <a:solidFill>
                   <a:srgbClr val="8b8b8b"/>
@@ -5689,7 +5689,7 @@
         <p:spPr>
           <a:xfrm>
             <a:off x="457200" y="274680"/>
-            <a:ext cx="8228880" cy="1142280"/>
+            <a:ext cx="8228520" cy="1141920"/>
           </a:xfrm>
           <a:prstGeom prst="rect">
             <a:avLst/>
@@ -5725,7 +5725,7 @@
         <p:spPr>
           <a:xfrm>
             <a:off x="304920" y="1600200"/>
-            <a:ext cx="8533800" cy="4525200"/>
+            <a:ext cx="8533440" cy="4524840"/>
           </a:xfrm>
           <a:prstGeom prst="rect">
             <a:avLst/>
@@ -5742,7 +5742,7 @@
               <a:buChar char="•"/>
             </a:pPr>
             <a:r>
-              <a:rPr lang="en-CA" sz="3200">
+              <a:rPr lang="en-CA" sz="2200">
                 <a:solidFill>
                   <a:srgbClr val="000000"/>
                 </a:solidFill>
@@ -5751,7 +5751,7 @@
               <a:t>The program should be completed or near completed to determine </a:t>
             </a:r>
             <a:r>
-              <a:rPr b="1" i="1" lang="en-CA" sz="3200">
+              <a:rPr b="1" i="1" lang="en-CA" sz="2200">
                 <a:solidFill>
                   <a:srgbClr val="000000"/>
                 </a:solidFill>
@@ -5760,7 +5760,7 @@
               <a:t>N1</a:t>
             </a:r>
             <a:r>
-              <a:rPr lang="en-CA" sz="3200">
+              <a:rPr lang="en-CA" sz="2200">
                 <a:solidFill>
                   <a:srgbClr val="000000"/>
                 </a:solidFill>
@@ -5769,7 +5769,7 @@
               <a:t> and </a:t>
             </a:r>
             <a:r>
-              <a:rPr b="1" i="1" lang="en-CA" sz="3200">
+              <a:rPr b="1" i="1" lang="en-CA" sz="2200">
                 <a:solidFill>
                   <a:srgbClr val="000000"/>
                 </a:solidFill>
@@ -5788,7 +5788,7 @@
               <a:buChar char="•"/>
             </a:pPr>
             <a:r>
-              <a:rPr lang="en-CA" sz="3200">
+              <a:rPr lang="en-CA" sz="2200">
                 <a:solidFill>
                   <a:srgbClr val="000000"/>
                 </a:solidFill>
@@ -5807,7 +5807,7 @@
               <a:buChar char="•"/>
             </a:pPr>
             <a:r>
-              <a:rPr lang="en-CA" sz="3200">
+              <a:rPr lang="en-CA" sz="2200">
                 <a:solidFill>
                   <a:srgbClr val="000000"/>
                 </a:solidFill>
@@ -5826,7 +5826,7 @@
               <a:buChar char="•"/>
             </a:pPr>
             <a:r>
-              <a:rPr lang="en-CA" sz="3200">
+              <a:rPr lang="en-CA" sz="2200">
                 <a:solidFill>
                   <a:srgbClr val="000000"/>
                 </a:solidFill>
@@ -5847,7 +5847,7 @@
         <p:spPr>
           <a:xfrm>
             <a:off x="6553080" y="6356520"/>
-            <a:ext cx="2133000" cy="364320"/>
+            <a:ext cx="2132640" cy="363960"/>
           </a:xfrm>
           <a:prstGeom prst="rect">
             <a:avLst/>
@@ -5861,7 +5861,7 @@
                 <a:spcPct val="100000"/>
               </a:lnSpc>
             </a:pPr>
-            <a:fld id="{F3F75CF3-8A5D-4494-A138-6DFA2DC3077D}" type="slidenum">
+            <a:fld id="{5ACD8688-4A91-486A-9E57-79E8D75C8434}" type="slidenum">
               <a:rPr lang="en-CA" sz="1200">
                 <a:solidFill>
                   <a:srgbClr val="8b8b8b"/>
@@ -5876,6 +5876,33 @@
       </p:sp>
     </p:spTree>
   </p:cSld>
+  <p:timing>
+    <p:tnLst>
+      <p:par>
+        <p:cTn dur="indefinite" id="95" nodeType="tmRoot" restart="never">
+          <p:childTnLst>
+            <p:seq>
+              <p:cTn id="96" nodeType="mainSeq"/>
+              <p:prevCondLst>
+                <p:cond delay="0" evt="onPrev">
+                  <p:tgtEl>
+                    <p:sldTgt/>
+                  </p:tgtEl>
+                </p:cond>
+              </p:prevCondLst>
+              <p:nextCondLst>
+                <p:cond delay="0" evt="onNext">
+                  <p:tgtEl>
+                    <p:sldTgt/>
+                  </p:tgtEl>
+                </p:cond>
+              </p:nextCondLst>
+            </p:seq>
+          </p:childTnLst>
+        </p:cTn>
+      </p:par>
+    </p:tnLst>
+  </p:timing>
 </p:sld>
 </file>
 
@@ -5905,7 +5932,7 @@
         <p:spPr>
           <a:xfrm>
             <a:off x="457200" y="274680"/>
-            <a:ext cx="8228880" cy="1142280"/>
+            <a:ext cx="8228520" cy="1141920"/>
           </a:xfrm>
           <a:prstGeom prst="rect">
             <a:avLst/>
@@ -5941,7 +5968,7 @@
         <p:spPr>
           <a:xfrm>
             <a:off x="380880" y="1600200"/>
-            <a:ext cx="8381160" cy="4525200"/>
+            <a:ext cx="8380800" cy="4524840"/>
           </a:xfrm>
           <a:prstGeom prst="rect">
             <a:avLst/>
@@ -6016,7 +6043,7 @@
         <p:spPr>
           <a:xfrm>
             <a:off x="6553080" y="6356520"/>
-            <a:ext cx="2133000" cy="364320"/>
+            <a:ext cx="2132640" cy="363960"/>
           </a:xfrm>
           <a:prstGeom prst="rect">
             <a:avLst/>
@@ -6030,7 +6057,7 @@
                 <a:spcPct val="100000"/>
               </a:lnSpc>
             </a:pPr>
-            <a:fld id="{DBA62C12-BAB2-44B6-B144-C29CA73FDA4D}" type="slidenum">
+            <a:fld id="{D1DF0738-3106-4866-B0E7-60097A54380E}" type="slidenum">
               <a:rPr lang="en-CA" sz="1200">
                 <a:solidFill>
                   <a:srgbClr val="8b8b8b"/>
@@ -6074,7 +6101,7 @@
         <p:spPr>
           <a:xfrm>
             <a:off x="457200" y="274680"/>
-            <a:ext cx="8228880" cy="1142280"/>
+            <a:ext cx="8228520" cy="1141920"/>
           </a:xfrm>
           <a:prstGeom prst="rect">
             <a:avLst/>
@@ -6110,7 +6137,7 @@
         <p:spPr>
           <a:xfrm>
             <a:off x="380880" y="1600200"/>
-            <a:ext cx="8381160" cy="4525200"/>
+            <a:ext cx="8380800" cy="4524840"/>
           </a:xfrm>
           <a:prstGeom prst="rect">
             <a:avLst/>
@@ -6221,7 +6248,7 @@
         <p:spPr>
           <a:xfrm>
             <a:off x="6553080" y="6356520"/>
-            <a:ext cx="2133000" cy="364320"/>
+            <a:ext cx="2132640" cy="363960"/>
           </a:xfrm>
           <a:prstGeom prst="rect">
             <a:avLst/>
@@ -6235,7 +6262,7 @@
                 <a:spcPct val="100000"/>
               </a:lnSpc>
             </a:pPr>
-            <a:fld id="{56D29D38-475F-401A-A8C9-129883DF92F5}" type="slidenum">
+            <a:fld id="{D79D58F8-7218-4496-9264-D8C5E350C5B7}" type="slidenum">
               <a:rPr lang="en-CA" sz="1200">
                 <a:solidFill>
                   <a:srgbClr val="8b8b8b"/>
@@ -6306,7 +6333,7 @@
         <p:spPr>
           <a:xfrm>
             <a:off x="457200" y="274680"/>
-            <a:ext cx="8228880" cy="1142280"/>
+            <a:ext cx="8228520" cy="1141920"/>
           </a:xfrm>
           <a:prstGeom prst="rect">
             <a:avLst/>
@@ -6342,7 +6369,7 @@
         <p:spPr>
           <a:xfrm>
             <a:off x="457200" y="1600200"/>
-            <a:ext cx="8228880" cy="4525200"/>
+            <a:ext cx="8228520" cy="4524840"/>
           </a:xfrm>
           <a:prstGeom prst="rect">
             <a:avLst/>
@@ -6589,7 +6616,7 @@
         <p:spPr>
           <a:xfrm>
             <a:off x="457200" y="1600200"/>
-            <a:ext cx="8228880" cy="4525200"/>
+            <a:ext cx="8228520" cy="4524840"/>
           </a:xfrm>
           <a:prstGeom prst="rect">
             <a:avLst/>
@@ -6627,7 +6654,7 @@
         <p:spPr>
           <a:xfrm>
             <a:off x="6553080" y="6356520"/>
-            <a:ext cx="2133000" cy="364320"/>
+            <a:ext cx="2132640" cy="363960"/>
           </a:xfrm>
           <a:prstGeom prst="rect">
             <a:avLst/>
@@ -6641,7 +6668,7 @@
                 <a:spcPct val="100000"/>
               </a:lnSpc>
             </a:pPr>
-            <a:fld id="{3D5D2B75-44B4-4CE7-B6A8-2DE1240963F4}" type="slidenum">
+            <a:fld id="{7EE09CE7-A65C-4EA8-BC43-52B9631E2167}" type="slidenum">
               <a:rPr lang="en-CA" sz="1200">
                 <a:solidFill>
                   <a:srgbClr val="8b8b8b"/>
@@ -6685,7 +6712,7 @@
         <p:spPr>
           <a:xfrm>
             <a:off x="457200" y="274680"/>
-            <a:ext cx="8228880" cy="1142280"/>
+            <a:ext cx="8228520" cy="1141920"/>
           </a:xfrm>
           <a:prstGeom prst="rect">
             <a:avLst/>
@@ -6721,7 +6748,7 @@
         <p:spPr>
           <a:xfrm>
             <a:off x="1828800" y="1600200"/>
-            <a:ext cx="5485680" cy="4525200"/>
+            <a:ext cx="5485320" cy="4524840"/>
           </a:xfrm>
           <a:prstGeom prst="rect">
             <a:avLst/>
@@ -7151,7 +7178,7 @@
         <p:spPr>
           <a:xfrm>
             <a:off x="6553080" y="6356520"/>
-            <a:ext cx="2133000" cy="364320"/>
+            <a:ext cx="2132640" cy="363960"/>
           </a:xfrm>
           <a:prstGeom prst="rect">
             <a:avLst/>
@@ -7165,7 +7192,7 @@
                 <a:spcPct val="100000"/>
               </a:lnSpc>
             </a:pPr>
-            <a:fld id="{2E035DDC-074A-46CF-8DA9-C6EB392AC337}" type="slidenum">
+            <a:fld id="{65FEB8D3-F8F2-426A-96B2-30F9FD34334D}" type="slidenum">
               <a:rPr lang="en-CA" sz="1200">
                 <a:solidFill>
                   <a:srgbClr val="8b8b8b"/>
@@ -7217,7 +7244,6 @@
                                           </p:spTgt>
                                         </p:tgtEl>
                                       </p:cBhvr>
-                                      <p:to/>
                                     </p:set>
                                     <p:set>
                                       <p:cBhvr>
@@ -7230,7 +7256,6 @@
                                           </p:spTgt>
                                         </p:tgtEl>
                                       </p:cBhvr>
-                                      <p:to/>
                                     </p:set>
                                     <p:set>
                                       <p:cBhvr>
@@ -7264,7 +7289,6 @@
                                           </p:spTgt>
                                         </p:tgtEl>
                                       </p:cBhvr>
-                                      <p:to/>
                                     </p:set>
                                     <p:set>
                                       <p:cBhvr>
@@ -7277,7 +7301,6 @@
                                           </p:spTgt>
                                         </p:tgtEl>
                                       </p:cBhvr>
-                                      <p:to/>
                                     </p:set>
                                     <p:set>
                                       <p:cBhvr>
@@ -7311,7 +7334,6 @@
                                           </p:spTgt>
                                         </p:tgtEl>
                                       </p:cBhvr>
-                                      <p:to/>
                                     </p:set>
                                     <p:set>
                                       <p:cBhvr>
@@ -7324,7 +7346,6 @@
                                           </p:spTgt>
                                         </p:tgtEl>
                                       </p:cBhvr>
-                                      <p:to/>
                                     </p:set>
                                     <p:set>
                                       <p:cBhvr>
@@ -7358,7 +7379,6 @@
                                           </p:spTgt>
                                         </p:tgtEl>
                                       </p:cBhvr>
-                                      <p:to/>
                                     </p:set>
                                     <p:set>
                                       <p:cBhvr>
@@ -7371,7 +7391,6 @@
                                           </p:spTgt>
                                         </p:tgtEl>
                                       </p:cBhvr>
-                                      <p:to/>
                                     </p:set>
                                     <p:set>
                                       <p:cBhvr>
@@ -7405,7 +7424,6 @@
                                           </p:spTgt>
                                         </p:tgtEl>
                                       </p:cBhvr>
-                                      <p:to/>
                                     </p:set>
                                     <p:set>
                                       <p:cBhvr>
@@ -7418,7 +7436,6 @@
                                           </p:spTgt>
                                         </p:tgtEl>
                                       </p:cBhvr>
-                                      <p:to/>
                                     </p:set>
                                     <p:set>
                                       <p:cBhvr>
@@ -7452,7 +7469,6 @@
                                           </p:spTgt>
                                         </p:tgtEl>
                                       </p:cBhvr>
-                                      <p:to/>
                                     </p:set>
                                     <p:set>
                                       <p:cBhvr>
@@ -7465,7 +7481,6 @@
                                           </p:spTgt>
                                         </p:tgtEl>
                                       </p:cBhvr>
-                                      <p:to/>
                                     </p:set>
                                     <p:set>
                                       <p:cBhvr>
@@ -7499,7 +7514,6 @@
                                           </p:spTgt>
                                         </p:tgtEl>
                                       </p:cBhvr>
-                                      <p:to/>
                                     </p:set>
                                     <p:set>
                                       <p:cBhvr>
@@ -7512,7 +7526,6 @@
                                           </p:spTgt>
                                         </p:tgtEl>
                                       </p:cBhvr>
-                                      <p:to/>
                                     </p:set>
                                     <p:set>
                                       <p:cBhvr>
@@ -7546,7 +7559,6 @@
                                           </p:spTgt>
                                         </p:tgtEl>
                                       </p:cBhvr>
-                                      <p:to/>
                                     </p:set>
                                     <p:set>
                                       <p:cBhvr>
@@ -7559,7 +7571,6 @@
                                           </p:spTgt>
                                         </p:tgtEl>
                                       </p:cBhvr>
-                                      <p:to/>
                                     </p:set>
                                     <p:set>
                                       <p:cBhvr>
@@ -7593,7 +7604,6 @@
                                           </p:spTgt>
                                         </p:tgtEl>
                                       </p:cBhvr>
-                                      <p:to/>
                                     </p:set>
                                     <p:set>
                                       <p:cBhvr>
@@ -7606,7 +7616,6 @@
                                           </p:spTgt>
                                         </p:tgtEl>
                                       </p:cBhvr>
-                                      <p:to/>
                                     </p:set>
                                     <p:set>
                                       <p:cBhvr>
@@ -7640,7 +7649,6 @@
                                           </p:spTgt>
                                         </p:tgtEl>
                                       </p:cBhvr>
-                                      <p:to/>
                                     </p:set>
                                     <p:set>
                                       <p:cBhvr>
@@ -7653,7 +7661,6 @@
                                           </p:spTgt>
                                         </p:tgtEl>
                                       </p:cBhvr>
-                                      <p:to/>
                                     </p:set>
                                     <p:set>
                                       <p:cBhvr>
@@ -7727,7 +7734,7 @@
         <p:spPr>
           <a:xfrm>
             <a:off x="6553080" y="6356520"/>
-            <a:ext cx="2133000" cy="364320"/>
+            <a:ext cx="2132640" cy="363960"/>
           </a:xfrm>
           <a:prstGeom prst="rect">
             <a:avLst/>
@@ -7741,7 +7748,7 @@
                 <a:spcPct val="100000"/>
               </a:lnSpc>
             </a:pPr>
-            <a:fld id="{C995D83C-CEE2-409A-93D7-761E5FCD6776}" type="slidenum">
+            <a:fld id="{C9E61E29-1A6F-4FDC-8C84-857A96C70F0F}" type="slidenum">
               <a:rPr lang="en-CA" sz="1200">
                 <a:solidFill>
                   <a:srgbClr val="8b8b8b"/>
@@ -7762,7 +7769,7 @@
         </p:nvGraphicFramePr>
         <p:xfrm>
           <a:off x="380880" y="304920"/>
-          <a:ext cx="3123360" cy="5831280"/>
+          <a:ext cx="3123000" cy="5830920"/>
         </p:xfrm>
         <a:graphic>
           <a:graphicData uri="http://schemas.openxmlformats.org/drawingml/2006/table">
@@ -7770,7 +7777,7 @@
               <a:tblPr/>
               <a:tblGrid>
                 <a:gridCol w="1447560"/>
-                <a:gridCol w="1675800"/>
+                <a:gridCol w="1675440"/>
               </a:tblGrid>
               <a:tr h="887760">
                 <a:tc>
@@ -8505,7 +8512,7 @@
         <p:spPr>
           <a:xfrm>
             <a:off x="762120" y="6172200"/>
-            <a:ext cx="837360" cy="637920"/>
+            <a:ext cx="837000" cy="637560"/>
           </a:xfrm>
           <a:prstGeom prst="rect">
             <a:avLst/>
@@ -8550,7 +8557,7 @@
         <p:spPr>
           <a:xfrm>
             <a:off x="2286000" y="6172200"/>
-            <a:ext cx="913680" cy="637920"/>
+            <a:ext cx="913320" cy="637560"/>
           </a:xfrm>
           <a:prstGeom prst="rect">
             <a:avLst/>
@@ -8594,7 +8601,7 @@
         </p:nvGraphicFramePr>
         <p:xfrm>
           <a:off x="5257800" y="304920"/>
-          <a:ext cx="3123360" cy="3235320"/>
+          <a:ext cx="3123000" cy="3234960"/>
         </p:xfrm>
         <a:graphic>
           <a:graphicData uri="http://schemas.openxmlformats.org/drawingml/2006/table">
@@ -8602,7 +8609,7 @@
               <a:tblPr/>
               <a:tblGrid>
                 <a:gridCol w="1447560"/>
-                <a:gridCol w="1675800"/>
+                <a:gridCol w="1675440"/>
               </a:tblGrid>
               <a:tr h="887760">
                 <a:tc>
@@ -9019,7 +9026,7 @@
         <p:spPr>
           <a:xfrm>
             <a:off x="5638680" y="3593160"/>
-            <a:ext cx="837360" cy="637920"/>
+            <a:ext cx="837000" cy="637560"/>
           </a:xfrm>
           <a:prstGeom prst="rect">
             <a:avLst/>
@@ -9064,7 +9071,7 @@
         <p:spPr>
           <a:xfrm>
             <a:off x="7162920" y="3593160"/>
-            <a:ext cx="913680" cy="637920"/>
+            <a:ext cx="913320" cy="637560"/>
           </a:xfrm>
           <a:prstGeom prst="rect">
             <a:avLst/>
@@ -9109,7 +9116,7 @@
         <p:spPr>
           <a:xfrm>
             <a:off x="4042440" y="4687560"/>
-            <a:ext cx="4565160" cy="638640"/>
+            <a:ext cx="4564800" cy="638280"/>
           </a:xfrm>
           <a:prstGeom prst="rect">
             <a:avLst/>
@@ -9180,7 +9187,7 @@
         <p:spPr>
           <a:xfrm>
             <a:off x="3657600" y="4687560"/>
-            <a:ext cx="5335200" cy="645480"/>
+            <a:ext cx="5334840" cy="645120"/>
           </a:xfrm>
           <a:prstGeom prst="rect">
             <a:avLst/>
@@ -9244,7 +9251,7 @@
         <p:spPr>
           <a:xfrm>
             <a:off x="457200" y="274680"/>
-            <a:ext cx="8228880" cy="1142280"/>
+            <a:ext cx="8228520" cy="1141920"/>
           </a:xfrm>
           <a:prstGeom prst="rect">
             <a:avLst/>
@@ -9280,7 +9287,7 @@
         <p:spPr>
           <a:xfrm>
             <a:off x="457200" y="1600200"/>
-            <a:ext cx="8228880" cy="4525200"/>
+            <a:ext cx="8228520" cy="4524840"/>
           </a:xfrm>
           <a:prstGeom prst="rect">
             <a:avLst/>
@@ -9453,7 +9460,7 @@
         <p:spPr>
           <a:xfrm>
             <a:off x="457200" y="1600200"/>
-            <a:ext cx="8228880" cy="4525200"/>
+            <a:ext cx="8228520" cy="4524840"/>
           </a:xfrm>
           <a:prstGeom prst="rect">
             <a:avLst/>
@@ -9491,7 +9498,7 @@
         <p:spPr>
           <a:xfrm>
             <a:off x="6553080" y="6356520"/>
-            <a:ext cx="2133000" cy="364320"/>
+            <a:ext cx="2132640" cy="363960"/>
           </a:xfrm>
           <a:prstGeom prst="rect">
             <a:avLst/>
@@ -9505,7 +9512,7 @@
                 <a:spcPct val="100000"/>
               </a:lnSpc>
             </a:pPr>
-            <a:fld id="{DBC9043D-AF90-450A-AC6D-B01721423AE8}" type="slidenum">
+            <a:fld id="{75B2FC1E-DE77-4D62-9EA3-C94854DFD310}" type="slidenum">
               <a:rPr lang="en-CA" sz="1200">
                 <a:solidFill>
                   <a:srgbClr val="8b8b8b"/>
@@ -9576,7 +9583,7 @@
         <p:spPr>
           <a:xfrm>
             <a:off x="457200" y="274680"/>
-            <a:ext cx="8228880" cy="1142280"/>
+            <a:ext cx="8228520" cy="1141920"/>
           </a:xfrm>
           <a:prstGeom prst="rect">
             <a:avLst/>
@@ -9612,7 +9619,7 @@
         <p:spPr>
           <a:xfrm>
             <a:off x="304920" y="1600200"/>
-            <a:ext cx="8533800" cy="4525200"/>
+            <a:ext cx="8533440" cy="4524840"/>
           </a:xfrm>
           <a:prstGeom prst="rect">
             <a:avLst/>
@@ -9757,7 +9764,7 @@
         <p:spPr>
           <a:xfrm>
             <a:off x="304920" y="1600200"/>
-            <a:ext cx="8533800" cy="4525200"/>
+            <a:ext cx="8533440" cy="4524840"/>
           </a:xfrm>
           <a:prstGeom prst="rect">
             <a:avLst/>
@@ -9795,7 +9802,7 @@
         <p:spPr>
           <a:xfrm>
             <a:off x="6553080" y="6356520"/>
-            <a:ext cx="2133000" cy="364320"/>
+            <a:ext cx="2132640" cy="363960"/>
           </a:xfrm>
           <a:prstGeom prst="rect">
             <a:avLst/>
@@ -9809,7 +9816,7 @@
                 <a:spcPct val="100000"/>
               </a:lnSpc>
             </a:pPr>
-            <a:fld id="{3B7160F3-BA92-4502-B975-850E25881A5C}" type="slidenum">
+            <a:fld id="{3ECAC804-010E-47B5-8A5C-48142BF490D5}" type="slidenum">
               <a:rPr lang="en-CA" sz="1200">
                 <a:solidFill>
                   <a:srgbClr val="8b8b8b"/>
@@ -9880,7 +9887,7 @@
         <p:spPr>
           <a:xfrm>
             <a:off x="457200" y="274680"/>
-            <a:ext cx="8228880" cy="1142280"/>
+            <a:ext cx="8228520" cy="1141920"/>
           </a:xfrm>
           <a:prstGeom prst="rect">
             <a:avLst/>
@@ -9916,7 +9923,7 @@
         <p:spPr>
           <a:xfrm>
             <a:off x="457200" y="1600200"/>
-            <a:ext cx="8228880" cy="4525200"/>
+            <a:ext cx="8228520" cy="4524840"/>
           </a:xfrm>
           <a:prstGeom prst="rect">
             <a:avLst/>
@@ -10053,7 +10060,7 @@
         <p:spPr>
           <a:xfrm>
             <a:off x="457200" y="1600200"/>
-            <a:ext cx="8228880" cy="4525200"/>
+            <a:ext cx="8228520" cy="4524840"/>
           </a:xfrm>
           <a:prstGeom prst="rect">
             <a:avLst/>
@@ -10091,7 +10098,7 @@
         <p:spPr>
           <a:xfrm>
             <a:off x="6553080" y="6356520"/>
-            <a:ext cx="2133000" cy="364320"/>
+            <a:ext cx="2132640" cy="363960"/>
           </a:xfrm>
           <a:prstGeom prst="rect">
             <a:avLst/>
@@ -10105,7 +10112,7 @@
                 <a:spcPct val="100000"/>
               </a:lnSpc>
             </a:pPr>
-            <a:fld id="{B15C810A-3A87-41B4-B55C-60D8E1019D24}" type="slidenum">
+            <a:fld id="{0C63B719-C734-4E47-A278-59E81A95796C}" type="slidenum">
               <a:rPr lang="en-CA" sz="1200">
                 <a:solidFill>
                   <a:srgbClr val="8b8b8b"/>
@@ -10149,7 +10156,7 @@
         <p:spPr>
           <a:xfrm>
             <a:off x="457200" y="274680"/>
-            <a:ext cx="8228880" cy="1142280"/>
+            <a:ext cx="8228520" cy="1141920"/>
           </a:xfrm>
           <a:prstGeom prst="rect">
             <a:avLst/>
@@ -10185,7 +10192,7 @@
         <p:spPr>
           <a:xfrm>
             <a:off x="4419720" y="1822320"/>
-            <a:ext cx="4619520" cy="4273200"/>
+            <a:ext cx="4619160" cy="4272840"/>
           </a:xfrm>
           <a:prstGeom prst="rect">
             <a:avLst/>
@@ -10650,7 +10657,7 @@
         <p:spPr>
           <a:xfrm>
             <a:off x="6553080" y="6356520"/>
-            <a:ext cx="2133000" cy="364320"/>
+            <a:ext cx="2132640" cy="363960"/>
           </a:xfrm>
           <a:prstGeom prst="rect">
             <a:avLst/>
@@ -10664,7 +10671,7 @@
                 <a:spcPct val="100000"/>
               </a:lnSpc>
             </a:pPr>
-            <a:fld id="{0BDCF898-AAA4-4F66-9352-C5968A7C2A51}" type="slidenum">
+            <a:fld id="{21954593-0472-4C79-B7C5-BDFEF90D63AE}" type="slidenum">
               <a:rPr lang="en-CA" sz="1200">
                 <a:solidFill>
                   <a:srgbClr val="8b8b8b"/>
@@ -10686,7 +10693,7 @@
         <p:spPr>
           <a:xfrm>
             <a:off x="65880" y="1830960"/>
-            <a:ext cx="4200480" cy="4264200"/>
+            <a:ext cx="4200120" cy="4263840"/>
           </a:xfrm>
           <a:prstGeom prst="rect">
             <a:avLst/>
@@ -11112,7 +11119,7 @@
         <p:spPr>
           <a:xfrm>
             <a:off x="1482120" y="1461600"/>
-            <a:ext cx="1383120" cy="364320"/>
+            <a:ext cx="1382760" cy="363960"/>
           </a:xfrm>
           <a:prstGeom prst="rect">
             <a:avLst/>
@@ -11148,7 +11155,7 @@
         <p:spPr>
           <a:xfrm>
             <a:off x="6014160" y="1461600"/>
-            <a:ext cx="1383120" cy="364320"/>
+            <a:ext cx="1382760" cy="363960"/>
           </a:xfrm>
           <a:prstGeom prst="rect">
             <a:avLst/>
@@ -11214,7 +11221,6 @@
                                           </p:spTgt>
                                         </p:tgtEl>
                                       </p:cBhvr>
-                                      <p:to/>
                                     </p:set>
                                     <p:set>
                                       <p:cBhvr>
@@ -11227,7 +11233,6 @@
                                           </p:spTgt>
                                         </p:tgtEl>
                                       </p:cBhvr>
-                                      <p:to/>
                                     </p:set>
                                     <p:set>
                                       <p:cBhvr>
@@ -11261,7 +11266,6 @@
                                           </p:spTgt>
                                         </p:tgtEl>
                                       </p:cBhvr>
-                                      <p:to/>
                                     </p:set>
                                     <p:set>
                                       <p:cBhvr>
@@ -11274,7 +11278,6 @@
                                           </p:spTgt>
                                         </p:tgtEl>
                                       </p:cBhvr>
-                                      <p:to/>
                                     </p:set>
                                     <p:set>
                                       <p:cBhvr>
@@ -11308,7 +11311,6 @@
                                           </p:spTgt>
                                         </p:tgtEl>
                                       </p:cBhvr>
-                                      <p:to/>
                                     </p:set>
                                     <p:set>
                                       <p:cBhvr>
@@ -11321,7 +11323,6 @@
                                           </p:spTgt>
                                         </p:tgtEl>
                                       </p:cBhvr>
-                                      <p:to/>
                                     </p:set>
                                     <p:set>
                                       <p:cBhvr>
@@ -11355,7 +11356,6 @@
                                           </p:spTgt>
                                         </p:tgtEl>
                                       </p:cBhvr>
-                                      <p:to/>
                                     </p:set>
                                     <p:set>
                                       <p:cBhvr>
@@ -11368,7 +11368,6 @@
                                           </p:spTgt>
                                         </p:tgtEl>
                                       </p:cBhvr>
-                                      <p:to/>
                                     </p:set>
                                     <p:set>
                                       <p:cBhvr>
@@ -11402,7 +11401,6 @@
                                           </p:spTgt>
                                         </p:tgtEl>
                                       </p:cBhvr>
-                                      <p:to/>
                                     </p:set>
                                     <p:set>
                                       <p:cBhvr>
@@ -11415,7 +11413,6 @@
                                           </p:spTgt>
                                         </p:tgtEl>
                                       </p:cBhvr>
-                                      <p:to/>
                                     </p:set>
                                     <p:set>
                                       <p:cBhvr>
@@ -11449,7 +11446,6 @@
                                           </p:spTgt>
                                         </p:tgtEl>
                                       </p:cBhvr>
-                                      <p:to/>
                                     </p:set>
                                     <p:set>
                                       <p:cBhvr>
@@ -11462,7 +11458,6 @@
                                           </p:spTgt>
                                         </p:tgtEl>
                                       </p:cBhvr>
-                                      <p:to/>
                                     </p:set>
                                     <p:set>
                                       <p:cBhvr>
@@ -11496,7 +11491,6 @@
                                           </p:spTgt>
                                         </p:tgtEl>
                                       </p:cBhvr>
-                                      <p:to/>
                                     </p:set>
                                     <p:set>
                                       <p:cBhvr>
@@ -11509,7 +11503,6 @@
                                           </p:spTgt>
                                         </p:tgtEl>
                                       </p:cBhvr>
-                                      <p:to/>
                                     </p:set>
                                     <p:set>
                                       <p:cBhvr>
@@ -11543,7 +11536,6 @@
                                           </p:spTgt>
                                         </p:tgtEl>
                                       </p:cBhvr>
-                                      <p:to/>
                                     </p:set>
                                     <p:set>
                                       <p:cBhvr>
@@ -11556,7 +11548,6 @@
                                           </p:spTgt>
                                         </p:tgtEl>
                                       </p:cBhvr>
-                                      <p:to/>
                                     </p:set>
                                     <p:set>
                                       <p:cBhvr>
@@ -11590,7 +11581,6 @@
                                           </p:spTgt>
                                         </p:tgtEl>
                                       </p:cBhvr>
-                                      <p:to/>
                                     </p:set>
                                     <p:set>
                                       <p:cBhvr>
@@ -11603,7 +11593,6 @@
                                           </p:spTgt>
                                         </p:tgtEl>
                                       </p:cBhvr>
-                                      <p:to/>
                                     </p:set>
                                     <p:set>
                                       <p:cBhvr>
@@ -11637,7 +11626,6 @@
                                           </p:spTgt>
                                         </p:tgtEl>
                                       </p:cBhvr>
-                                      <p:to/>
                                     </p:set>
                                     <p:set>
                                       <p:cBhvr>
@@ -11650,7 +11638,6 @@
                                           </p:spTgt>
                                         </p:tgtEl>
                                       </p:cBhvr>
-                                      <p:to/>
                                     </p:set>
                                     <p:set>
                                       <p:cBhvr>

--- a/lectures/lec2/Halstead_Complexity.pptx
+++ b/lectures/lec2/Halstead_Complexity.pptx
@@ -190,7 +190,7 @@
           <a:bodyPr anchor="b" bIns="0" lIns="0" rIns="0" tIns="0" wrap="none"/>
           <a:p>
             <a:pPr algn="r"/>
-            <a:fld id="{E1EE386E-7EF8-44DF-BE6A-01C106912ABB}" type="slidenum">
+            <a:fld id="{4F3C20E2-CE44-42AC-B1A7-F066F2F0B0B0}" type="slidenum">
               <a:rPr lang="en-CA"/>
               <a:t>&lt;number&gt;</a:t>
             </a:fld>
@@ -234,7 +234,7 @@
         <p:spPr>
           <a:xfrm>
             <a:off x="685800" y="4343400"/>
-            <a:ext cx="5485320" cy="4113720"/>
+            <a:ext cx="5485680" cy="4114080"/>
           </a:xfrm>
           <a:prstGeom prst="rect">
             <a:avLst/>
@@ -260,7 +260,7 @@
         <p:spPr>
           <a:xfrm>
             <a:off x="3884760" y="8685360"/>
-            <a:ext cx="2970720" cy="456120"/>
+            <a:ext cx="2971080" cy="456480"/>
           </a:xfrm>
           <a:prstGeom prst="rect">
             <a:avLst/>
@@ -274,7 +274,7 @@
                 <a:spcPct val="100000"/>
               </a:lnSpc>
             </a:pPr>
-            <a:fld id="{2C7CD3E3-FFD4-4CCB-B3B3-CB844698E9FB}" type="slidenum">
+            <a:fld id="{F89472FA-A44D-4200-8233-46F0F39E6A5A}" type="slidenum">
               <a:rPr lang="en-CA" sz="1200">
                 <a:solidFill>
                   <a:srgbClr val="000000"/>
@@ -2545,8 +2545,8 @@
         </p:nvSpPr>
         <p:spPr>
           <a:xfrm>
-            <a:off x="457200" y="273600"/>
-            <a:ext cx="8228880" cy="1144800"/>
+            <a:off x="457200" y="274680"/>
+            <a:ext cx="8228880" cy="1142640"/>
           </a:xfrm>
           <a:prstGeom prst="rect">
             <a:avLst/>
@@ -2576,7 +2576,7 @@
         <p:spPr>
           <a:xfrm>
             <a:off x="457200" y="1604520"/>
-            <a:ext cx="8228880" cy="3976560"/>
+            <a:ext cx="8229240" cy="3976920"/>
           </a:xfrm>
           <a:prstGeom prst="rect">
             <a:avLst/>
@@ -2723,7 +2723,7 @@
         <p:spPr>
           <a:xfrm>
             <a:off x="0" y="6356520"/>
-            <a:ext cx="9142920" cy="363960"/>
+            <a:ext cx="9143280" cy="364320"/>
           </a:xfrm>
           <a:prstGeom prst="rect">
             <a:avLst/>
@@ -2951,7 +2951,7 @@
         <p:spPr>
           <a:xfrm>
             <a:off x="685800" y="2130480"/>
-            <a:ext cx="7771320" cy="1468800"/>
+            <a:ext cx="7771680" cy="1469160"/>
           </a:xfrm>
           <a:prstGeom prst="rect">
             <a:avLst/>
@@ -2987,7 +2987,7 @@
         <p:spPr>
           <a:xfrm>
             <a:off x="1371600" y="3886200"/>
-            <a:ext cx="6399720" cy="1751400"/>
+            <a:ext cx="6400080" cy="1751760"/>
           </a:xfrm>
           <a:prstGeom prst="rect">
             <a:avLst/>
@@ -3023,7 +3023,7 @@
         <p:spPr>
           <a:xfrm>
             <a:off x="0" y="6356520"/>
-            <a:ext cx="9142920" cy="363960"/>
+            <a:ext cx="9143280" cy="364320"/>
           </a:xfrm>
           <a:prstGeom prst="rect">
             <a:avLst/>
@@ -3076,7 +3076,7 @@
         <p:spPr>
           <a:xfrm>
             <a:off x="6553080" y="6356520"/>
-            <a:ext cx="2132640" cy="363960"/>
+            <a:ext cx="2133000" cy="364320"/>
           </a:xfrm>
           <a:prstGeom prst="rect">
             <a:avLst/>
@@ -3090,7 +3090,7 @@
                 <a:spcPct val="100000"/>
               </a:lnSpc>
             </a:pPr>
-            <a:fld id="{AFC40D13-6531-4A5C-9025-7FD1AD229306}" type="slidenum">
+            <a:fld id="{61E5A87E-5383-4590-B49F-A2C57A47BA5D}" type="slidenum">
               <a:rPr lang="en-CA" sz="1200">
                 <a:solidFill>
                   <a:srgbClr val="8b8b8b"/>
@@ -3134,7 +3134,7 @@
         <p:spPr>
           <a:xfrm>
             <a:off x="457200" y="0"/>
-            <a:ext cx="8228520" cy="1141920"/>
+            <a:ext cx="8228880" cy="1142280"/>
           </a:xfrm>
           <a:prstGeom prst="rect">
             <a:avLst/>
@@ -3179,7 +3179,7 @@
         <p:spPr>
           <a:xfrm>
             <a:off x="6553080" y="6356520"/>
-            <a:ext cx="2132640" cy="363960"/>
+            <a:ext cx="2133000" cy="364320"/>
           </a:xfrm>
           <a:prstGeom prst="rect">
             <a:avLst/>
@@ -3193,7 +3193,7 @@
                 <a:spcPct val="100000"/>
               </a:lnSpc>
             </a:pPr>
-            <a:fld id="{E0988F26-FC5B-4F85-8C90-DE58D9FFA0C8}" type="slidenum">
+            <a:fld id="{2BA62548-871E-4AD9-ABAC-85339404F17A}" type="slidenum">
               <a:rPr lang="en-CA" sz="1200">
                 <a:solidFill>
                   <a:srgbClr val="8b8b8b"/>
@@ -3215,7 +3215,7 @@
         <p:spPr>
           <a:xfrm>
             <a:off x="1509120" y="1295280"/>
-            <a:ext cx="6124680" cy="5256720"/>
+            <a:ext cx="6125040" cy="5257080"/>
           </a:xfrm>
           <a:prstGeom prst="rect">
             <a:avLst/>
@@ -3702,7 +3702,7 @@
         <p:spPr>
           <a:xfrm>
             <a:off x="6553080" y="6356520"/>
-            <a:ext cx="2132640" cy="363960"/>
+            <a:ext cx="2133000" cy="364320"/>
           </a:xfrm>
           <a:prstGeom prst="rect">
             <a:avLst/>
@@ -3716,7 +3716,7 @@
                 <a:spcPct val="100000"/>
               </a:lnSpc>
             </a:pPr>
-            <a:fld id="{FA5B3BB0-E11A-4B7E-B6F1-FAFFCA31D3C0}" type="slidenum">
+            <a:fld id="{3BB22165-09A5-4304-951E-235CA84AAD5D}" type="slidenum">
               <a:rPr lang="en-CA" sz="1200">
                 <a:solidFill>
                   <a:srgbClr val="8b8b8b"/>
@@ -3737,7 +3737,7 @@
         </p:nvGraphicFramePr>
         <p:xfrm>
           <a:off x="380880" y="76320"/>
-          <a:ext cx="3123000" cy="6674040"/>
+          <a:ext cx="3123360" cy="6674400"/>
         </p:xfrm>
         <a:graphic>
           <a:graphicData uri="http://schemas.openxmlformats.org/drawingml/2006/table">
@@ -3745,7 +3745,7 @@
               <a:tblPr/>
               <a:tblGrid>
                 <a:gridCol w="1447560"/>
-                <a:gridCol w="1675440"/>
+                <a:gridCol w="1675800"/>
               </a:tblGrid>
               <a:tr h="622440">
                 <a:tc>
@@ -4624,7 +4624,7 @@
         <p:spPr>
           <a:xfrm>
             <a:off x="3581280" y="5726520"/>
-            <a:ext cx="837000" cy="637560"/>
+            <a:ext cx="837360" cy="637920"/>
           </a:xfrm>
           <a:prstGeom prst="rect">
             <a:avLst/>
@@ -4669,7 +4669,7 @@
         <p:spPr>
           <a:xfrm>
             <a:off x="5105520" y="5726520"/>
-            <a:ext cx="913320" cy="637560"/>
+            <a:ext cx="913680" cy="637920"/>
           </a:xfrm>
           <a:prstGeom prst="rect">
             <a:avLst/>
@@ -4713,7 +4713,7 @@
         </p:nvGraphicFramePr>
         <p:xfrm>
           <a:off x="5257800" y="304920"/>
-          <a:ext cx="3123000" cy="3605760"/>
+          <a:ext cx="3123360" cy="3606120"/>
         </p:xfrm>
         <a:graphic>
           <a:graphicData uri="http://schemas.openxmlformats.org/drawingml/2006/table">
@@ -4721,7 +4721,7 @@
               <a:tblPr/>
               <a:tblGrid>
                 <a:gridCol w="1447560"/>
-                <a:gridCol w="1675440"/>
+                <a:gridCol w="1675800"/>
               </a:tblGrid>
               <a:tr h="887760">
                 <a:tc>
@@ -5195,7 +5195,7 @@
         <p:spPr>
           <a:xfrm>
             <a:off x="5638680" y="3962520"/>
-            <a:ext cx="837000" cy="637560"/>
+            <a:ext cx="837360" cy="637920"/>
           </a:xfrm>
           <a:prstGeom prst="rect">
             <a:avLst/>
@@ -5240,7 +5240,7 @@
         <p:spPr>
           <a:xfrm>
             <a:off x="7162920" y="3962520"/>
-            <a:ext cx="913320" cy="637560"/>
+            <a:ext cx="913680" cy="637920"/>
           </a:xfrm>
           <a:prstGeom prst="rect">
             <a:avLst/>
@@ -5285,7 +5285,7 @@
         <p:spPr>
           <a:xfrm>
             <a:off x="4157280" y="4687560"/>
-            <a:ext cx="4043520" cy="638280"/>
+            <a:ext cx="4043880" cy="638640"/>
           </a:xfrm>
           <a:prstGeom prst="rect">
             <a:avLst/>
@@ -5356,7 +5356,7 @@
         <p:spPr>
           <a:xfrm>
             <a:off x="3657600" y="4687560"/>
-            <a:ext cx="5043240" cy="645120"/>
+            <a:ext cx="5043600" cy="645480"/>
           </a:xfrm>
           <a:prstGeom prst="rect">
             <a:avLst/>
@@ -5420,7 +5420,7 @@
         <p:spPr>
           <a:xfrm>
             <a:off x="457200" y="274680"/>
-            <a:ext cx="8228520" cy="1141920"/>
+            <a:ext cx="8228880" cy="1142280"/>
           </a:xfrm>
           <a:prstGeom prst="rect">
             <a:avLst/>
@@ -5456,7 +5456,7 @@
         <p:spPr>
           <a:xfrm>
             <a:off x="457200" y="1600200"/>
-            <a:ext cx="8228520" cy="4524840"/>
+            <a:ext cx="8228880" cy="4525200"/>
           </a:xfrm>
           <a:prstGeom prst="rect">
             <a:avLst/>
@@ -5593,7 +5593,7 @@
         <p:spPr>
           <a:xfrm>
             <a:off x="457200" y="1600200"/>
-            <a:ext cx="8228520" cy="4524840"/>
+            <a:ext cx="8228880" cy="4525200"/>
           </a:xfrm>
           <a:prstGeom prst="rect">
             <a:avLst/>
@@ -5631,7 +5631,7 @@
         <p:spPr>
           <a:xfrm>
             <a:off x="6553080" y="6356520"/>
-            <a:ext cx="2132640" cy="363960"/>
+            <a:ext cx="2133000" cy="364320"/>
           </a:xfrm>
           <a:prstGeom prst="rect">
             <a:avLst/>
@@ -5645,7 +5645,7 @@
                 <a:spcPct val="100000"/>
               </a:lnSpc>
             </a:pPr>
-            <a:fld id="{B07869E6-DE25-4E3F-9C00-415D50643ACB}" type="slidenum">
+            <a:fld id="{438A0587-6F03-4018-AE1E-B903135A2ACD}" type="slidenum">
               <a:rPr lang="en-CA" sz="1200">
                 <a:solidFill>
                   <a:srgbClr val="8b8b8b"/>
@@ -5689,7 +5689,7 @@
         <p:spPr>
           <a:xfrm>
             <a:off x="457200" y="274680"/>
-            <a:ext cx="8228520" cy="1141920"/>
+            <a:ext cx="8228880" cy="1142280"/>
           </a:xfrm>
           <a:prstGeom prst="rect">
             <a:avLst/>
@@ -5725,7 +5725,7 @@
         <p:spPr>
           <a:xfrm>
             <a:off x="304920" y="1600200"/>
-            <a:ext cx="8533440" cy="4524840"/>
+            <a:ext cx="8533800" cy="4525200"/>
           </a:xfrm>
           <a:prstGeom prst="rect">
             <a:avLst/>
@@ -5742,7 +5742,7 @@
               <a:buChar char="•"/>
             </a:pPr>
             <a:r>
-              <a:rPr lang="en-CA" sz="2200">
+              <a:rPr lang="en-CA" sz="3200">
                 <a:solidFill>
                   <a:srgbClr val="000000"/>
                 </a:solidFill>
@@ -5751,7 +5751,7 @@
               <a:t>The program should be completed or near completed to determine </a:t>
             </a:r>
             <a:r>
-              <a:rPr b="1" i="1" lang="en-CA" sz="2200">
+              <a:rPr b="1" i="1" lang="en-CA" sz="3200">
                 <a:solidFill>
                   <a:srgbClr val="000000"/>
                 </a:solidFill>
@@ -5760,7 +5760,7 @@
               <a:t>N1</a:t>
             </a:r>
             <a:r>
-              <a:rPr lang="en-CA" sz="2200">
+              <a:rPr lang="en-CA" sz="3200">
                 <a:solidFill>
                   <a:srgbClr val="000000"/>
                 </a:solidFill>
@@ -5769,7 +5769,7 @@
               <a:t> and </a:t>
             </a:r>
             <a:r>
-              <a:rPr b="1" i="1" lang="en-CA" sz="2200">
+              <a:rPr b="1" i="1" lang="en-CA" sz="3200">
                 <a:solidFill>
                   <a:srgbClr val="000000"/>
                 </a:solidFill>
@@ -5788,7 +5788,7 @@
               <a:buChar char="•"/>
             </a:pPr>
             <a:r>
-              <a:rPr lang="en-CA" sz="2200">
+              <a:rPr lang="en-CA" sz="3200">
                 <a:solidFill>
                   <a:srgbClr val="000000"/>
                 </a:solidFill>
@@ -5807,7 +5807,7 @@
               <a:buChar char="•"/>
             </a:pPr>
             <a:r>
-              <a:rPr lang="en-CA" sz="2200">
+              <a:rPr lang="en-CA" sz="3200">
                 <a:solidFill>
                   <a:srgbClr val="000000"/>
                 </a:solidFill>
@@ -5826,7 +5826,7 @@
               <a:buChar char="•"/>
             </a:pPr>
             <a:r>
-              <a:rPr lang="en-CA" sz="2200">
+              <a:rPr lang="en-CA" sz="3200">
                 <a:solidFill>
                   <a:srgbClr val="000000"/>
                 </a:solidFill>
@@ -5847,7 +5847,7 @@
         <p:spPr>
           <a:xfrm>
             <a:off x="6553080" y="6356520"/>
-            <a:ext cx="2132640" cy="363960"/>
+            <a:ext cx="2133000" cy="364320"/>
           </a:xfrm>
           <a:prstGeom prst="rect">
             <a:avLst/>
@@ -5861,7 +5861,7 @@
                 <a:spcPct val="100000"/>
               </a:lnSpc>
             </a:pPr>
-            <a:fld id="{5ACD8688-4A91-486A-9E57-79E8D75C8434}" type="slidenum">
+            <a:fld id="{F3F75CF3-8A5D-4494-A138-6DFA2DC3077D}" type="slidenum">
               <a:rPr lang="en-CA" sz="1200">
                 <a:solidFill>
                   <a:srgbClr val="8b8b8b"/>
@@ -5876,33 +5876,6 @@
       </p:sp>
     </p:spTree>
   </p:cSld>
-  <p:timing>
-    <p:tnLst>
-      <p:par>
-        <p:cTn dur="indefinite" id="95" nodeType="tmRoot" restart="never">
-          <p:childTnLst>
-            <p:seq>
-              <p:cTn id="96" nodeType="mainSeq"/>
-              <p:prevCondLst>
-                <p:cond delay="0" evt="onPrev">
-                  <p:tgtEl>
-                    <p:sldTgt/>
-                  </p:tgtEl>
-                </p:cond>
-              </p:prevCondLst>
-              <p:nextCondLst>
-                <p:cond delay="0" evt="onNext">
-                  <p:tgtEl>
-                    <p:sldTgt/>
-                  </p:tgtEl>
-                </p:cond>
-              </p:nextCondLst>
-            </p:seq>
-          </p:childTnLst>
-        </p:cTn>
-      </p:par>
-    </p:tnLst>
-  </p:timing>
 </p:sld>
 </file>
 
@@ -5932,7 +5905,7 @@
         <p:spPr>
           <a:xfrm>
             <a:off x="457200" y="274680"/>
-            <a:ext cx="8228520" cy="1141920"/>
+            <a:ext cx="8228880" cy="1142280"/>
           </a:xfrm>
           <a:prstGeom prst="rect">
             <a:avLst/>
@@ -5968,7 +5941,7 @@
         <p:spPr>
           <a:xfrm>
             <a:off x="380880" y="1600200"/>
-            <a:ext cx="8380800" cy="4524840"/>
+            <a:ext cx="8381160" cy="4525200"/>
           </a:xfrm>
           <a:prstGeom prst="rect">
             <a:avLst/>
@@ -6043,7 +6016,7 @@
         <p:spPr>
           <a:xfrm>
             <a:off x="6553080" y="6356520"/>
-            <a:ext cx="2132640" cy="363960"/>
+            <a:ext cx="2133000" cy="364320"/>
           </a:xfrm>
           <a:prstGeom prst="rect">
             <a:avLst/>
@@ -6057,7 +6030,7 @@
                 <a:spcPct val="100000"/>
               </a:lnSpc>
             </a:pPr>
-            <a:fld id="{D1DF0738-3106-4866-B0E7-60097A54380E}" type="slidenum">
+            <a:fld id="{DBA62C12-BAB2-44B6-B144-C29CA73FDA4D}" type="slidenum">
               <a:rPr lang="en-CA" sz="1200">
                 <a:solidFill>
                   <a:srgbClr val="8b8b8b"/>
@@ -6101,7 +6074,7 @@
         <p:spPr>
           <a:xfrm>
             <a:off x="457200" y="274680"/>
-            <a:ext cx="8228520" cy="1141920"/>
+            <a:ext cx="8228880" cy="1142280"/>
           </a:xfrm>
           <a:prstGeom prst="rect">
             <a:avLst/>
@@ -6137,7 +6110,7 @@
         <p:spPr>
           <a:xfrm>
             <a:off x="380880" y="1600200"/>
-            <a:ext cx="8380800" cy="4524840"/>
+            <a:ext cx="8381160" cy="4525200"/>
           </a:xfrm>
           <a:prstGeom prst="rect">
             <a:avLst/>
@@ -6248,7 +6221,7 @@
         <p:spPr>
           <a:xfrm>
             <a:off x="6553080" y="6356520"/>
-            <a:ext cx="2132640" cy="363960"/>
+            <a:ext cx="2133000" cy="364320"/>
           </a:xfrm>
           <a:prstGeom prst="rect">
             <a:avLst/>
@@ -6262,7 +6235,7 @@
                 <a:spcPct val="100000"/>
               </a:lnSpc>
             </a:pPr>
-            <a:fld id="{D79D58F8-7218-4496-9264-D8C5E350C5B7}" type="slidenum">
+            <a:fld id="{56D29D38-475F-401A-A8C9-129883DF92F5}" type="slidenum">
               <a:rPr lang="en-CA" sz="1200">
                 <a:solidFill>
                   <a:srgbClr val="8b8b8b"/>
@@ -6333,7 +6306,7 @@
         <p:spPr>
           <a:xfrm>
             <a:off x="457200" y="274680"/>
-            <a:ext cx="8228520" cy="1141920"/>
+            <a:ext cx="8228880" cy="1142280"/>
           </a:xfrm>
           <a:prstGeom prst="rect">
             <a:avLst/>
@@ -6369,7 +6342,7 @@
         <p:spPr>
           <a:xfrm>
             <a:off x="457200" y="1600200"/>
-            <a:ext cx="8228520" cy="4524840"/>
+            <a:ext cx="8228880" cy="4525200"/>
           </a:xfrm>
           <a:prstGeom prst="rect">
             <a:avLst/>
@@ -6616,7 +6589,7 @@
         <p:spPr>
           <a:xfrm>
             <a:off x="457200" y="1600200"/>
-            <a:ext cx="8228520" cy="4524840"/>
+            <a:ext cx="8228880" cy="4525200"/>
           </a:xfrm>
           <a:prstGeom prst="rect">
             <a:avLst/>
@@ -6654,7 +6627,7 @@
         <p:spPr>
           <a:xfrm>
             <a:off x="6553080" y="6356520"/>
-            <a:ext cx="2132640" cy="363960"/>
+            <a:ext cx="2133000" cy="364320"/>
           </a:xfrm>
           <a:prstGeom prst="rect">
             <a:avLst/>
@@ -6668,7 +6641,7 @@
                 <a:spcPct val="100000"/>
               </a:lnSpc>
             </a:pPr>
-            <a:fld id="{7EE09CE7-A65C-4EA8-BC43-52B9631E2167}" type="slidenum">
+            <a:fld id="{3D5D2B75-44B4-4CE7-B6A8-2DE1240963F4}" type="slidenum">
               <a:rPr lang="en-CA" sz="1200">
                 <a:solidFill>
                   <a:srgbClr val="8b8b8b"/>
@@ -6712,7 +6685,7 @@
         <p:spPr>
           <a:xfrm>
             <a:off x="457200" y="274680"/>
-            <a:ext cx="8228520" cy="1141920"/>
+            <a:ext cx="8228880" cy="1142280"/>
           </a:xfrm>
           <a:prstGeom prst="rect">
             <a:avLst/>
@@ -6748,7 +6721,7 @@
         <p:spPr>
           <a:xfrm>
             <a:off x="1828800" y="1600200"/>
-            <a:ext cx="5485320" cy="4524840"/>
+            <a:ext cx="5485680" cy="4525200"/>
           </a:xfrm>
           <a:prstGeom prst="rect">
             <a:avLst/>
@@ -7178,7 +7151,7 @@
         <p:spPr>
           <a:xfrm>
             <a:off x="6553080" y="6356520"/>
-            <a:ext cx="2132640" cy="363960"/>
+            <a:ext cx="2133000" cy="364320"/>
           </a:xfrm>
           <a:prstGeom prst="rect">
             <a:avLst/>
@@ -7192,7 +7165,7 @@
                 <a:spcPct val="100000"/>
               </a:lnSpc>
             </a:pPr>
-            <a:fld id="{65FEB8D3-F8F2-426A-96B2-30F9FD34334D}" type="slidenum">
+            <a:fld id="{2E035DDC-074A-46CF-8DA9-C6EB392AC337}" type="slidenum">
               <a:rPr lang="en-CA" sz="1200">
                 <a:solidFill>
                   <a:srgbClr val="8b8b8b"/>
@@ -7244,6 +7217,7 @@
                                           </p:spTgt>
                                         </p:tgtEl>
                                       </p:cBhvr>
+                                      <p:to/>
                                     </p:set>
                                     <p:set>
                                       <p:cBhvr>
@@ -7256,6 +7230,7 @@
                                           </p:spTgt>
                                         </p:tgtEl>
                                       </p:cBhvr>
+                                      <p:to/>
                                     </p:set>
                                     <p:set>
                                       <p:cBhvr>
@@ -7289,6 +7264,7 @@
                                           </p:spTgt>
                                         </p:tgtEl>
                                       </p:cBhvr>
+                                      <p:to/>
                                     </p:set>
                                     <p:set>
                                       <p:cBhvr>
@@ -7301,6 +7277,7 @@
                                           </p:spTgt>
                                         </p:tgtEl>
                                       </p:cBhvr>
+                                      <p:to/>
                                     </p:set>
                                     <p:set>
                                       <p:cBhvr>
@@ -7334,6 +7311,7 @@
                                           </p:spTgt>
                                         </p:tgtEl>
                                       </p:cBhvr>
+                                      <p:to/>
                                     </p:set>
                                     <p:set>
                                       <p:cBhvr>
@@ -7346,6 +7324,7 @@
                                           </p:spTgt>
                                         </p:tgtEl>
                                       </p:cBhvr>
+                                      <p:to/>
                                     </p:set>
                                     <p:set>
                                       <p:cBhvr>
@@ -7379,6 +7358,7 @@
                                           </p:spTgt>
                                         </p:tgtEl>
                                       </p:cBhvr>
+                                      <p:to/>
                                     </p:set>
                                     <p:set>
                                       <p:cBhvr>
@@ -7391,6 +7371,7 @@
                                           </p:spTgt>
                                         </p:tgtEl>
                                       </p:cBhvr>
+                                      <p:to/>
                                     </p:set>
                                     <p:set>
                                       <p:cBhvr>
@@ -7424,6 +7405,7 @@
                                           </p:spTgt>
                                         </p:tgtEl>
                                       </p:cBhvr>
+                                      <p:to/>
                                     </p:set>
                                     <p:set>
                                       <p:cBhvr>
@@ -7436,6 +7418,7 @@
                                           </p:spTgt>
                                         </p:tgtEl>
                                       </p:cBhvr>
+                                      <p:to/>
                                     </p:set>
                                     <p:set>
                                       <p:cBhvr>
@@ -7469,6 +7452,7 @@
                                           </p:spTgt>
                                         </p:tgtEl>
                                       </p:cBhvr>
+                                      <p:to/>
                                     </p:set>
                                     <p:set>
                                       <p:cBhvr>
@@ -7481,6 +7465,7 @@
                                           </p:spTgt>
                                         </p:tgtEl>
                                       </p:cBhvr>
+                                      <p:to/>
                                     </p:set>
                                     <p:set>
                                       <p:cBhvr>
@@ -7514,6 +7499,7 @@
                                           </p:spTgt>
                                         </p:tgtEl>
                                       </p:cBhvr>
+                                      <p:to/>
                                     </p:set>
                                     <p:set>
                                       <p:cBhvr>
@@ -7526,6 +7512,7 @@
                                           </p:spTgt>
                                         </p:tgtEl>
                                       </p:cBhvr>
+                                      <p:to/>
                                     </p:set>
                                     <p:set>
                                       <p:cBhvr>
@@ -7559,6 +7546,7 @@
                                           </p:spTgt>
                                         </p:tgtEl>
                                       </p:cBhvr>
+                                      <p:to/>
                                     </p:set>
                                     <p:set>
                                       <p:cBhvr>
@@ -7571,6 +7559,7 @@
                                           </p:spTgt>
                                         </p:tgtEl>
                                       </p:cBhvr>
+                                      <p:to/>
                                     </p:set>
                                     <p:set>
                                       <p:cBhvr>
@@ -7604,6 +7593,7 @@
                                           </p:spTgt>
                                         </p:tgtEl>
                                       </p:cBhvr>
+                                      <p:to/>
                                     </p:set>
                                     <p:set>
                                       <p:cBhvr>
@@ -7616,6 +7606,7 @@
                                           </p:spTgt>
                                         </p:tgtEl>
                                       </p:cBhvr>
+                                      <p:to/>
                                     </p:set>
                                     <p:set>
                                       <p:cBhvr>
@@ -7649,6 +7640,7 @@
                                           </p:spTgt>
                                         </p:tgtEl>
                                       </p:cBhvr>
+                                      <p:to/>
                                     </p:set>
                                     <p:set>
                                       <p:cBhvr>
@@ -7661,6 +7653,7 @@
                                           </p:spTgt>
                                         </p:tgtEl>
                                       </p:cBhvr>
+                                      <p:to/>
                                     </p:set>
                                     <p:set>
                                       <p:cBhvr>
@@ -7734,7 +7727,7 @@
         <p:spPr>
           <a:xfrm>
             <a:off x="6553080" y="6356520"/>
-            <a:ext cx="2132640" cy="363960"/>
+            <a:ext cx="2133000" cy="364320"/>
           </a:xfrm>
           <a:prstGeom prst="rect">
             <a:avLst/>
@@ -7748,7 +7741,7 @@
                 <a:spcPct val="100000"/>
               </a:lnSpc>
             </a:pPr>
-            <a:fld id="{C9E61E29-1A6F-4FDC-8C84-857A96C70F0F}" type="slidenum">
+            <a:fld id="{C995D83C-CEE2-409A-93D7-761E5FCD6776}" type="slidenum">
               <a:rPr lang="en-CA" sz="1200">
                 <a:solidFill>
                   <a:srgbClr val="8b8b8b"/>
@@ -7769,7 +7762,7 @@
         </p:nvGraphicFramePr>
         <p:xfrm>
           <a:off x="380880" y="304920"/>
-          <a:ext cx="3123000" cy="5830920"/>
+          <a:ext cx="3123360" cy="5831280"/>
         </p:xfrm>
         <a:graphic>
           <a:graphicData uri="http://schemas.openxmlformats.org/drawingml/2006/table">
@@ -7777,7 +7770,7 @@
               <a:tblPr/>
               <a:tblGrid>
                 <a:gridCol w="1447560"/>
-                <a:gridCol w="1675440"/>
+                <a:gridCol w="1675800"/>
               </a:tblGrid>
               <a:tr h="887760">
                 <a:tc>
@@ -8512,7 +8505,7 @@
         <p:spPr>
           <a:xfrm>
             <a:off x="762120" y="6172200"/>
-            <a:ext cx="837000" cy="637560"/>
+            <a:ext cx="837360" cy="637920"/>
           </a:xfrm>
           <a:prstGeom prst="rect">
             <a:avLst/>
@@ -8557,7 +8550,7 @@
         <p:spPr>
           <a:xfrm>
             <a:off x="2286000" y="6172200"/>
-            <a:ext cx="913320" cy="637560"/>
+            <a:ext cx="913680" cy="637920"/>
           </a:xfrm>
           <a:prstGeom prst="rect">
             <a:avLst/>
@@ -8601,7 +8594,7 @@
         </p:nvGraphicFramePr>
         <p:xfrm>
           <a:off x="5257800" y="304920"/>
-          <a:ext cx="3123000" cy="3234960"/>
+          <a:ext cx="3123360" cy="3235320"/>
         </p:xfrm>
         <a:graphic>
           <a:graphicData uri="http://schemas.openxmlformats.org/drawingml/2006/table">
@@ -8609,7 +8602,7 @@
               <a:tblPr/>
               <a:tblGrid>
                 <a:gridCol w="1447560"/>
-                <a:gridCol w="1675440"/>
+                <a:gridCol w="1675800"/>
               </a:tblGrid>
               <a:tr h="887760">
                 <a:tc>
@@ -9026,7 +9019,7 @@
         <p:spPr>
           <a:xfrm>
             <a:off x="5638680" y="3593160"/>
-            <a:ext cx="837000" cy="637560"/>
+            <a:ext cx="837360" cy="637920"/>
           </a:xfrm>
           <a:prstGeom prst="rect">
             <a:avLst/>
@@ -9071,7 +9064,7 @@
         <p:spPr>
           <a:xfrm>
             <a:off x="7162920" y="3593160"/>
-            <a:ext cx="913320" cy="637560"/>
+            <a:ext cx="913680" cy="637920"/>
           </a:xfrm>
           <a:prstGeom prst="rect">
             <a:avLst/>
@@ -9116,7 +9109,7 @@
         <p:spPr>
           <a:xfrm>
             <a:off x="4042440" y="4687560"/>
-            <a:ext cx="4564800" cy="638280"/>
+            <a:ext cx="4565160" cy="638640"/>
           </a:xfrm>
           <a:prstGeom prst="rect">
             <a:avLst/>
@@ -9187,7 +9180,7 @@
         <p:spPr>
           <a:xfrm>
             <a:off x="3657600" y="4687560"/>
-            <a:ext cx="5334840" cy="645120"/>
+            <a:ext cx="5335200" cy="645480"/>
           </a:xfrm>
           <a:prstGeom prst="rect">
             <a:avLst/>
@@ -9251,7 +9244,7 @@
         <p:spPr>
           <a:xfrm>
             <a:off x="457200" y="274680"/>
-            <a:ext cx="8228520" cy="1141920"/>
+            <a:ext cx="8228880" cy="1142280"/>
           </a:xfrm>
           <a:prstGeom prst="rect">
             <a:avLst/>
@@ -9287,7 +9280,7 @@
         <p:spPr>
           <a:xfrm>
             <a:off x="457200" y="1600200"/>
-            <a:ext cx="8228520" cy="4524840"/>
+            <a:ext cx="8228880" cy="4525200"/>
           </a:xfrm>
           <a:prstGeom prst="rect">
             <a:avLst/>
@@ -9460,7 +9453,7 @@
         <p:spPr>
           <a:xfrm>
             <a:off x="457200" y="1600200"/>
-            <a:ext cx="8228520" cy="4524840"/>
+            <a:ext cx="8228880" cy="4525200"/>
           </a:xfrm>
           <a:prstGeom prst="rect">
             <a:avLst/>
@@ -9498,7 +9491,7 @@
         <p:spPr>
           <a:xfrm>
             <a:off x="6553080" y="6356520"/>
-            <a:ext cx="2132640" cy="363960"/>
+            <a:ext cx="2133000" cy="364320"/>
           </a:xfrm>
           <a:prstGeom prst="rect">
             <a:avLst/>
@@ -9512,7 +9505,7 @@
                 <a:spcPct val="100000"/>
               </a:lnSpc>
             </a:pPr>
-            <a:fld id="{75B2FC1E-DE77-4D62-9EA3-C94854DFD310}" type="slidenum">
+            <a:fld id="{DBC9043D-AF90-450A-AC6D-B01721423AE8}" type="slidenum">
               <a:rPr lang="en-CA" sz="1200">
                 <a:solidFill>
                   <a:srgbClr val="8b8b8b"/>
@@ -9583,7 +9576,7 @@
         <p:spPr>
           <a:xfrm>
             <a:off x="457200" y="274680"/>
-            <a:ext cx="8228520" cy="1141920"/>
+            <a:ext cx="8228880" cy="1142280"/>
           </a:xfrm>
           <a:prstGeom prst="rect">
             <a:avLst/>
@@ -9619,7 +9612,7 @@
         <p:spPr>
           <a:xfrm>
             <a:off x="304920" y="1600200"/>
-            <a:ext cx="8533440" cy="4524840"/>
+            <a:ext cx="8533800" cy="4525200"/>
           </a:xfrm>
           <a:prstGeom prst="rect">
             <a:avLst/>
@@ -9764,7 +9757,7 @@
         <p:spPr>
           <a:xfrm>
             <a:off x="304920" y="1600200"/>
-            <a:ext cx="8533440" cy="4524840"/>
+            <a:ext cx="8533800" cy="4525200"/>
           </a:xfrm>
           <a:prstGeom prst="rect">
             <a:avLst/>
@@ -9802,7 +9795,7 @@
         <p:spPr>
           <a:xfrm>
             <a:off x="6553080" y="6356520"/>
-            <a:ext cx="2132640" cy="363960"/>
+            <a:ext cx="2133000" cy="364320"/>
           </a:xfrm>
           <a:prstGeom prst="rect">
             <a:avLst/>
@@ -9816,7 +9809,7 @@
                 <a:spcPct val="100000"/>
               </a:lnSpc>
             </a:pPr>
-            <a:fld id="{3ECAC804-010E-47B5-8A5C-48142BF490D5}" type="slidenum">
+            <a:fld id="{3B7160F3-BA92-4502-B975-850E25881A5C}" type="slidenum">
               <a:rPr lang="en-CA" sz="1200">
                 <a:solidFill>
                   <a:srgbClr val="8b8b8b"/>
@@ -9887,7 +9880,7 @@
         <p:spPr>
           <a:xfrm>
             <a:off x="457200" y="274680"/>
-            <a:ext cx="8228520" cy="1141920"/>
+            <a:ext cx="8228880" cy="1142280"/>
           </a:xfrm>
           <a:prstGeom prst="rect">
             <a:avLst/>
@@ -9923,7 +9916,7 @@
         <p:spPr>
           <a:xfrm>
             <a:off x="457200" y="1600200"/>
-            <a:ext cx="8228520" cy="4524840"/>
+            <a:ext cx="8228880" cy="4525200"/>
           </a:xfrm>
           <a:prstGeom prst="rect">
             <a:avLst/>
@@ -10060,7 +10053,7 @@
         <p:spPr>
           <a:xfrm>
             <a:off x="457200" y="1600200"/>
-            <a:ext cx="8228520" cy="4524840"/>
+            <a:ext cx="8228880" cy="4525200"/>
           </a:xfrm>
           <a:prstGeom prst="rect">
             <a:avLst/>
@@ -10098,7 +10091,7 @@
         <p:spPr>
           <a:xfrm>
             <a:off x="6553080" y="6356520"/>
-            <a:ext cx="2132640" cy="363960"/>
+            <a:ext cx="2133000" cy="364320"/>
           </a:xfrm>
           <a:prstGeom prst="rect">
             <a:avLst/>
@@ -10112,7 +10105,7 @@
                 <a:spcPct val="100000"/>
               </a:lnSpc>
             </a:pPr>
-            <a:fld id="{0C63B719-C734-4E47-A278-59E81A95796C}" type="slidenum">
+            <a:fld id="{B15C810A-3A87-41B4-B55C-60D8E1019D24}" type="slidenum">
               <a:rPr lang="en-CA" sz="1200">
                 <a:solidFill>
                   <a:srgbClr val="8b8b8b"/>
@@ -10156,7 +10149,7 @@
         <p:spPr>
           <a:xfrm>
             <a:off x="457200" y="274680"/>
-            <a:ext cx="8228520" cy="1141920"/>
+            <a:ext cx="8228880" cy="1142280"/>
           </a:xfrm>
           <a:prstGeom prst="rect">
             <a:avLst/>
@@ -10192,7 +10185,7 @@
         <p:spPr>
           <a:xfrm>
             <a:off x="4419720" y="1822320"/>
-            <a:ext cx="4619160" cy="4272840"/>
+            <a:ext cx="4619520" cy="4273200"/>
           </a:xfrm>
           <a:prstGeom prst="rect">
             <a:avLst/>
@@ -10657,7 +10650,7 @@
         <p:spPr>
           <a:xfrm>
             <a:off x="6553080" y="6356520"/>
-            <a:ext cx="2132640" cy="363960"/>
+            <a:ext cx="2133000" cy="364320"/>
           </a:xfrm>
           <a:prstGeom prst="rect">
             <a:avLst/>
@@ -10671,7 +10664,7 @@
                 <a:spcPct val="100000"/>
               </a:lnSpc>
             </a:pPr>
-            <a:fld id="{21954593-0472-4C79-B7C5-BDFEF90D63AE}" type="slidenum">
+            <a:fld id="{0BDCF898-AAA4-4F66-9352-C5968A7C2A51}" type="slidenum">
               <a:rPr lang="en-CA" sz="1200">
                 <a:solidFill>
                   <a:srgbClr val="8b8b8b"/>
@@ -10693,7 +10686,7 @@
         <p:spPr>
           <a:xfrm>
             <a:off x="65880" y="1830960"/>
-            <a:ext cx="4200120" cy="4263840"/>
+            <a:ext cx="4200480" cy="4264200"/>
           </a:xfrm>
           <a:prstGeom prst="rect">
             <a:avLst/>
@@ -11119,7 +11112,7 @@
         <p:spPr>
           <a:xfrm>
             <a:off x="1482120" y="1461600"/>
-            <a:ext cx="1382760" cy="363960"/>
+            <a:ext cx="1383120" cy="364320"/>
           </a:xfrm>
           <a:prstGeom prst="rect">
             <a:avLst/>
@@ -11155,7 +11148,7 @@
         <p:spPr>
           <a:xfrm>
             <a:off x="6014160" y="1461600"/>
-            <a:ext cx="1382760" cy="363960"/>
+            <a:ext cx="1383120" cy="364320"/>
           </a:xfrm>
           <a:prstGeom prst="rect">
             <a:avLst/>
@@ -11221,6 +11214,7 @@
                                           </p:spTgt>
                                         </p:tgtEl>
                                       </p:cBhvr>
+                                      <p:to/>
                                     </p:set>
                                     <p:set>
                                       <p:cBhvr>
@@ -11233,6 +11227,7 @@
                                           </p:spTgt>
                                         </p:tgtEl>
                                       </p:cBhvr>
+                                      <p:to/>
                                     </p:set>
                                     <p:set>
                                       <p:cBhvr>
@@ -11266,6 +11261,7 @@
                                           </p:spTgt>
                                         </p:tgtEl>
                                       </p:cBhvr>
+                                      <p:to/>
                                     </p:set>
                                     <p:set>
                                       <p:cBhvr>
@@ -11278,6 +11274,7 @@
                                           </p:spTgt>
                                         </p:tgtEl>
                                       </p:cBhvr>
+                                      <p:to/>
                                     </p:set>
                                     <p:set>
                                       <p:cBhvr>
@@ -11311,6 +11308,7 @@
                                           </p:spTgt>
                                         </p:tgtEl>
                                       </p:cBhvr>
+                                      <p:to/>
                                     </p:set>
                                     <p:set>
                                       <p:cBhvr>
@@ -11323,6 +11321,7 @@
                                           </p:spTgt>
                                         </p:tgtEl>
                                       </p:cBhvr>
+                                      <p:to/>
                                     </p:set>
                                     <p:set>
                                       <p:cBhvr>
@@ -11356,6 +11355,7 @@
                                           </p:spTgt>
                                         </p:tgtEl>
                                       </p:cBhvr>
+                                      <p:to/>
                                     </p:set>
                                     <p:set>
                                       <p:cBhvr>
@@ -11368,6 +11368,7 @@
                                           </p:spTgt>
                                         </p:tgtEl>
                                       </p:cBhvr>
+                                      <p:to/>
                                     </p:set>
                                     <p:set>
                                       <p:cBhvr>
@@ -11401,6 +11402,7 @@
                                           </p:spTgt>
                                         </p:tgtEl>
                                       </p:cBhvr>
+                                      <p:to/>
                                     </p:set>
                                     <p:set>
                                       <p:cBhvr>
@@ -11413,6 +11415,7 @@
                                           </p:spTgt>
                                         </p:tgtEl>
                                       </p:cBhvr>
+                                      <p:to/>
                                     </p:set>
                                     <p:set>
                                       <p:cBhvr>
@@ -11446,6 +11449,7 @@
                                           </p:spTgt>
                                         </p:tgtEl>
                                       </p:cBhvr>
+                                      <p:to/>
                                     </p:set>
                                     <p:set>
                                       <p:cBhvr>
@@ -11458,6 +11462,7 @@
                                           </p:spTgt>
                                         </p:tgtEl>
                                       </p:cBhvr>
+                                      <p:to/>
                                     </p:set>
                                     <p:set>
                                       <p:cBhvr>
@@ -11491,6 +11496,7 @@
                                           </p:spTgt>
                                         </p:tgtEl>
                                       </p:cBhvr>
+                                      <p:to/>
                                     </p:set>
                                     <p:set>
                                       <p:cBhvr>
@@ -11503,6 +11509,7 @@
                                           </p:spTgt>
                                         </p:tgtEl>
                                       </p:cBhvr>
+                                      <p:to/>
                                     </p:set>
                                     <p:set>
                                       <p:cBhvr>
@@ -11536,6 +11543,7 @@
                                           </p:spTgt>
                                         </p:tgtEl>
                                       </p:cBhvr>
+                                      <p:to/>
                                     </p:set>
                                     <p:set>
                                       <p:cBhvr>
@@ -11548,6 +11556,7 @@
                                           </p:spTgt>
                                         </p:tgtEl>
                                       </p:cBhvr>
+                                      <p:to/>
                                     </p:set>
                                     <p:set>
                                       <p:cBhvr>
@@ -11581,6 +11590,7 @@
                                           </p:spTgt>
                                         </p:tgtEl>
                                       </p:cBhvr>
+                                      <p:to/>
                                     </p:set>
                                     <p:set>
                                       <p:cBhvr>
@@ -11593,6 +11603,7 @@
                                           </p:spTgt>
                                         </p:tgtEl>
                                       </p:cBhvr>
+                                      <p:to/>
                                     </p:set>
                                     <p:set>
                                       <p:cBhvr>
@@ -11626,6 +11637,7 @@
                                           </p:spTgt>
                                         </p:tgtEl>
                                       </p:cBhvr>
+                                      <p:to/>
                                     </p:set>
                                     <p:set>
                                       <p:cBhvr>
@@ -11638,6 +11650,7 @@
                                           </p:spTgt>
                                         </p:tgtEl>
                                       </p:cBhvr>
+                                      <p:to/>
                                     </p:set>
                                     <p:set>
                                       <p:cBhvr>
